--- a/Lect2.pptx
+++ b/Lect2.pptx
@@ -20,8 +20,8 @@
     <p:sldId id="270" r:id="rId14"/>
     <p:sldId id="261" r:id="rId15"/>
     <p:sldId id="296" r:id="rId16"/>
-    <p:sldId id="263" r:id="rId17"/>
-    <p:sldId id="264" r:id="rId18"/>
+    <p:sldId id="264" r:id="rId17"/>
+    <p:sldId id="263" r:id="rId18"/>
     <p:sldId id="274" r:id="rId19"/>
     <p:sldId id="269" r:id="rId20"/>
     <p:sldId id="265" r:id="rId21"/>
@@ -6059,283 +6059,560 @@
         </p:nvSpPr>
         <p:spPr/>
         <p:txBody>
-          <a:bodyPr/>
+          <a:bodyPr>
+            <a:noAutofit/>
+          </a:bodyPr>
           <a:lstStyle/>
           <a:p>
             <a:pPr marL="0" indent="0">
               <a:buNone/>
             </a:pPr>
             <a:r>
-              <a:rPr lang="ru-RU" dirty="0" err="1"/>
-              <a:t>З</a:t>
-            </a:r>
-            <a:r>
-              <a:rPr lang="ru-RU" dirty="0" err="1" smtClean="0"/>
-              <a:t>адачі</a:t>
-            </a:r>
-            <a:r>
-              <a:rPr lang="ru-RU" dirty="0"/>
+              <a:rPr lang="en-US" sz="1800" dirty="0"/>
+              <a:t>EXPSPACE-</a:t>
+            </a:r>
+            <a:r>
+              <a:rPr lang="ru-RU" sz="1800" dirty="0" err="1"/>
+              <a:t>задачі</a:t>
+            </a:r>
+            <a:r>
+              <a:rPr lang="ru-RU" sz="1800" dirty="0"/>
+              <a:t> </a:t>
+            </a:r>
+            <a:r>
+              <a:rPr lang="ru-RU" sz="1800" dirty="0" err="1"/>
+              <a:t>потребують</a:t>
+            </a:r>
+            <a:r>
+              <a:rPr lang="ru-RU" sz="1800" dirty="0"/>
+              <a:t> </a:t>
+            </a:r>
+            <a:r>
+              <a:rPr lang="ru-RU" sz="1800" dirty="0" err="1"/>
+              <a:t>експоненційного</a:t>
+            </a:r>
+            <a:r>
+              <a:rPr lang="ru-RU" sz="1800" dirty="0"/>
+              <a:t> </a:t>
+            </a:r>
+            <a:r>
+              <a:rPr lang="ru-RU" sz="1800" dirty="0" err="1"/>
+              <a:t>обсягу</a:t>
+            </a:r>
+            <a:r>
+              <a:rPr lang="ru-RU" sz="1800" dirty="0"/>
+              <a:t> </a:t>
+            </a:r>
+            <a:r>
+              <a:rPr lang="ru-RU" sz="1800" dirty="0" err="1"/>
+              <a:t>пам'яті</a:t>
+            </a:r>
+            <a:r>
+              <a:rPr lang="ru-RU" sz="1800" dirty="0"/>
+              <a:t> для </a:t>
+            </a:r>
+            <a:r>
+              <a:rPr lang="ru-RU" sz="1800" dirty="0" err="1"/>
+              <a:t>розв'язання</a:t>
+            </a:r>
+            <a:r>
+              <a:rPr lang="ru-RU" sz="1800" dirty="0"/>
               <a:t>, </a:t>
             </a:r>
             <a:r>
-              <a:rPr lang="ru-RU" dirty="0" err="1"/>
-              <a:t>що</a:t>
-            </a:r>
-            <a:r>
-              <a:rPr lang="ru-RU" dirty="0"/>
-              <a:t> </a:t>
-            </a:r>
-            <a:r>
-              <a:rPr lang="ru-RU" dirty="0" err="1"/>
-              <a:t>потребують</a:t>
-            </a:r>
-            <a:r>
-              <a:rPr lang="ru-RU" dirty="0"/>
-              <a:t> </a:t>
-            </a:r>
-            <a:r>
-              <a:rPr lang="ru-RU" dirty="0" err="1"/>
-              <a:t>експоненційної</a:t>
-            </a:r>
-            <a:r>
-              <a:rPr lang="ru-RU" dirty="0"/>
-              <a:t> </a:t>
-            </a:r>
-            <a:r>
-              <a:rPr lang="ru-RU" dirty="0" err="1"/>
+              <a:rPr lang="ru-RU" sz="1800" dirty="0" err="1"/>
+              <a:t>тобто</a:t>
+            </a:r>
+            <a:r>
+              <a:rPr lang="ru-RU" sz="1800" dirty="0"/>
+              <a:t> </a:t>
+            </a:r>
+            <a:r>
+              <a:rPr lang="ru-RU" sz="1800" dirty="0" err="1"/>
               <a:t>пам'яті</a:t>
             </a:r>
             <a:r>
-              <a:rPr lang="ru-RU" dirty="0"/>
+              <a:rPr lang="ru-RU" sz="1800" dirty="0"/>
+              <a:t> порядку </a:t>
+            </a:r>
+            <a:r>
+              <a:rPr lang="en-US" sz="1800" dirty="0" smtClean="0"/>
+              <a:t>2^p(n), </a:t>
+            </a:r>
+            <a:r>
+              <a:rPr lang="ru-RU" sz="1800" dirty="0"/>
+              <a:t>де </a:t>
+            </a:r>
+            <a:r>
+              <a:rPr lang="en-US" sz="1800" dirty="0" smtClean="0"/>
+              <a:t>p(n) </a:t>
+            </a:r>
+            <a:r>
+              <a:rPr lang="en-US" sz="1800" dirty="0"/>
+              <a:t>— </a:t>
+            </a:r>
+            <a:r>
+              <a:rPr lang="ru-RU" sz="1800" dirty="0" err="1"/>
+              <a:t>поліном</a:t>
+            </a:r>
+            <a:r>
+              <a:rPr lang="ru-RU" sz="1800" dirty="0"/>
+              <a:t> </a:t>
+            </a:r>
+            <a:r>
+              <a:rPr lang="ru-RU" sz="1800" dirty="0" err="1"/>
+              <a:t>від</a:t>
+            </a:r>
+            <a:r>
+              <a:rPr lang="ru-RU" sz="1800" dirty="0"/>
+              <a:t> </a:t>
+            </a:r>
+            <a:r>
+              <a:rPr lang="ru-RU" sz="1800" dirty="0" err="1"/>
+              <a:t>розміру</a:t>
+            </a:r>
+            <a:r>
+              <a:rPr lang="ru-RU" sz="1800" dirty="0"/>
+              <a:t> </a:t>
+            </a:r>
+            <a:r>
+              <a:rPr lang="ru-RU" sz="1800" dirty="0" err="1"/>
+              <a:t>вхідних</a:t>
+            </a:r>
+            <a:r>
+              <a:rPr lang="ru-RU" sz="1800" dirty="0"/>
+              <a:t> </a:t>
+            </a:r>
+            <a:r>
+              <a:rPr lang="ru-RU" sz="1800" dirty="0" err="1"/>
+              <a:t>даних</a:t>
+            </a:r>
+            <a:r>
+              <a:rPr lang="ru-RU" sz="1800" dirty="0"/>
+              <a:t> </a:t>
+            </a:r>
+            <a:r>
+              <a:rPr lang="en-US" sz="1800" dirty="0" smtClean="0"/>
+              <a:t>n.</a:t>
+            </a:r>
+            <a:endParaRPr lang="uk-UA" sz="1800" dirty="0" smtClean="0"/>
+          </a:p>
+          <a:p>
+            <a:pPr marL="0" indent="0">
+              <a:buNone/>
+            </a:pPr>
+            <a:r>
+              <a:rPr lang="ru-RU" sz="1800" b="1" dirty="0" err="1"/>
+              <a:t>Загальні</a:t>
+            </a:r>
+            <a:r>
+              <a:rPr lang="ru-RU" sz="1800" b="1" dirty="0"/>
+              <a:t> </a:t>
+            </a:r>
+            <a:r>
+              <a:rPr lang="ru-RU" sz="1800" b="1" dirty="0" err="1"/>
+              <a:t>ігри</a:t>
+            </a:r>
+            <a:r>
+              <a:rPr lang="ru-RU" sz="1800" b="1" dirty="0"/>
+              <a:t> на </a:t>
+            </a:r>
+            <a:r>
+              <a:rPr lang="ru-RU" sz="1800" b="1" dirty="0" err="1"/>
+              <a:t>повній</a:t>
+            </a:r>
+            <a:r>
+              <a:rPr lang="ru-RU" sz="1800" b="1" dirty="0"/>
+              <a:t> </a:t>
+            </a:r>
+            <a:r>
+              <a:rPr lang="ru-RU" sz="1800" b="1" dirty="0" err="1"/>
+              <a:t>інформації</a:t>
+            </a:r>
+            <a:r>
+              <a:rPr lang="ru-RU" sz="1800" b="1" dirty="0"/>
+              <a:t> з </a:t>
+            </a:r>
+            <a:r>
+              <a:rPr lang="ru-RU" sz="1800" b="1" dirty="0" err="1"/>
+              <a:t>експоненціальною</a:t>
+            </a:r>
+            <a:r>
+              <a:rPr lang="ru-RU" sz="1800" b="1" dirty="0"/>
+              <a:t> </a:t>
+            </a:r>
+            <a:r>
+              <a:rPr lang="ru-RU" sz="1800" b="1" dirty="0" err="1"/>
+              <a:t>кількістю</a:t>
+            </a:r>
+            <a:r>
+              <a:rPr lang="ru-RU" sz="1800" b="1" dirty="0"/>
+              <a:t> </a:t>
+            </a:r>
+            <a:r>
+              <a:rPr lang="ru-RU" sz="1800" b="1" dirty="0" err="1"/>
+              <a:t>ходів</a:t>
+            </a:r>
+            <a:r>
+              <a:rPr lang="ru-RU" sz="1800" b="1" dirty="0"/>
               <a:t>:</a:t>
             </a:r>
-          </a:p>
-          <a:p>
-            <a:r>
-              <a:rPr lang="ru-RU" b="1" dirty="0"/>
-              <a:t>Задача про </a:t>
-            </a:r>
-            <a:r>
-              <a:rPr lang="ru-RU" b="1" dirty="0" err="1"/>
-              <a:t>множини</a:t>
-            </a:r>
-            <a:r>
-              <a:rPr lang="ru-RU" b="1" dirty="0"/>
-              <a:t> з </a:t>
-            </a:r>
-            <a:r>
-              <a:rPr lang="ru-RU" b="1" dirty="0" err="1"/>
-              <a:t>надмірною</a:t>
-            </a:r>
-            <a:r>
-              <a:rPr lang="ru-RU" b="1" dirty="0"/>
-              <a:t> </a:t>
-            </a:r>
-            <a:r>
-              <a:rPr lang="ru-RU" b="1" dirty="0" err="1"/>
-              <a:t>кількістю</a:t>
-            </a:r>
-            <a:r>
-              <a:rPr lang="ru-RU" b="1" dirty="0"/>
-              <a:t> </a:t>
-            </a:r>
-            <a:r>
-              <a:rPr lang="ru-RU" b="1" dirty="0" err="1"/>
-              <a:t>елементів</a:t>
-            </a:r>
-            <a:r>
-              <a:rPr lang="ru-RU" dirty="0"/>
-              <a:t>, де для </a:t>
-            </a:r>
-            <a:r>
-              <a:rPr lang="ru-RU" dirty="0" err="1"/>
-              <a:t>розв'язання</a:t>
-            </a:r>
-            <a:r>
-              <a:rPr lang="ru-RU" dirty="0"/>
-              <a:t> </a:t>
-            </a:r>
-            <a:r>
-              <a:rPr lang="ru-RU" dirty="0" err="1"/>
-              <a:t>потрібно</a:t>
-            </a:r>
-            <a:r>
-              <a:rPr lang="ru-RU" dirty="0"/>
-              <a:t> </a:t>
-            </a:r>
-            <a:r>
-              <a:rPr lang="ru-RU" dirty="0" err="1"/>
-              <a:t>обчислити</a:t>
-            </a:r>
-            <a:r>
-              <a:rPr lang="ru-RU" dirty="0"/>
-              <a:t> </a:t>
-            </a:r>
-            <a:r>
-              <a:rPr lang="ru-RU" dirty="0" err="1"/>
-              <a:t>всі</a:t>
-            </a:r>
-            <a:r>
-              <a:rPr lang="ru-RU" dirty="0"/>
-              <a:t> </a:t>
-            </a:r>
-            <a:r>
-              <a:rPr lang="ru-RU" dirty="0" err="1"/>
-              <a:t>підмножини</a:t>
-            </a:r>
-            <a:r>
-              <a:rPr lang="ru-RU" dirty="0"/>
-              <a:t> </a:t>
-            </a:r>
-            <a:r>
-              <a:rPr lang="ru-RU" dirty="0" err="1"/>
+            <a:r>
+              <a:rPr lang="ru-RU" sz="1800" dirty="0"/>
+              <a:t> </a:t>
+            </a:r>
+            <a:r>
+              <a:rPr lang="ru-RU" sz="1800" dirty="0" err="1"/>
+              <a:t>наприклад</a:t>
+            </a:r>
+            <a:r>
+              <a:rPr lang="ru-RU" sz="1800" dirty="0"/>
+              <a:t>, </a:t>
+            </a:r>
+            <a:r>
+              <a:rPr lang="ru-RU" sz="1800" dirty="0" err="1"/>
+              <a:t>узагальнені</a:t>
+            </a:r>
+            <a:r>
+              <a:rPr lang="ru-RU" sz="1800" dirty="0"/>
+              <a:t> </a:t>
+            </a:r>
+            <a:r>
+              <a:rPr lang="ru-RU" sz="1800" dirty="0" err="1"/>
+              <a:t>варіанти</a:t>
+            </a:r>
+            <a:r>
+              <a:rPr lang="ru-RU" sz="1800" dirty="0"/>
+              <a:t> </a:t>
+            </a:r>
+            <a:r>
+              <a:rPr lang="ru-RU" sz="1800" dirty="0" err="1"/>
+              <a:t>ігор</a:t>
+            </a:r>
+            <a:r>
+              <a:rPr lang="ru-RU" sz="1800" dirty="0"/>
+              <a:t> типу </a:t>
+            </a:r>
+            <a:r>
+              <a:rPr lang="ru-RU" sz="1800" dirty="0" err="1"/>
+              <a:t>шахів</a:t>
+            </a:r>
+            <a:r>
+              <a:rPr lang="ru-RU" sz="1800" dirty="0"/>
+              <a:t> </a:t>
+            </a:r>
+            <a:r>
+              <a:rPr lang="ru-RU" sz="1800" dirty="0" err="1"/>
               <a:t>або</a:t>
             </a:r>
             <a:r>
-              <a:rPr lang="ru-RU" dirty="0"/>
-              <a:t> </a:t>
-            </a:r>
-            <a:r>
-              <a:rPr lang="ru-RU" dirty="0" err="1"/>
-              <a:t>розміщення</a:t>
-            </a:r>
-            <a:r>
-              <a:rPr lang="ru-RU" dirty="0"/>
-              <a:t> </a:t>
-            </a:r>
-            <a:r>
-              <a:rPr lang="ru-RU" dirty="0" err="1"/>
-              <a:t>із</a:t>
-            </a:r>
-            <a:r>
-              <a:rPr lang="ru-RU" dirty="0"/>
-              <a:t> </a:t>
-            </a:r>
-            <a:r>
-              <a:rPr lang="ru-RU" dirty="0" err="1"/>
-              <a:t>заданої</a:t>
-            </a:r>
-            <a:r>
-              <a:rPr lang="ru-RU" dirty="0"/>
-              <a:t> </a:t>
-            </a:r>
-            <a:r>
-              <a:rPr lang="ru-RU" dirty="0" err="1"/>
-              <a:t>множини</a:t>
-            </a:r>
-            <a:r>
-              <a:rPr lang="ru-RU" dirty="0"/>
+              <a:rPr lang="ru-RU" sz="1800" dirty="0"/>
+              <a:t> </a:t>
+            </a:r>
+            <a:r>
+              <a:rPr lang="ru-RU" sz="1800" dirty="0" err="1"/>
+              <a:t>Го</a:t>
+            </a:r>
+            <a:r>
+              <a:rPr lang="ru-RU" sz="1800" dirty="0"/>
+              <a:t> на великих </a:t>
+            </a:r>
+            <a:r>
+              <a:rPr lang="ru-RU" sz="1800" dirty="0" err="1" smtClean="0"/>
+              <a:t>дошках</a:t>
+            </a:r>
+            <a:r>
+              <a:rPr lang="en-US" sz="1800" dirty="0" smtClean="0"/>
+              <a:t>. </a:t>
+            </a:r>
+            <a:r>
+              <a:rPr lang="ru-RU" sz="1800" dirty="0" err="1"/>
+              <a:t>Визначення</a:t>
+            </a:r>
+            <a:r>
+              <a:rPr lang="ru-RU" sz="1800" dirty="0"/>
+              <a:t> </a:t>
+            </a:r>
+            <a:r>
+              <a:rPr lang="ru-RU" sz="1800" dirty="0" err="1"/>
+              <a:t>виграшної</a:t>
+            </a:r>
+            <a:r>
+              <a:rPr lang="ru-RU" sz="1800" dirty="0"/>
+              <a:t> </a:t>
+            </a:r>
+            <a:r>
+              <a:rPr lang="ru-RU" sz="1800" dirty="0" err="1"/>
+              <a:t>стратегії</a:t>
+            </a:r>
+            <a:r>
+              <a:rPr lang="ru-RU" sz="1800" dirty="0"/>
+              <a:t> на </a:t>
+            </a:r>
+            <a:r>
+              <a:rPr lang="ru-RU" sz="1800" dirty="0" err="1"/>
+              <a:t>такій</a:t>
+            </a:r>
+            <a:r>
+              <a:rPr lang="ru-RU" sz="1800" dirty="0"/>
+              <a:t> </a:t>
+            </a:r>
+            <a:r>
+              <a:rPr lang="ru-RU" sz="1800" dirty="0" err="1"/>
+              <a:t>дошці</a:t>
+            </a:r>
+            <a:r>
+              <a:rPr lang="ru-RU" sz="1800" dirty="0"/>
+              <a:t> </a:t>
+            </a:r>
+            <a:r>
+              <a:rPr lang="ru-RU" sz="1800" dirty="0" err="1"/>
+              <a:t>може</a:t>
+            </a:r>
+            <a:r>
+              <a:rPr lang="ru-RU" sz="1800" dirty="0"/>
+              <a:t> </a:t>
+            </a:r>
+            <a:r>
+              <a:rPr lang="ru-RU" sz="1800" dirty="0" err="1"/>
+              <a:t>вимагати</a:t>
+            </a:r>
+            <a:r>
+              <a:rPr lang="ru-RU" sz="1800" dirty="0"/>
+              <a:t> </a:t>
+            </a:r>
+            <a:r>
+              <a:rPr lang="ru-RU" sz="1800" dirty="0" err="1"/>
+              <a:t>експоненціального</a:t>
+            </a:r>
+            <a:r>
+              <a:rPr lang="ru-RU" sz="1800" dirty="0"/>
+              <a:t> </a:t>
+            </a:r>
+            <a:r>
+              <a:rPr lang="ru-RU" sz="1800" dirty="0" err="1"/>
+              <a:t>обсягу</a:t>
+            </a:r>
+            <a:r>
+              <a:rPr lang="ru-RU" sz="1800" dirty="0"/>
+              <a:t> </a:t>
+            </a:r>
+            <a:r>
+              <a:rPr lang="ru-RU" sz="1800" dirty="0" err="1"/>
+              <a:t>пам'яті</a:t>
+            </a:r>
+            <a:r>
+              <a:rPr lang="ru-RU" sz="1800" dirty="0"/>
               <a:t>.</a:t>
             </a:r>
           </a:p>
           <a:p>
-            <a:r>
-              <a:rPr lang="ru-RU" b="1" dirty="0" err="1"/>
-              <a:t>Генерація</a:t>
-            </a:r>
-            <a:r>
-              <a:rPr lang="ru-RU" b="1" dirty="0"/>
-              <a:t> та </a:t>
-            </a:r>
-            <a:r>
-              <a:rPr lang="ru-RU" b="1" dirty="0" err="1"/>
-              <a:t>перевірка</a:t>
-            </a:r>
-            <a:r>
-              <a:rPr lang="ru-RU" b="1" dirty="0"/>
-              <a:t> </a:t>
-            </a:r>
-            <a:r>
-              <a:rPr lang="ru-RU" b="1" dirty="0" err="1"/>
-              <a:t>всіх</a:t>
-            </a:r>
-            <a:r>
-              <a:rPr lang="ru-RU" b="1" dirty="0"/>
-              <a:t> </a:t>
-            </a:r>
-            <a:r>
-              <a:rPr lang="ru-RU" b="1" dirty="0" err="1"/>
-              <a:t>можливих</a:t>
-            </a:r>
-            <a:r>
-              <a:rPr lang="ru-RU" b="1" dirty="0"/>
-              <a:t> </a:t>
-            </a:r>
-            <a:r>
-              <a:rPr lang="ru-RU" b="1" dirty="0" err="1"/>
-              <a:t>конфігурацій</a:t>
-            </a:r>
-            <a:r>
-              <a:rPr lang="ru-RU" dirty="0"/>
-              <a:t> у великих </a:t>
-            </a:r>
-            <a:r>
-              <a:rPr lang="ru-RU" dirty="0" err="1"/>
-              <a:t>іграх</a:t>
-            </a:r>
-            <a:r>
-              <a:rPr lang="ru-RU" dirty="0"/>
-              <a:t>, таких як шахи на великих </a:t>
-            </a:r>
-            <a:r>
-              <a:rPr lang="ru-RU" dirty="0" err="1"/>
-              <a:t>дошках</a:t>
-            </a:r>
-            <a:r>
-              <a:rPr lang="ru-RU" dirty="0"/>
-              <a:t> </a:t>
-            </a:r>
-            <a:r>
-              <a:rPr lang="ru-RU" dirty="0" err="1"/>
-              <a:t>або</a:t>
-            </a:r>
-            <a:r>
-              <a:rPr lang="ru-RU" dirty="0"/>
-              <a:t> </a:t>
-            </a:r>
-            <a:r>
-              <a:rPr lang="ru-RU" dirty="0" err="1"/>
-              <a:t>версії</a:t>
-            </a:r>
-            <a:r>
-              <a:rPr lang="ru-RU" dirty="0"/>
-              <a:t> </a:t>
-            </a:r>
-            <a:r>
-              <a:rPr lang="ru-RU" dirty="0" err="1"/>
-              <a:t>шахових</a:t>
-            </a:r>
-            <a:r>
-              <a:rPr lang="ru-RU" dirty="0"/>
-              <a:t> задач, </a:t>
-            </a:r>
-            <a:r>
-              <a:rPr lang="ru-RU" dirty="0" err="1"/>
-              <a:t>що</a:t>
-            </a:r>
-            <a:r>
-              <a:rPr lang="ru-RU" dirty="0"/>
-              <a:t> </a:t>
-            </a:r>
-            <a:r>
-              <a:rPr lang="ru-RU" dirty="0" err="1"/>
-              <a:t>потребують</a:t>
-            </a:r>
-            <a:r>
-              <a:rPr lang="ru-RU" dirty="0"/>
-              <a:t> </a:t>
-            </a:r>
-            <a:r>
-              <a:rPr lang="ru-RU" dirty="0" err="1"/>
-              <a:t>експоненційного</a:t>
-            </a:r>
-            <a:r>
-              <a:rPr lang="ru-RU" dirty="0"/>
-              <a:t> простору.</a:t>
-            </a:r>
-          </a:p>
-          <a:p>
-            <a:endParaRPr lang="en-US" dirty="0"/>
+            <a:pPr marL="0" indent="0">
+              <a:buNone/>
+            </a:pPr>
+            <a:r>
+              <a:rPr lang="ru-RU" sz="1800" b="1" dirty="0" smtClean="0"/>
+              <a:t>Проблема </a:t>
+            </a:r>
+            <a:r>
+              <a:rPr lang="ru-RU" sz="1800" b="1" dirty="0"/>
+              <a:t>слова </a:t>
+            </a:r>
+            <a:r>
+              <a:rPr lang="ru-RU" sz="1800" b="1" dirty="0" smtClean="0"/>
+              <a:t>для </a:t>
+            </a:r>
+            <a:r>
+              <a:rPr lang="ru-RU" sz="1800" b="1" dirty="0" err="1" smtClean="0"/>
+              <a:t>автоматів</a:t>
+            </a:r>
+            <a:r>
+              <a:rPr lang="ru-RU" sz="1800" dirty="0"/>
+              <a:t>: </a:t>
+            </a:r>
+            <a:r>
+              <a:rPr lang="ru-RU" sz="1800" dirty="0" err="1"/>
+              <a:t>розпізнавання</a:t>
+            </a:r>
+            <a:r>
+              <a:rPr lang="ru-RU" sz="1800" dirty="0"/>
+              <a:t>, </a:t>
+            </a:r>
+            <a:r>
+              <a:rPr lang="ru-RU" sz="1800" dirty="0" err="1"/>
+              <a:t>чи</a:t>
+            </a:r>
+            <a:r>
+              <a:rPr lang="ru-RU" sz="1800" dirty="0"/>
+              <a:t> </a:t>
+            </a:r>
+            <a:r>
+              <a:rPr lang="ru-RU" sz="1800" dirty="0" err="1"/>
+              <a:t>належить</a:t>
+            </a:r>
+            <a:r>
+              <a:rPr lang="ru-RU" sz="1800" dirty="0"/>
+              <a:t> </a:t>
+            </a:r>
+            <a:r>
+              <a:rPr lang="ru-RU" sz="1800" dirty="0" err="1"/>
+              <a:t>певне</a:t>
+            </a:r>
+            <a:r>
+              <a:rPr lang="ru-RU" sz="1800" dirty="0"/>
+              <a:t> слово </a:t>
+            </a:r>
+            <a:r>
+              <a:rPr lang="ru-RU" sz="1800" dirty="0" smtClean="0"/>
+              <a:t>до </a:t>
+            </a:r>
+            <a:r>
+              <a:rPr lang="ru-RU" sz="1800" dirty="0" err="1" smtClean="0"/>
+              <a:t>даної</a:t>
+            </a:r>
+            <a:r>
+              <a:rPr lang="ru-RU" sz="1800" dirty="0" smtClean="0"/>
+              <a:t> </a:t>
+            </a:r>
+            <a:r>
+              <a:rPr lang="ru-RU" sz="1800" dirty="0" err="1"/>
+              <a:t>мови</a:t>
+            </a:r>
+            <a:r>
+              <a:rPr lang="ru-RU" sz="1800" dirty="0"/>
+              <a:t>, </a:t>
+            </a:r>
+            <a:r>
+              <a:rPr lang="ru-RU" sz="1800" dirty="0" err="1"/>
+              <a:t>описаної</a:t>
+            </a:r>
+            <a:r>
+              <a:rPr lang="ru-RU" sz="1800" dirty="0"/>
+              <a:t> </a:t>
+            </a:r>
+            <a:r>
+              <a:rPr lang="ru-RU" sz="1800" dirty="0" smtClean="0"/>
+              <a:t>автоматом.</a:t>
+            </a:r>
+            <a:endParaRPr lang="ru-RU" sz="1800" dirty="0"/>
+          </a:p>
+          <a:p>
+            <a:pPr marL="0" indent="0">
+              <a:buNone/>
+            </a:pPr>
+            <a:r>
+              <a:rPr lang="ru-RU" sz="1800" b="1" dirty="0" smtClean="0"/>
+              <a:t>Задача </a:t>
+            </a:r>
+            <a:r>
+              <a:rPr lang="ru-RU" sz="1800" b="1" dirty="0" err="1"/>
+              <a:t>досяжності</a:t>
+            </a:r>
+            <a:r>
+              <a:rPr lang="ru-RU" sz="1800" b="1" dirty="0"/>
+              <a:t> в </a:t>
+            </a:r>
+            <a:r>
+              <a:rPr lang="ru-RU" sz="1800" b="1" dirty="0" err="1"/>
+              <a:t>багатовимірних</a:t>
+            </a:r>
+            <a:r>
+              <a:rPr lang="ru-RU" sz="1800" b="1" dirty="0"/>
+              <a:t> графах</a:t>
+            </a:r>
+            <a:r>
+              <a:rPr lang="ru-RU" sz="1800" dirty="0"/>
+              <a:t>: </a:t>
+            </a:r>
+            <a:r>
+              <a:rPr lang="ru-RU" sz="1800" dirty="0" err="1"/>
+              <a:t>наприклад</a:t>
+            </a:r>
+            <a:r>
+              <a:rPr lang="ru-RU" sz="1800" dirty="0"/>
+              <a:t>, </a:t>
+            </a:r>
+            <a:r>
+              <a:rPr lang="ru-RU" sz="1800" dirty="0" err="1"/>
+              <a:t>визначення</a:t>
+            </a:r>
+            <a:r>
+              <a:rPr lang="ru-RU" sz="1800" dirty="0"/>
+              <a:t> </a:t>
+            </a:r>
+            <a:r>
+              <a:rPr lang="ru-RU" sz="1800" dirty="0" err="1"/>
+              <a:t>можливості</a:t>
+            </a:r>
+            <a:r>
+              <a:rPr lang="ru-RU" sz="1800" dirty="0"/>
+              <a:t> </a:t>
+            </a:r>
+            <a:r>
+              <a:rPr lang="ru-RU" sz="1800" dirty="0" err="1"/>
+              <a:t>дійти</a:t>
+            </a:r>
+            <a:r>
+              <a:rPr lang="ru-RU" sz="1800" dirty="0"/>
+              <a:t> </a:t>
+            </a:r>
+            <a:r>
+              <a:rPr lang="ru-RU" sz="1800" dirty="0" err="1"/>
+              <a:t>від</a:t>
+            </a:r>
+            <a:r>
+              <a:rPr lang="ru-RU" sz="1800" dirty="0"/>
+              <a:t> </a:t>
+            </a:r>
+            <a:r>
+              <a:rPr lang="ru-RU" sz="1800" dirty="0" err="1"/>
+              <a:t>однієї</a:t>
+            </a:r>
+            <a:r>
+              <a:rPr lang="ru-RU" sz="1800" dirty="0"/>
+              <a:t> </a:t>
+            </a:r>
+            <a:r>
+              <a:rPr lang="ru-RU" sz="1800" dirty="0" err="1"/>
+              <a:t>вершини</a:t>
+            </a:r>
+            <a:r>
+              <a:rPr lang="ru-RU" sz="1800" dirty="0"/>
+              <a:t> до </a:t>
+            </a:r>
+            <a:r>
+              <a:rPr lang="ru-RU" sz="1800" dirty="0" err="1"/>
+              <a:t>іншої</a:t>
+            </a:r>
+            <a:r>
+              <a:rPr lang="ru-RU" sz="1800" dirty="0"/>
+              <a:t> </a:t>
+            </a:r>
+            <a:r>
+              <a:rPr lang="ru-RU" sz="1800" dirty="0" smtClean="0"/>
+              <a:t>в</a:t>
+            </a:r>
+            <a:r>
+              <a:rPr lang="fr-CA" sz="1800" dirty="0" smtClean="0"/>
+              <a:t> </a:t>
+            </a:r>
+            <a:r>
+              <a:rPr lang="uk-UA" sz="1800" dirty="0" smtClean="0"/>
+              <a:t>багатовимірному</a:t>
+            </a:r>
+            <a:r>
+              <a:rPr lang="ru-RU" sz="1800" dirty="0" smtClean="0"/>
+              <a:t> </a:t>
+            </a:r>
+            <a:r>
+              <a:rPr lang="ru-RU" sz="1800" dirty="0" err="1" smtClean="0"/>
+              <a:t>графі</a:t>
+            </a:r>
+            <a:r>
+              <a:rPr lang="ru-RU" sz="1800" dirty="0" smtClean="0"/>
+              <a:t>.</a:t>
+            </a:r>
+            <a:endParaRPr lang="en-US" sz="1800" dirty="0"/>
           </a:p>
         </p:txBody>
       </p:sp>
@@ -6427,7 +6704,15 @@
             </a:r>
             <a:r>
               <a:rPr lang="ru-RU" dirty="0" err="1" smtClean="0"/>
-              <a:t>розвязн</a:t>
+              <a:t>розв</a:t>
+            </a:r>
+            <a:r>
+              <a:rPr lang="fr-CA" dirty="0" smtClean="0"/>
+              <a:t>``</a:t>
+            </a:r>
+            <a:r>
+              <a:rPr lang="ru-RU" dirty="0" err="1" smtClean="0"/>
+              <a:t>язн</a:t>
             </a:r>
             <a:r>
               <a:rPr lang="uk-UA" dirty="0" smtClean="0"/>
@@ -10902,13 +11187,8 @@
             </a:r>
             <a:r>
               <a:rPr lang="ru-RU" dirty="0" smtClean="0"/>
-              <a:t> бути складно</a:t>
-            </a:r>
-            <a:r>
-              <a:rPr lang="ru-RU" dirty="0" smtClean="0"/>
-              <a:t>.</a:t>
-            </a:r>
-            <a:endParaRPr lang="ru-RU" dirty="0" smtClean="0"/>
+              <a:t> бути складно.</a:t>
+            </a:r>
           </a:p>
         </p:txBody>
       </p:sp>
@@ -11224,492 +11504,1927 @@
         </p:nvSpPr>
         <p:spPr/>
         <p:txBody>
-          <a:bodyPr/>
+          <a:bodyPr>
+            <a:normAutofit fontScale="90000"/>
+          </a:bodyPr>
           <a:lstStyle/>
           <a:p>
             <a:r>
+              <a:rPr lang="en-US" b="1" dirty="0" smtClean="0"/>
+              <a:t>NP-</a:t>
+            </a:r>
+            <a:r>
               <a:rPr lang="ru-RU" b="1" dirty="0" err="1" smtClean="0"/>
-              <a:t>Співвідношення</a:t>
+              <a:t>повні</a:t>
             </a:r>
             <a:r>
               <a:rPr lang="ru-RU" b="1" dirty="0" smtClean="0"/>
-              <a:t> </a:t>
+              <a:t> та </a:t>
+            </a:r>
+            <a:r>
+              <a:rPr lang="en-US" b="1" dirty="0" smtClean="0"/>
+              <a:t>NP-</a:t>
             </a:r>
             <a:r>
               <a:rPr lang="ru-RU" b="1" dirty="0" err="1" smtClean="0"/>
-              <a:t>між</a:t>
+              <a:t>складні</a:t>
             </a:r>
             <a:r>
               <a:rPr lang="ru-RU" b="1" dirty="0" smtClean="0"/>
               <a:t> </a:t>
             </a:r>
             <a:r>
-              <a:rPr lang="en-US" b="1" dirty="0" smtClean="0"/>
-              <a:t>P </a:t>
+              <a:rPr lang="ru-RU" b="1" dirty="0" err="1" smtClean="0"/>
+              <a:t>задачі</a:t>
             </a:r>
             <a:r>
               <a:rPr lang="ru-RU" b="1" dirty="0" smtClean="0"/>
-              <a:t>та </a:t>
-            </a:r>
-            <a:r>
-              <a:rPr lang="en-US" b="1" dirty="0" smtClean="0"/>
-              <a:t>NP</a:t>
-            </a:r>
+              <a:t/>
+            </a:r>
+            <a:br>
+              <a:rPr lang="ru-RU" b="1" dirty="0" smtClean="0"/>
+            </a:br>
             <a:endParaRPr lang="en-US" dirty="0"/>
           </a:p>
         </p:txBody>
       </p:sp>
       <p:sp>
         <p:nvSpPr>
-          <p:cNvPr id="3" name="Объект 2"/>
+          <p:cNvPr id="6" name="Rectangle 3"/>
           <p:cNvSpPr>
-            <a:spLocks noGrp="1"/>
+            <a:spLocks noGrp="1" noChangeArrowheads="1"/>
           </p:cNvSpPr>
           <p:nvPr>
             <p:ph idx="1"/>
           </p:nvPr>
         </p:nvSpPr>
-        <p:spPr/>
+        <p:spPr bwMode="auto">
+          <a:xfrm>
+            <a:off x="1295402" y="2655941"/>
+            <a:ext cx="9601196" cy="2308324"/>
+          </a:xfrm>
+          <a:prstGeom prst="rect">
+            <a:avLst/>
+          </a:prstGeom>
+          <a:noFill/>
+          <a:ln>
+            <a:noFill/>
+          </a:ln>
+          <a:effectLst/>
+          <a:extLst>
+            <a:ext uri="{909E8E84-426E-40DD-AFC4-6F175D3DCCD1}">
+              <a14:hiddenFill xmlns:a14="http://schemas.microsoft.com/office/drawing/2010/main">
+                <a:solidFill>
+                  <a:schemeClr val="accent1"/>
+                </a:solidFill>
+              </a14:hiddenFill>
+            </a:ext>
+            <a:ext uri="{91240B29-F687-4F45-9708-019B960494DF}">
+              <a14:hiddenLine xmlns:a14="http://schemas.microsoft.com/office/drawing/2010/main" w="9525">
+                <a:solidFill>
+                  <a:schemeClr val="tx1"/>
+                </a:solidFill>
+                <a:miter lim="800000"/>
+                <a:headEnd/>
+                <a:tailEnd/>
+              </a14:hiddenLine>
+            </a:ext>
+            <a:ext uri="{AF507438-7753-43E0-B8FC-AC1667EBCBE1}">
+              <a14:hiddenEffects xmlns:a14="http://schemas.microsoft.com/office/drawing/2010/main">
+                <a:effectLst>
+                  <a:outerShdw dist="35921" dir="2700000" algn="ctr" rotWithShape="0">
+                    <a:schemeClr val="bg2"/>
+                  </a:outerShdw>
+                </a:effectLst>
+              </a14:hiddenEffects>
+            </a:ext>
+          </a:extLst>
+        </p:spPr>
         <p:txBody>
-          <a:bodyPr/>
+          <a:bodyPr vert="horz" wrap="square" lIns="91440" tIns="45720" rIns="91440" bIns="45720" numCol="1" anchor="ctr" anchorCtr="0" compatLnSpc="1">
+            <a:prstTxWarp prst="textNoShape">
+              <a:avLst/>
+            </a:prstTxWarp>
+            <a:spAutoFit/>
+          </a:bodyPr>
           <a:lstStyle/>
           <a:p>
-            <a:r>
-              <a:rPr lang="ru-RU" dirty="0" smtClean="0"/>
-              <a:t>Одним з </a:t>
-            </a:r>
-            <a:r>
-              <a:rPr lang="ru-RU" dirty="0" err="1" smtClean="0"/>
-              <a:t>найважливіших</a:t>
-            </a:r>
-            <a:r>
-              <a:rPr lang="ru-RU" dirty="0" smtClean="0"/>
-              <a:t> </a:t>
-            </a:r>
-            <a:r>
-              <a:rPr lang="ru-RU" dirty="0" err="1" smtClean="0"/>
-              <a:t>відкритих</a:t>
-            </a:r>
-            <a:r>
-              <a:rPr lang="ru-RU" dirty="0" smtClean="0"/>
-              <a:t> </a:t>
-            </a:r>
-            <a:r>
-              <a:rPr lang="ru-RU" dirty="0" err="1" smtClean="0"/>
-              <a:t>питань</a:t>
-            </a:r>
-            <a:r>
-              <a:rPr lang="ru-RU" dirty="0" smtClean="0"/>
+            <a:pPr marL="0" marR="0" lvl="0" indent="0" algn="l" defTabSz="914400" rtl="0" eaLnBrk="0" fontAlgn="base" latinLnBrk="0" hangingPunct="0">
+              <a:lnSpc>
+                <a:spcPct val="100000"/>
+              </a:lnSpc>
+              <a:spcBef>
+                <a:spcPct val="0"/>
+              </a:spcBef>
+              <a:spcAft>
+                <a:spcPct val="0"/>
+              </a:spcAft>
+              <a:buClrTx/>
+              <a:buSzTx/>
+              <a:buFontTx/>
+              <a:buChar char="•"/>
+              <a:tabLst/>
+            </a:pPr>
+            <a:r>
+              <a:rPr kumimoji="0" lang="en-US" altLang="en-US" sz="1800" b="1" i="0" u="none" strike="noStrike" cap="none" normalizeH="0" baseline="0" dirty="0" smtClean="0">
+                <a:ln>
+                  <a:noFill/>
+                </a:ln>
+                <a:solidFill>
+                  <a:schemeClr val="tx1"/>
+                </a:solidFill>
+                <a:effectLst/>
+                <a:latin typeface="+mj-lt"/>
+              </a:rPr>
+              <a:t>NP-</a:t>
+            </a:r>
+            <a:r>
+              <a:rPr kumimoji="0" lang="en-US" altLang="en-US" sz="1800" b="1" i="0" u="none" strike="noStrike" cap="none" normalizeH="0" baseline="0" dirty="0" err="1" smtClean="0">
+                <a:ln>
+                  <a:noFill/>
+                </a:ln>
+                <a:solidFill>
+                  <a:schemeClr val="tx1"/>
+                </a:solidFill>
+                <a:effectLst/>
+                <a:latin typeface="+mj-lt"/>
+              </a:rPr>
+              <a:t>повні</a:t>
+            </a:r>
+            <a:r>
+              <a:rPr kumimoji="0" lang="en-US" altLang="en-US" sz="1800" b="1" i="0" u="none" strike="noStrike" cap="none" normalizeH="0" baseline="0" dirty="0" smtClean="0">
+                <a:ln>
+                  <a:noFill/>
+                </a:ln>
+                <a:solidFill>
+                  <a:schemeClr val="tx1"/>
+                </a:solidFill>
+                <a:effectLst/>
+                <a:latin typeface="+mj-lt"/>
+              </a:rPr>
+              <a:t> </a:t>
+            </a:r>
+            <a:r>
+              <a:rPr kumimoji="0" lang="en-US" altLang="en-US" sz="1800" b="1" i="0" u="none" strike="noStrike" cap="none" normalizeH="0" baseline="0" dirty="0" err="1" smtClean="0">
+                <a:ln>
+                  <a:noFill/>
+                </a:ln>
+                <a:solidFill>
+                  <a:schemeClr val="tx1"/>
+                </a:solidFill>
+                <a:effectLst/>
+                <a:latin typeface="+mj-lt"/>
+              </a:rPr>
+              <a:t>задачі</a:t>
+            </a:r>
+            <a:r>
+              <a:rPr kumimoji="0" lang="en-US" altLang="en-US" sz="1800" b="1" i="0" u="none" strike="noStrike" cap="none" normalizeH="0" baseline="0" dirty="0" smtClean="0">
+                <a:ln>
+                  <a:noFill/>
+                </a:ln>
+                <a:solidFill>
+                  <a:schemeClr val="tx1"/>
+                </a:solidFill>
+                <a:effectLst/>
+                <a:latin typeface="+mj-lt"/>
+              </a:rPr>
+              <a:t> (NP-complete)</a:t>
+            </a:r>
+            <a:r>
+              <a:rPr kumimoji="0" lang="en-US" altLang="en-US" sz="1800" b="0" i="0" u="none" strike="noStrike" cap="none" normalizeH="0" baseline="0" dirty="0" smtClean="0">
+                <a:ln>
+                  <a:noFill/>
+                </a:ln>
+                <a:solidFill>
+                  <a:schemeClr val="tx1"/>
+                </a:solidFill>
+                <a:effectLst/>
+                <a:latin typeface="+mj-lt"/>
+              </a:rPr>
+              <a:t> — </a:t>
+            </a:r>
+            <a:r>
+              <a:rPr kumimoji="0" lang="en-US" altLang="en-US" sz="1800" b="0" i="0" u="none" strike="noStrike" cap="none" normalizeH="0" baseline="0" dirty="0" err="1" smtClean="0">
+                <a:ln>
+                  <a:noFill/>
+                </a:ln>
+                <a:solidFill>
+                  <a:schemeClr val="tx1"/>
+                </a:solidFill>
+                <a:effectLst/>
+                <a:latin typeface="+mj-lt"/>
+              </a:rPr>
+              <a:t>це</a:t>
+            </a:r>
+            <a:r>
+              <a:rPr kumimoji="0" lang="en-US" altLang="en-US" sz="1800" b="0" i="0" u="none" strike="noStrike" cap="none" normalizeH="0" baseline="0" dirty="0" smtClean="0">
+                <a:ln>
+                  <a:noFill/>
+                </a:ln>
+                <a:solidFill>
+                  <a:schemeClr val="tx1"/>
+                </a:solidFill>
+                <a:effectLst/>
+                <a:latin typeface="+mj-lt"/>
+              </a:rPr>
+              <a:t> </a:t>
+            </a:r>
+            <a:r>
+              <a:rPr kumimoji="0" lang="en-US" altLang="en-US" sz="1800" b="0" i="0" u="none" strike="noStrike" cap="none" normalizeH="0" baseline="0" dirty="0" err="1" smtClean="0">
+                <a:ln>
+                  <a:noFill/>
+                </a:ln>
+                <a:solidFill>
+                  <a:schemeClr val="tx1"/>
+                </a:solidFill>
+                <a:effectLst/>
+                <a:latin typeface="+mj-lt"/>
+              </a:rPr>
+              <a:t>задачі</a:t>
+            </a:r>
+            <a:r>
+              <a:rPr kumimoji="0" lang="en-US" altLang="en-US" sz="1800" b="0" i="0" u="none" strike="noStrike" cap="none" normalizeH="0" baseline="0" dirty="0" smtClean="0">
+                <a:ln>
+                  <a:noFill/>
+                </a:ln>
+                <a:solidFill>
+                  <a:schemeClr val="tx1"/>
+                </a:solidFill>
+                <a:effectLst/>
+                <a:latin typeface="+mj-lt"/>
+              </a:rPr>
+              <a:t>, </a:t>
+            </a:r>
+            <a:r>
+              <a:rPr kumimoji="0" lang="en-US" altLang="en-US" sz="1800" b="0" i="0" u="none" strike="noStrike" cap="none" normalizeH="0" baseline="0" dirty="0" err="1" smtClean="0">
+                <a:ln>
+                  <a:noFill/>
+                </a:ln>
+                <a:solidFill>
+                  <a:schemeClr val="tx1"/>
+                </a:solidFill>
+                <a:effectLst/>
+                <a:latin typeface="+mj-lt"/>
+              </a:rPr>
+              <a:t>які</a:t>
+            </a:r>
+            <a:r>
+              <a:rPr kumimoji="0" lang="en-US" altLang="en-US" sz="1800" b="0" i="0" u="none" strike="noStrike" cap="none" normalizeH="0" baseline="0" dirty="0" smtClean="0">
+                <a:ln>
+                  <a:noFill/>
+                </a:ln>
+                <a:solidFill>
+                  <a:schemeClr val="tx1"/>
+                </a:solidFill>
+                <a:effectLst/>
+                <a:latin typeface="+mj-lt"/>
+              </a:rPr>
+              <a:t> є </a:t>
+            </a:r>
+            <a:r>
+              <a:rPr kumimoji="0" lang="en-US" altLang="en-US" sz="1800" b="0" i="0" u="none" strike="noStrike" cap="none" normalizeH="0" baseline="0" dirty="0" err="1" smtClean="0">
+                <a:ln>
+                  <a:noFill/>
+                </a:ln>
+                <a:solidFill>
+                  <a:schemeClr val="tx1"/>
+                </a:solidFill>
+                <a:effectLst/>
+                <a:latin typeface="+mj-lt"/>
+              </a:rPr>
+              <a:t>найбільш</a:t>
+            </a:r>
+            <a:r>
+              <a:rPr kumimoji="0" lang="en-US" altLang="en-US" sz="1800" b="0" i="0" u="none" strike="noStrike" cap="none" normalizeH="0" baseline="0" dirty="0" smtClean="0">
+                <a:ln>
+                  <a:noFill/>
+                </a:ln>
+                <a:solidFill>
+                  <a:schemeClr val="tx1"/>
+                </a:solidFill>
+                <a:effectLst/>
+                <a:latin typeface="+mj-lt"/>
+              </a:rPr>
+              <a:t> </a:t>
+            </a:r>
+            <a:r>
+              <a:rPr kumimoji="0" lang="en-US" altLang="en-US" sz="1800" b="0" i="0" u="none" strike="noStrike" cap="none" normalizeH="0" baseline="0" dirty="0" err="1" smtClean="0">
+                <a:ln>
+                  <a:noFill/>
+                </a:ln>
+                <a:solidFill>
+                  <a:schemeClr val="tx1"/>
+                </a:solidFill>
+                <a:effectLst/>
+                <a:latin typeface="+mj-lt"/>
+              </a:rPr>
+              <a:t>складними</a:t>
+            </a:r>
+            <a:r>
+              <a:rPr kumimoji="0" lang="en-US" altLang="en-US" sz="1800" b="0" i="0" u="none" strike="noStrike" cap="none" normalizeH="0" baseline="0" dirty="0" smtClean="0">
+                <a:ln>
+                  <a:noFill/>
+                </a:ln>
+                <a:solidFill>
+                  <a:schemeClr val="tx1"/>
+                </a:solidFill>
+                <a:effectLst/>
+                <a:latin typeface="+mj-lt"/>
+              </a:rPr>
               <a:t> у </a:t>
             </a:r>
             <a:r>
-              <a:rPr lang="ru-RU" dirty="0" err="1" smtClean="0"/>
-              <a:t>теорії</a:t>
-            </a:r>
-            <a:r>
-              <a:rPr lang="ru-RU" dirty="0" smtClean="0"/>
-              <a:t> </a:t>
-            </a:r>
-            <a:r>
-              <a:rPr lang="ru-RU" dirty="0" err="1" smtClean="0"/>
-              <a:t>обчислювальної</a:t>
-            </a:r>
-            <a:r>
-              <a:rPr lang="ru-RU" dirty="0" smtClean="0"/>
-              <a:t> </a:t>
-            </a:r>
-            <a:r>
-              <a:rPr lang="ru-RU" dirty="0" err="1" smtClean="0"/>
-              <a:t>складності</a:t>
-            </a:r>
-            <a:r>
-              <a:rPr lang="ru-RU" dirty="0" smtClean="0"/>
-              <a:t> є </a:t>
-            </a:r>
-            <a:r>
-              <a:rPr lang="ru-RU" dirty="0" err="1" smtClean="0"/>
-              <a:t>питання</a:t>
-            </a:r>
-            <a:r>
-              <a:rPr lang="ru-RU" dirty="0" smtClean="0"/>
+              <a:rPr kumimoji="0" lang="en-US" altLang="en-US" sz="1800" b="0" i="0" u="none" strike="noStrike" cap="none" normalizeH="0" baseline="0" dirty="0" err="1" smtClean="0">
+                <a:ln>
+                  <a:noFill/>
+                </a:ln>
+                <a:solidFill>
+                  <a:schemeClr val="tx1"/>
+                </a:solidFill>
+                <a:effectLst/>
+                <a:latin typeface="+mj-lt"/>
+              </a:rPr>
+              <a:t>класі</a:t>
+            </a:r>
+            <a:r>
+              <a:rPr kumimoji="0" lang="en-US" altLang="en-US" sz="1800" b="0" i="0" u="none" strike="noStrike" cap="none" normalizeH="0" baseline="0" dirty="0" smtClean="0">
+                <a:ln>
+                  <a:noFill/>
+                </a:ln>
+                <a:solidFill>
+                  <a:schemeClr val="tx1"/>
+                </a:solidFill>
+                <a:effectLst/>
+                <a:latin typeface="+mj-lt"/>
+              </a:rPr>
+              <a:t> NP. </a:t>
+            </a:r>
+            <a:endParaRPr kumimoji="0" lang="uk-UA" altLang="en-US" sz="1800" b="0" i="0" u="none" strike="noStrike" cap="none" normalizeH="0" baseline="0" dirty="0" smtClean="0">
+              <a:ln>
+                <a:noFill/>
+              </a:ln>
+              <a:solidFill>
+                <a:schemeClr val="tx1"/>
+              </a:solidFill>
+              <a:effectLst/>
+              <a:latin typeface="+mj-lt"/>
+            </a:endParaRPr>
+          </a:p>
+          <a:p>
+            <a:pPr marL="0" marR="0" lvl="0" indent="0" algn="l" defTabSz="914400" rtl="0" eaLnBrk="0" fontAlgn="base" latinLnBrk="0" hangingPunct="0">
+              <a:lnSpc>
+                <a:spcPct val="100000"/>
+              </a:lnSpc>
+              <a:spcBef>
+                <a:spcPct val="0"/>
+              </a:spcBef>
+              <a:spcAft>
+                <a:spcPct val="0"/>
+              </a:spcAft>
+              <a:buClrTx/>
+              <a:buSzTx/>
+              <a:buNone/>
+              <a:tabLst/>
+            </a:pPr>
+            <a:r>
+              <a:rPr kumimoji="0" lang="en-US" altLang="en-US" sz="1800" b="0" i="0" u="none" strike="noStrike" cap="none" normalizeH="0" baseline="0" dirty="0" err="1" smtClean="0">
+                <a:ln>
+                  <a:noFill/>
+                </a:ln>
+                <a:solidFill>
+                  <a:schemeClr val="tx1"/>
+                </a:solidFill>
+                <a:effectLst/>
+                <a:latin typeface="+mj-lt"/>
+              </a:rPr>
+              <a:t>Якщо</a:t>
+            </a:r>
+            <a:r>
+              <a:rPr kumimoji="0" lang="en-US" altLang="en-US" sz="1800" b="0" i="0" u="none" strike="noStrike" cap="none" normalizeH="0" baseline="0" dirty="0" smtClean="0">
+                <a:ln>
+                  <a:noFill/>
+                </a:ln>
+                <a:solidFill>
+                  <a:schemeClr val="tx1"/>
+                </a:solidFill>
+                <a:effectLst/>
+                <a:latin typeface="+mj-lt"/>
+              </a:rPr>
+              <a:t> </a:t>
+            </a:r>
+            <a:r>
+              <a:rPr kumimoji="0" lang="en-US" altLang="en-US" sz="1800" b="0" i="0" u="none" strike="noStrike" cap="none" normalizeH="0" baseline="0" dirty="0" err="1" smtClean="0">
+                <a:ln>
+                  <a:noFill/>
+                </a:ln>
+                <a:solidFill>
+                  <a:schemeClr val="tx1"/>
+                </a:solidFill>
+                <a:effectLst/>
+                <a:latin typeface="+mj-lt"/>
+              </a:rPr>
+              <a:t>розв’язок</a:t>
+            </a:r>
+            <a:r>
+              <a:rPr kumimoji="0" lang="en-US" altLang="en-US" sz="1800" b="0" i="0" u="none" strike="noStrike" cap="none" normalizeH="0" baseline="0" dirty="0" smtClean="0">
+                <a:ln>
+                  <a:noFill/>
+                </a:ln>
+                <a:solidFill>
+                  <a:schemeClr val="tx1"/>
+                </a:solidFill>
+                <a:effectLst/>
+                <a:latin typeface="+mj-lt"/>
+              </a:rPr>
+              <a:t> </a:t>
+            </a:r>
+            <a:r>
+              <a:rPr kumimoji="0" lang="en-US" altLang="en-US" sz="1800" b="0" i="0" u="none" strike="noStrike" cap="none" normalizeH="0" baseline="0" dirty="0" err="1" smtClean="0">
+                <a:ln>
+                  <a:noFill/>
+                </a:ln>
+                <a:solidFill>
+                  <a:schemeClr val="tx1"/>
+                </a:solidFill>
+                <a:effectLst/>
+                <a:latin typeface="+mj-lt"/>
+              </a:rPr>
+              <a:t>хоча</a:t>
+            </a:r>
+            <a:r>
+              <a:rPr kumimoji="0" lang="en-US" altLang="en-US" sz="1800" b="0" i="0" u="none" strike="noStrike" cap="none" normalizeH="0" baseline="0" dirty="0" smtClean="0">
+                <a:ln>
+                  <a:noFill/>
+                </a:ln>
+                <a:solidFill>
+                  <a:schemeClr val="tx1"/>
+                </a:solidFill>
+                <a:effectLst/>
+                <a:latin typeface="+mj-lt"/>
+              </a:rPr>
+              <a:t> б </a:t>
+            </a:r>
+            <a:r>
+              <a:rPr kumimoji="0" lang="en-US" altLang="en-US" sz="1800" b="0" i="0" u="none" strike="noStrike" cap="none" normalizeH="0" baseline="0" dirty="0" err="1" smtClean="0">
+                <a:ln>
+                  <a:noFill/>
+                </a:ln>
+                <a:solidFill>
+                  <a:schemeClr val="tx1"/>
+                </a:solidFill>
+                <a:effectLst/>
+                <a:latin typeface="+mj-lt"/>
+              </a:rPr>
+              <a:t>однієї</a:t>
+            </a:r>
+            <a:r>
+              <a:rPr kumimoji="0" lang="en-US" altLang="en-US" sz="1800" b="0" i="0" u="none" strike="noStrike" cap="none" normalizeH="0" baseline="0" dirty="0" smtClean="0">
+                <a:ln>
+                  <a:noFill/>
+                </a:ln>
+                <a:solidFill>
+                  <a:schemeClr val="tx1"/>
+                </a:solidFill>
+                <a:effectLst/>
+                <a:latin typeface="+mj-lt"/>
+              </a:rPr>
+              <a:t> NP-</a:t>
+            </a:r>
+            <a:r>
+              <a:rPr kumimoji="0" lang="en-US" altLang="en-US" sz="1800" b="0" i="0" u="none" strike="noStrike" cap="none" normalizeH="0" baseline="0" dirty="0" err="1" smtClean="0">
+                <a:ln>
+                  <a:noFill/>
+                </a:ln>
+                <a:solidFill>
+                  <a:schemeClr val="tx1"/>
+                </a:solidFill>
+                <a:effectLst/>
+                <a:latin typeface="+mj-lt"/>
+              </a:rPr>
+              <a:t>повної</a:t>
+            </a:r>
+            <a:r>
+              <a:rPr kumimoji="0" lang="en-US" altLang="en-US" sz="1800" b="0" i="0" u="none" strike="noStrike" cap="none" normalizeH="0" baseline="0" dirty="0" smtClean="0">
+                <a:ln>
+                  <a:noFill/>
+                </a:ln>
+                <a:solidFill>
+                  <a:schemeClr val="tx1"/>
+                </a:solidFill>
+                <a:effectLst/>
+                <a:latin typeface="+mj-lt"/>
+              </a:rPr>
+              <a:t> </a:t>
+            </a:r>
+            <a:r>
+              <a:rPr kumimoji="0" lang="en-US" altLang="en-US" sz="1800" b="0" i="0" u="none" strike="noStrike" cap="none" normalizeH="0" baseline="0" dirty="0" err="1" smtClean="0">
+                <a:ln>
+                  <a:noFill/>
+                </a:ln>
+                <a:solidFill>
+                  <a:schemeClr val="tx1"/>
+                </a:solidFill>
+                <a:effectLst/>
+                <a:latin typeface="+mj-lt"/>
+              </a:rPr>
+              <a:t>задачі</a:t>
+            </a:r>
+            <a:r>
+              <a:rPr kumimoji="0" lang="en-US" altLang="en-US" sz="1800" b="0" i="0" u="none" strike="noStrike" cap="none" normalizeH="0" baseline="0" dirty="0" smtClean="0">
+                <a:ln>
+                  <a:noFill/>
+                </a:ln>
+                <a:solidFill>
+                  <a:schemeClr val="tx1"/>
+                </a:solidFill>
+                <a:effectLst/>
+                <a:latin typeface="+mj-lt"/>
+              </a:rPr>
+              <a:t> </a:t>
+            </a:r>
+            <a:r>
+              <a:rPr kumimoji="0" lang="en-US" altLang="en-US" sz="1800" b="0" i="0" u="none" strike="noStrike" cap="none" normalizeH="0" baseline="0" dirty="0" err="1" smtClean="0">
+                <a:ln>
+                  <a:noFill/>
+                </a:ln>
+                <a:solidFill>
+                  <a:schemeClr val="tx1"/>
+                </a:solidFill>
+                <a:effectLst/>
+                <a:latin typeface="+mj-lt"/>
+              </a:rPr>
+              <a:t>знайдений</a:t>
+            </a:r>
+            <a:r>
+              <a:rPr kumimoji="0" lang="en-US" altLang="en-US" sz="1800" b="0" i="0" u="none" strike="noStrike" cap="none" normalizeH="0" baseline="0" dirty="0" smtClean="0">
+                <a:ln>
+                  <a:noFill/>
+                </a:ln>
+                <a:solidFill>
+                  <a:schemeClr val="tx1"/>
+                </a:solidFill>
+                <a:effectLst/>
+                <a:latin typeface="+mj-lt"/>
+              </a:rPr>
+              <a:t> </a:t>
+            </a:r>
+            <a:r>
+              <a:rPr kumimoji="0" lang="en-US" altLang="en-US" sz="1800" b="0" i="0" u="none" strike="noStrike" cap="none" normalizeH="0" baseline="0" dirty="0" err="1" smtClean="0">
+                <a:ln>
+                  <a:noFill/>
+                </a:ln>
+                <a:solidFill>
+                  <a:schemeClr val="tx1"/>
+                </a:solidFill>
+                <a:effectLst/>
+                <a:latin typeface="+mj-lt"/>
+              </a:rPr>
+              <a:t>за</a:t>
+            </a:r>
+            <a:r>
+              <a:rPr kumimoji="0" lang="en-US" altLang="en-US" sz="1800" b="0" i="0" u="none" strike="noStrike" cap="none" normalizeH="0" baseline="0" dirty="0" smtClean="0">
+                <a:ln>
+                  <a:noFill/>
+                </a:ln>
+                <a:solidFill>
+                  <a:schemeClr val="tx1"/>
+                </a:solidFill>
+                <a:effectLst/>
+                <a:latin typeface="+mj-lt"/>
+              </a:rPr>
+              <a:t> </a:t>
+            </a:r>
+            <a:r>
+              <a:rPr kumimoji="0" lang="en-US" altLang="en-US" sz="1800" b="0" i="0" u="none" strike="noStrike" cap="none" normalizeH="0" baseline="0" dirty="0" err="1" smtClean="0">
+                <a:ln>
+                  <a:noFill/>
+                </a:ln>
+                <a:solidFill>
+                  <a:schemeClr val="tx1"/>
+                </a:solidFill>
+                <a:effectLst/>
+                <a:latin typeface="+mj-lt"/>
+              </a:rPr>
+              <a:t>поліноміальний</a:t>
+            </a:r>
+            <a:r>
+              <a:rPr kumimoji="0" lang="en-US" altLang="en-US" sz="1800" b="0" i="0" u="none" strike="noStrike" cap="none" normalizeH="0" baseline="0" dirty="0" smtClean="0">
+                <a:ln>
+                  <a:noFill/>
+                </a:ln>
+                <a:solidFill>
+                  <a:schemeClr val="tx1"/>
+                </a:solidFill>
+                <a:effectLst/>
+                <a:latin typeface="+mj-lt"/>
+              </a:rPr>
+              <a:t> </a:t>
+            </a:r>
+            <a:r>
+              <a:rPr kumimoji="0" lang="en-US" altLang="en-US" sz="1800" b="0" i="0" u="none" strike="noStrike" cap="none" normalizeH="0" baseline="0" dirty="0" err="1" smtClean="0">
+                <a:ln>
+                  <a:noFill/>
+                </a:ln>
+                <a:solidFill>
+                  <a:schemeClr val="tx1"/>
+                </a:solidFill>
+                <a:effectLst/>
+                <a:latin typeface="+mj-lt"/>
+              </a:rPr>
+              <a:t>час</a:t>
+            </a:r>
+            <a:r>
+              <a:rPr kumimoji="0" lang="en-US" altLang="en-US" sz="1800" b="0" i="0" u="none" strike="noStrike" cap="none" normalizeH="0" baseline="0" dirty="0" smtClean="0">
+                <a:ln>
+                  <a:noFill/>
+                </a:ln>
+                <a:solidFill>
+                  <a:schemeClr val="tx1"/>
+                </a:solidFill>
+                <a:effectLst/>
+                <a:latin typeface="+mj-lt"/>
+              </a:rPr>
               <a:t>, </a:t>
             </a:r>
-            <a:r>
-              <a:rPr lang="ru-RU" dirty="0" err="1" smtClean="0"/>
-              <a:t>чи</a:t>
-            </a:r>
-            <a:r>
-              <a:rPr lang="ru-RU" dirty="0" smtClean="0"/>
-              <a:t> </a:t>
-            </a:r>
-            <a:r>
-              <a:rPr lang="ru-RU" dirty="0" err="1" smtClean="0"/>
-              <a:t>рівні</a:t>
-            </a:r>
-            <a:r>
-              <a:rPr lang="ru-RU" dirty="0" smtClean="0"/>
-              <a:t> </a:t>
-            </a:r>
-            <a:r>
-              <a:rPr lang="ru-RU" dirty="0" err="1" smtClean="0"/>
-              <a:t>класи</a:t>
-            </a:r>
-            <a:r>
-              <a:rPr lang="ru-RU" dirty="0" smtClean="0"/>
-              <a:t> </a:t>
-            </a:r>
-            <a:r>
-              <a:rPr lang="en-US" dirty="0" smtClean="0"/>
-              <a:t>P </a:t>
-            </a:r>
-            <a:r>
-              <a:rPr lang="ru-RU" dirty="0" smtClean="0"/>
-              <a:t>і </a:t>
-            </a:r>
-            <a:r>
-              <a:rPr lang="en-US" dirty="0" smtClean="0"/>
-              <a:t>NP, </a:t>
-            </a:r>
-            <a:r>
-              <a:rPr lang="ru-RU" dirty="0" err="1" smtClean="0"/>
-              <a:t>тобто</a:t>
-            </a:r>
-            <a:r>
-              <a:rPr lang="ru-RU" dirty="0" smtClean="0"/>
-              <a:t> </a:t>
-            </a:r>
-            <a:r>
-              <a:rPr lang="en-US" b="1" dirty="0" smtClean="0"/>
-              <a:t>P = NP</a:t>
-            </a:r>
-            <a:r>
-              <a:rPr lang="en-US" dirty="0" smtClean="0"/>
-              <a:t>. </a:t>
-            </a:r>
-            <a:r>
-              <a:rPr lang="ru-RU" dirty="0" err="1" smtClean="0"/>
-              <a:t>Якщо</a:t>
-            </a:r>
-            <a:r>
-              <a:rPr lang="ru-RU" dirty="0" smtClean="0"/>
-              <a:t> </a:t>
-            </a:r>
-            <a:r>
-              <a:rPr lang="ru-RU" dirty="0" err="1" smtClean="0"/>
-              <a:t>виявиться</a:t>
-            </a:r>
-            <a:r>
-              <a:rPr lang="ru-RU" dirty="0" smtClean="0"/>
+            <a:endParaRPr kumimoji="0" lang="uk-UA" altLang="en-US" sz="1800" b="0" i="0" u="none" strike="noStrike" cap="none" normalizeH="0" baseline="0" dirty="0" smtClean="0">
+              <a:ln>
+                <a:noFill/>
+              </a:ln>
+              <a:solidFill>
+                <a:schemeClr val="tx1"/>
+              </a:solidFill>
+              <a:effectLst/>
+              <a:latin typeface="+mj-lt"/>
+            </a:endParaRPr>
+          </a:p>
+          <a:p>
+            <a:pPr marL="0" marR="0" lvl="0" indent="0" algn="l" defTabSz="914400" rtl="0" eaLnBrk="0" fontAlgn="base" latinLnBrk="0" hangingPunct="0">
+              <a:lnSpc>
+                <a:spcPct val="100000"/>
+              </a:lnSpc>
+              <a:spcBef>
+                <a:spcPct val="0"/>
+              </a:spcBef>
+              <a:spcAft>
+                <a:spcPct val="0"/>
+              </a:spcAft>
+              <a:buClrTx/>
+              <a:buSzTx/>
+              <a:buNone/>
+              <a:tabLst/>
+            </a:pPr>
+            <a:r>
+              <a:rPr kumimoji="0" lang="en-US" altLang="en-US" sz="1800" b="0" i="0" u="none" strike="noStrike" cap="none" normalizeH="0" baseline="0" dirty="0" err="1" smtClean="0">
+                <a:ln>
+                  <a:noFill/>
+                </a:ln>
+                <a:solidFill>
+                  <a:schemeClr val="tx1"/>
+                </a:solidFill>
+                <a:effectLst/>
+                <a:latin typeface="+mj-lt"/>
+              </a:rPr>
+              <a:t>то</a:t>
+            </a:r>
+            <a:r>
+              <a:rPr kumimoji="0" lang="en-US" altLang="en-US" sz="1800" b="0" i="0" u="none" strike="noStrike" cap="none" normalizeH="0" baseline="0" dirty="0" smtClean="0">
+                <a:ln>
+                  <a:noFill/>
+                </a:ln>
+                <a:solidFill>
+                  <a:schemeClr val="tx1"/>
+                </a:solidFill>
+                <a:effectLst/>
+                <a:latin typeface="+mj-lt"/>
+              </a:rPr>
+              <a:t> </a:t>
+            </a:r>
+            <a:r>
+              <a:rPr kumimoji="0" lang="en-US" altLang="en-US" sz="1800" b="0" i="0" u="none" strike="noStrike" cap="none" normalizeH="0" baseline="0" dirty="0" err="1" smtClean="0">
+                <a:ln>
+                  <a:noFill/>
+                </a:ln>
+                <a:solidFill>
+                  <a:schemeClr val="tx1"/>
+                </a:solidFill>
+                <a:effectLst/>
+                <a:latin typeface="+mj-lt"/>
+              </a:rPr>
+              <a:t>всі</a:t>
+            </a:r>
+            <a:r>
+              <a:rPr kumimoji="0" lang="en-US" altLang="en-US" sz="1800" b="0" i="0" u="none" strike="noStrike" cap="none" normalizeH="0" baseline="0" dirty="0" smtClean="0">
+                <a:ln>
+                  <a:noFill/>
+                </a:ln>
+                <a:solidFill>
+                  <a:schemeClr val="tx1"/>
+                </a:solidFill>
+                <a:effectLst/>
+                <a:latin typeface="+mj-lt"/>
+              </a:rPr>
+              <a:t> </a:t>
+            </a:r>
+            <a:r>
+              <a:rPr kumimoji="0" lang="en-US" altLang="en-US" sz="1800" b="0" i="0" u="none" strike="noStrike" cap="none" normalizeH="0" baseline="0" dirty="0" err="1" smtClean="0">
+                <a:ln>
+                  <a:noFill/>
+                </a:ln>
+                <a:solidFill>
+                  <a:schemeClr val="tx1"/>
+                </a:solidFill>
+                <a:effectLst/>
+                <a:latin typeface="+mj-lt"/>
+              </a:rPr>
+              <a:t>задачі</a:t>
+            </a:r>
+            <a:r>
+              <a:rPr kumimoji="0" lang="en-US" altLang="en-US" sz="1800" b="0" i="0" u="none" strike="noStrike" cap="none" normalizeH="0" baseline="0" dirty="0" smtClean="0">
+                <a:ln>
+                  <a:noFill/>
+                </a:ln>
+                <a:solidFill>
+                  <a:schemeClr val="tx1"/>
+                </a:solidFill>
+                <a:effectLst/>
+                <a:latin typeface="+mj-lt"/>
+              </a:rPr>
+              <a:t> </a:t>
+            </a:r>
+            <a:r>
+              <a:rPr kumimoji="0" lang="en-US" altLang="en-US" sz="1800" b="0" i="0" u="none" strike="noStrike" cap="none" normalizeH="0" baseline="0" dirty="0" err="1" smtClean="0">
+                <a:ln>
+                  <a:noFill/>
+                </a:ln>
+                <a:solidFill>
+                  <a:schemeClr val="tx1"/>
+                </a:solidFill>
+                <a:effectLst/>
+                <a:latin typeface="+mj-lt"/>
+              </a:rPr>
+              <a:t>класу</a:t>
+            </a:r>
+            <a:r>
+              <a:rPr kumimoji="0" lang="en-US" altLang="en-US" sz="1800" b="0" i="0" u="none" strike="noStrike" cap="none" normalizeH="0" baseline="0" dirty="0" smtClean="0">
+                <a:ln>
+                  <a:noFill/>
+                </a:ln>
+                <a:solidFill>
+                  <a:schemeClr val="tx1"/>
+                </a:solidFill>
+                <a:effectLst/>
+                <a:latin typeface="+mj-lt"/>
+              </a:rPr>
+              <a:t> NP </a:t>
+            </a:r>
+            <a:r>
+              <a:rPr kumimoji="0" lang="en-US" altLang="en-US" sz="1800" b="0" i="0" u="none" strike="noStrike" cap="none" normalizeH="0" baseline="0" dirty="0" err="1" smtClean="0">
+                <a:ln>
+                  <a:noFill/>
+                </a:ln>
+                <a:solidFill>
+                  <a:schemeClr val="tx1"/>
+                </a:solidFill>
+                <a:effectLst/>
+                <a:latin typeface="+mj-lt"/>
+              </a:rPr>
+              <a:t>також</a:t>
+            </a:r>
+            <a:r>
+              <a:rPr kumimoji="0" lang="en-US" altLang="en-US" sz="1800" b="0" i="0" u="none" strike="noStrike" cap="none" normalizeH="0" baseline="0" dirty="0" smtClean="0">
+                <a:ln>
+                  <a:noFill/>
+                </a:ln>
+                <a:solidFill>
+                  <a:schemeClr val="tx1"/>
+                </a:solidFill>
+                <a:effectLst/>
+                <a:latin typeface="+mj-lt"/>
+              </a:rPr>
+              <a:t> </a:t>
+            </a:r>
+            <a:r>
+              <a:rPr kumimoji="0" lang="en-US" altLang="en-US" sz="1800" b="0" i="0" u="none" strike="noStrike" cap="none" normalizeH="0" baseline="0" dirty="0" err="1" smtClean="0">
+                <a:ln>
+                  <a:noFill/>
+                </a:ln>
+                <a:solidFill>
+                  <a:schemeClr val="tx1"/>
+                </a:solidFill>
+                <a:effectLst/>
+                <a:latin typeface="+mj-lt"/>
+              </a:rPr>
+              <a:t>можуть</a:t>
+            </a:r>
+            <a:r>
+              <a:rPr kumimoji="0" lang="en-US" altLang="en-US" sz="1800" b="0" i="0" u="none" strike="noStrike" cap="none" normalizeH="0" baseline="0" dirty="0" smtClean="0">
+                <a:ln>
+                  <a:noFill/>
+                </a:ln>
+                <a:solidFill>
+                  <a:schemeClr val="tx1"/>
+                </a:solidFill>
+                <a:effectLst/>
+                <a:latin typeface="+mj-lt"/>
+              </a:rPr>
+              <a:t> </a:t>
+            </a:r>
+            <a:r>
+              <a:rPr kumimoji="0" lang="en-US" altLang="en-US" sz="1800" b="0" i="0" u="none" strike="noStrike" cap="none" normalizeH="0" baseline="0" dirty="0" err="1" smtClean="0">
+                <a:ln>
+                  <a:noFill/>
+                </a:ln>
+                <a:solidFill>
+                  <a:schemeClr val="tx1"/>
+                </a:solidFill>
+                <a:effectLst/>
+                <a:latin typeface="+mj-lt"/>
+              </a:rPr>
+              <a:t>бути</a:t>
+            </a:r>
+            <a:r>
+              <a:rPr kumimoji="0" lang="en-US" altLang="en-US" sz="1800" b="0" i="0" u="none" strike="noStrike" cap="none" normalizeH="0" baseline="0" dirty="0" smtClean="0">
+                <a:ln>
+                  <a:noFill/>
+                </a:ln>
+                <a:solidFill>
+                  <a:schemeClr val="tx1"/>
+                </a:solidFill>
+                <a:effectLst/>
+                <a:latin typeface="+mj-lt"/>
+              </a:rPr>
+              <a:t> </a:t>
+            </a:r>
+            <a:r>
+              <a:rPr kumimoji="0" lang="en-US" altLang="en-US" sz="1800" b="0" i="0" u="none" strike="noStrike" cap="none" normalizeH="0" baseline="0" dirty="0" err="1" smtClean="0">
+                <a:ln>
+                  <a:noFill/>
+                </a:ln>
+                <a:solidFill>
+                  <a:schemeClr val="tx1"/>
+                </a:solidFill>
+                <a:effectLst/>
+                <a:latin typeface="+mj-lt"/>
+              </a:rPr>
+              <a:t>розв'язані</a:t>
+            </a:r>
+            <a:r>
+              <a:rPr kumimoji="0" lang="en-US" altLang="en-US" sz="1800" b="0" i="0" u="none" strike="noStrike" cap="none" normalizeH="0" baseline="0" dirty="0" smtClean="0">
+                <a:ln>
+                  <a:noFill/>
+                </a:ln>
+                <a:solidFill>
+                  <a:schemeClr val="tx1"/>
+                </a:solidFill>
+                <a:effectLst/>
+                <a:latin typeface="+mj-lt"/>
+              </a:rPr>
+              <a:t> </a:t>
+            </a:r>
+            <a:r>
+              <a:rPr kumimoji="0" lang="en-US" altLang="en-US" sz="1800" b="0" i="0" u="none" strike="noStrike" cap="none" normalizeH="0" baseline="0" dirty="0" err="1" smtClean="0">
+                <a:ln>
+                  <a:noFill/>
+                </a:ln>
+                <a:solidFill>
+                  <a:schemeClr val="tx1"/>
+                </a:solidFill>
+                <a:effectLst/>
+                <a:latin typeface="+mj-lt"/>
+              </a:rPr>
+              <a:t>за</a:t>
+            </a:r>
+            <a:r>
+              <a:rPr kumimoji="0" lang="en-US" altLang="en-US" sz="1800" b="0" i="0" u="none" strike="noStrike" cap="none" normalizeH="0" baseline="0" dirty="0" smtClean="0">
+                <a:ln>
+                  <a:noFill/>
+                </a:ln>
+                <a:solidFill>
+                  <a:schemeClr val="tx1"/>
+                </a:solidFill>
+                <a:effectLst/>
+                <a:latin typeface="+mj-lt"/>
+              </a:rPr>
+              <a:t> </a:t>
+            </a:r>
+            <a:r>
+              <a:rPr kumimoji="0" lang="en-US" altLang="en-US" sz="1800" b="0" i="0" u="none" strike="noStrike" cap="none" normalizeH="0" baseline="0" dirty="0" err="1" smtClean="0">
+                <a:ln>
+                  <a:noFill/>
+                </a:ln>
+                <a:solidFill>
+                  <a:schemeClr val="tx1"/>
+                </a:solidFill>
+                <a:effectLst/>
+                <a:latin typeface="+mj-lt"/>
+              </a:rPr>
+              <a:t>поліноміальний</a:t>
+            </a:r>
+            <a:r>
+              <a:rPr kumimoji="0" lang="en-US" altLang="en-US" sz="1800" b="0" i="0" u="none" strike="noStrike" cap="none" normalizeH="0" baseline="0" dirty="0" smtClean="0">
+                <a:ln>
+                  <a:noFill/>
+                </a:ln>
+                <a:solidFill>
+                  <a:schemeClr val="tx1"/>
+                </a:solidFill>
+                <a:effectLst/>
+                <a:latin typeface="+mj-lt"/>
+              </a:rPr>
+              <a:t> </a:t>
+            </a:r>
+            <a:r>
+              <a:rPr kumimoji="0" lang="en-US" altLang="en-US" sz="1800" b="0" i="0" u="none" strike="noStrike" cap="none" normalizeH="0" baseline="0" dirty="0" err="1" smtClean="0">
+                <a:ln>
+                  <a:noFill/>
+                </a:ln>
+                <a:solidFill>
+                  <a:schemeClr val="tx1"/>
+                </a:solidFill>
+                <a:effectLst/>
+                <a:latin typeface="+mj-lt"/>
+              </a:rPr>
+              <a:t>час</a:t>
+            </a:r>
+            <a:r>
+              <a:rPr kumimoji="0" lang="en-US" altLang="en-US" sz="1800" b="0" i="0" u="none" strike="noStrike" cap="none" normalizeH="0" baseline="0" dirty="0" smtClean="0">
+                <a:ln>
+                  <a:noFill/>
+                </a:ln>
+                <a:solidFill>
+                  <a:schemeClr val="tx1"/>
+                </a:solidFill>
+                <a:effectLst/>
+                <a:latin typeface="+mj-lt"/>
+              </a:rPr>
+              <a:t>.</a:t>
+            </a:r>
+            <a:endParaRPr kumimoji="0" lang="uk-UA" altLang="en-US" sz="1800" b="0" i="0" u="none" strike="noStrike" cap="none" normalizeH="0" baseline="0" dirty="0" smtClean="0">
+              <a:ln>
+                <a:noFill/>
+              </a:ln>
+              <a:solidFill>
+                <a:schemeClr val="tx1"/>
+              </a:solidFill>
+              <a:effectLst/>
+              <a:latin typeface="+mj-lt"/>
+            </a:endParaRPr>
+          </a:p>
+          <a:p>
+            <a:pPr marL="0" lvl="0" indent="0" eaLnBrk="0" fontAlgn="base" hangingPunct="0">
+              <a:lnSpc>
+                <a:spcPct val="100000"/>
+              </a:lnSpc>
+              <a:spcBef>
+                <a:spcPct val="0"/>
+              </a:spcBef>
+              <a:spcAft>
+                <a:spcPct val="0"/>
+              </a:spcAft>
+              <a:buNone/>
+            </a:pPr>
+            <a:r>
+              <a:rPr lang="ru-RU" sz="1800" dirty="0" err="1" smtClean="0">
+                <a:latin typeface="+mj-lt"/>
+              </a:rPr>
+              <a:t>Тобто</a:t>
+            </a:r>
+            <a:r>
+              <a:rPr lang="ru-RU" sz="1800" dirty="0" smtClean="0">
+                <a:latin typeface="+mj-lt"/>
+              </a:rPr>
+              <a:t> </a:t>
+            </a:r>
+            <a:r>
+              <a:rPr lang="ru-RU" sz="1800" dirty="0" err="1" smtClean="0">
+                <a:latin typeface="+mj-lt"/>
+              </a:rPr>
+              <a:t>кожна</a:t>
+            </a:r>
+            <a:r>
+              <a:rPr lang="ru-RU" sz="1800" dirty="0" smtClean="0">
+                <a:latin typeface="+mj-lt"/>
+              </a:rPr>
+              <a:t> з них </a:t>
+            </a:r>
+            <a:r>
+              <a:rPr lang="ru-RU" sz="1800" dirty="0" err="1" smtClean="0">
+                <a:latin typeface="+mj-lt"/>
+              </a:rPr>
+              <a:t>може</a:t>
+            </a:r>
+            <a:r>
+              <a:rPr lang="ru-RU" sz="1800" dirty="0" smtClean="0">
+                <a:latin typeface="+mj-lt"/>
+              </a:rPr>
+              <a:t> бути </a:t>
+            </a:r>
+            <a:r>
+              <a:rPr lang="ru-RU" sz="1800" dirty="0" err="1" smtClean="0">
+                <a:latin typeface="+mj-lt"/>
+              </a:rPr>
+              <a:t>зведена</a:t>
+            </a:r>
+            <a:r>
+              <a:rPr lang="ru-RU" sz="1800" dirty="0" smtClean="0">
+                <a:latin typeface="+mj-lt"/>
+              </a:rPr>
+              <a:t> одна до </a:t>
+            </a:r>
+            <a:r>
+              <a:rPr lang="ru-RU" sz="1800" dirty="0" err="1" smtClean="0">
+                <a:latin typeface="+mj-lt"/>
+              </a:rPr>
+              <a:t>одної</a:t>
+            </a:r>
+            <a:r>
+              <a:rPr lang="ru-RU" sz="1800" dirty="0" smtClean="0">
+                <a:latin typeface="+mj-lt"/>
+              </a:rPr>
+              <a:t> в </a:t>
+            </a:r>
+            <a:r>
+              <a:rPr lang="ru-RU" sz="1800" dirty="0" err="1" smtClean="0">
+                <a:latin typeface="+mj-lt"/>
+              </a:rPr>
+              <a:t>поліноміальний</a:t>
+            </a:r>
+            <a:r>
+              <a:rPr lang="ru-RU" sz="1800" dirty="0" smtClean="0">
+                <a:latin typeface="+mj-lt"/>
+              </a:rPr>
+              <a:t> час.</a:t>
+            </a:r>
+          </a:p>
+          <a:p>
+            <a:pPr marL="0" lvl="0" indent="0" eaLnBrk="0" fontAlgn="base" hangingPunct="0">
+              <a:lnSpc>
+                <a:spcPct val="100000"/>
+              </a:lnSpc>
+              <a:spcBef>
+                <a:spcPct val="0"/>
+              </a:spcBef>
+              <a:spcAft>
+                <a:spcPct val="0"/>
+              </a:spcAft>
+              <a:buNone/>
+            </a:pPr>
+            <a:endParaRPr kumimoji="0" lang="en-US" altLang="en-US" sz="1800" b="0" i="0" u="none" strike="noStrike" cap="none" normalizeH="0" baseline="0" dirty="0" smtClean="0">
+              <a:ln>
+                <a:noFill/>
+              </a:ln>
+              <a:solidFill>
+                <a:schemeClr val="tx1"/>
+              </a:solidFill>
+              <a:effectLst/>
+              <a:latin typeface="+mj-lt"/>
+            </a:endParaRPr>
+          </a:p>
+          <a:p>
+            <a:pPr marL="0" marR="0" lvl="0" indent="0" algn="l" defTabSz="914400" rtl="0" eaLnBrk="0" fontAlgn="base" latinLnBrk="0" hangingPunct="0">
+              <a:lnSpc>
+                <a:spcPct val="100000"/>
+              </a:lnSpc>
+              <a:spcBef>
+                <a:spcPct val="0"/>
+              </a:spcBef>
+              <a:spcAft>
+                <a:spcPct val="0"/>
+              </a:spcAft>
+              <a:buClrTx/>
+              <a:buSzTx/>
+              <a:buFontTx/>
+              <a:buChar char="•"/>
+              <a:tabLst/>
+            </a:pPr>
+            <a:r>
+              <a:rPr kumimoji="0" lang="en-US" altLang="en-US" sz="1800" b="1" i="0" u="none" strike="noStrike" cap="none" normalizeH="0" baseline="0" dirty="0" smtClean="0">
+                <a:ln>
+                  <a:noFill/>
+                </a:ln>
+                <a:solidFill>
+                  <a:schemeClr val="tx1"/>
+                </a:solidFill>
+                <a:effectLst/>
+                <a:latin typeface="+mj-lt"/>
+              </a:rPr>
+              <a:t>NP-</a:t>
+            </a:r>
+            <a:r>
+              <a:rPr kumimoji="0" lang="en-US" altLang="en-US" sz="1800" b="1" i="0" u="none" strike="noStrike" cap="none" normalizeH="0" baseline="0" dirty="0" err="1" smtClean="0">
+                <a:ln>
+                  <a:noFill/>
+                </a:ln>
+                <a:solidFill>
+                  <a:schemeClr val="tx1"/>
+                </a:solidFill>
+                <a:effectLst/>
+                <a:latin typeface="+mj-lt"/>
+              </a:rPr>
+              <a:t>складні</a:t>
+            </a:r>
+            <a:r>
+              <a:rPr kumimoji="0" lang="uk-UA" altLang="en-US" sz="1800" b="1" i="0" u="none" strike="noStrike" cap="none" normalizeH="0" baseline="0" dirty="0" smtClean="0">
+                <a:ln>
+                  <a:noFill/>
+                </a:ln>
+                <a:solidFill>
+                  <a:schemeClr val="tx1"/>
+                </a:solidFill>
+                <a:effectLst/>
+                <a:latin typeface="+mj-lt"/>
+              </a:rPr>
+              <a:t> (</a:t>
+            </a:r>
+            <a:r>
+              <a:rPr kumimoji="0" lang="fr-CA" altLang="en-US" sz="1800" b="1" i="0" u="none" strike="noStrike" cap="none" normalizeH="0" baseline="0" dirty="0" smtClean="0">
+                <a:ln>
+                  <a:noFill/>
+                </a:ln>
+                <a:solidFill>
+                  <a:schemeClr val="tx1"/>
+                </a:solidFill>
+                <a:effectLst/>
+                <a:latin typeface="+mj-lt"/>
+              </a:rPr>
+              <a:t>NP-hard</a:t>
+            </a:r>
+            <a:r>
+              <a:rPr kumimoji="0" lang="uk-UA" altLang="en-US" sz="1800" b="1" i="0" u="none" strike="noStrike" cap="none" normalizeH="0" baseline="0" dirty="0" smtClean="0">
+                <a:ln>
+                  <a:noFill/>
+                </a:ln>
+                <a:solidFill>
+                  <a:schemeClr val="tx1"/>
+                </a:solidFill>
+                <a:effectLst/>
+                <a:latin typeface="+mj-lt"/>
+              </a:rPr>
+              <a:t>)</a:t>
+            </a:r>
+            <a:r>
+              <a:rPr kumimoji="0" lang="en-US" altLang="en-US" sz="1800" b="1" i="0" u="none" strike="noStrike" cap="none" normalizeH="0" baseline="0" dirty="0" smtClean="0">
+                <a:ln>
+                  <a:noFill/>
+                </a:ln>
+                <a:solidFill>
+                  <a:schemeClr val="tx1"/>
+                </a:solidFill>
+                <a:effectLst/>
+                <a:latin typeface="+mj-lt"/>
+              </a:rPr>
+              <a:t> </a:t>
+            </a:r>
+            <a:r>
+              <a:rPr kumimoji="0" lang="en-US" altLang="en-US" sz="1800" b="1" i="0" u="none" strike="noStrike" cap="none" normalizeH="0" baseline="0" dirty="0" err="1" smtClean="0">
+                <a:ln>
+                  <a:noFill/>
+                </a:ln>
+                <a:solidFill>
+                  <a:schemeClr val="tx1"/>
+                </a:solidFill>
+                <a:effectLst/>
+                <a:latin typeface="+mj-lt"/>
+              </a:rPr>
+              <a:t>задачі</a:t>
+            </a:r>
+            <a:r>
+              <a:rPr kumimoji="0" lang="en-US" altLang="en-US" sz="1800" b="0" i="0" u="none" strike="noStrike" cap="none" normalizeH="0" baseline="0" dirty="0" smtClean="0">
+                <a:ln>
+                  <a:noFill/>
+                </a:ln>
+                <a:solidFill>
+                  <a:schemeClr val="tx1"/>
+                </a:solidFill>
+                <a:effectLst/>
+                <a:latin typeface="+mj-lt"/>
+              </a:rPr>
+              <a:t> — </a:t>
+            </a:r>
+            <a:r>
+              <a:rPr kumimoji="0" lang="en-US" altLang="en-US" sz="1800" b="0" i="0" u="none" strike="noStrike" cap="none" normalizeH="0" baseline="0" dirty="0" err="1" smtClean="0">
+                <a:ln>
+                  <a:noFill/>
+                </a:ln>
+                <a:solidFill>
+                  <a:schemeClr val="tx1"/>
+                </a:solidFill>
+                <a:effectLst/>
+                <a:latin typeface="+mj-lt"/>
+              </a:rPr>
+              <a:t>це</a:t>
+            </a:r>
+            <a:r>
+              <a:rPr kumimoji="0" lang="en-US" altLang="en-US" sz="1800" b="0" i="0" u="none" strike="noStrike" cap="none" normalizeH="0" baseline="0" dirty="0" smtClean="0">
+                <a:ln>
+                  <a:noFill/>
+                </a:ln>
+                <a:solidFill>
+                  <a:schemeClr val="tx1"/>
+                </a:solidFill>
+                <a:effectLst/>
+                <a:latin typeface="+mj-lt"/>
+              </a:rPr>
+              <a:t> </a:t>
+            </a:r>
+            <a:r>
+              <a:rPr kumimoji="0" lang="en-US" altLang="en-US" sz="1800" b="0" i="0" u="none" strike="noStrike" cap="none" normalizeH="0" baseline="0" dirty="0" err="1" smtClean="0">
+                <a:ln>
+                  <a:noFill/>
+                </a:ln>
+                <a:solidFill>
+                  <a:schemeClr val="tx1"/>
+                </a:solidFill>
+                <a:effectLst/>
+                <a:latin typeface="+mj-lt"/>
+              </a:rPr>
+              <a:t>задачі</a:t>
+            </a:r>
+            <a:r>
+              <a:rPr kumimoji="0" lang="en-US" altLang="en-US" sz="1800" b="0" i="0" u="none" strike="noStrike" cap="none" normalizeH="0" baseline="0" dirty="0" smtClean="0">
+                <a:ln>
+                  <a:noFill/>
+                </a:ln>
+                <a:solidFill>
+                  <a:schemeClr val="tx1"/>
+                </a:solidFill>
+                <a:effectLst/>
+                <a:latin typeface="+mj-lt"/>
+              </a:rPr>
               <a:t>, </a:t>
             </a:r>
             <a:r>
-              <a:rPr lang="ru-RU" dirty="0" err="1" smtClean="0"/>
-              <a:t>що</a:t>
-            </a:r>
-            <a:r>
-              <a:rPr lang="ru-RU" dirty="0" smtClean="0"/>
-              <a:t> </a:t>
-            </a:r>
-            <a:r>
-              <a:rPr lang="en-US" dirty="0" smtClean="0"/>
-              <a:t>P = NP, </a:t>
-            </a:r>
-            <a:r>
-              <a:rPr lang="ru-RU" dirty="0" err="1" smtClean="0"/>
-              <a:t>це</a:t>
-            </a:r>
-            <a:r>
-              <a:rPr lang="ru-RU" dirty="0" smtClean="0"/>
-              <a:t> </a:t>
-            </a:r>
-            <a:r>
-              <a:rPr lang="ru-RU" dirty="0" err="1" smtClean="0"/>
-              <a:t>означатиме</a:t>
-            </a:r>
-            <a:r>
-              <a:rPr lang="ru-RU" dirty="0" smtClean="0"/>
+              <a:rPr kumimoji="0" lang="en-US" altLang="en-US" sz="1800" b="0" i="0" u="none" strike="noStrike" cap="none" normalizeH="0" baseline="0" dirty="0" err="1" smtClean="0">
+                <a:ln>
+                  <a:noFill/>
+                </a:ln>
+                <a:solidFill>
+                  <a:schemeClr val="tx1"/>
+                </a:solidFill>
+                <a:effectLst/>
+                <a:latin typeface="+mj-lt"/>
+              </a:rPr>
+              <a:t>які</a:t>
+            </a:r>
+            <a:r>
+              <a:rPr kumimoji="0" lang="en-US" altLang="en-US" sz="1800" b="0" i="0" u="none" strike="noStrike" cap="none" normalizeH="0" baseline="0" dirty="0" smtClean="0">
+                <a:ln>
+                  <a:noFill/>
+                </a:ln>
+                <a:solidFill>
+                  <a:schemeClr val="tx1"/>
+                </a:solidFill>
+                <a:effectLst/>
+                <a:latin typeface="+mj-lt"/>
+              </a:rPr>
+              <a:t> </a:t>
+            </a:r>
+            <a:r>
+              <a:rPr kumimoji="0" lang="en-US" altLang="en-US" sz="1800" b="0" i="0" u="none" strike="noStrike" cap="none" normalizeH="0" baseline="0" dirty="0" err="1" smtClean="0">
+                <a:ln>
+                  <a:noFill/>
+                </a:ln>
+                <a:solidFill>
+                  <a:schemeClr val="tx1"/>
+                </a:solidFill>
+                <a:effectLst/>
+                <a:latin typeface="+mj-lt"/>
+              </a:rPr>
+              <a:t>щонайменше</a:t>
+            </a:r>
+            <a:r>
+              <a:rPr kumimoji="0" lang="en-US" altLang="en-US" sz="1800" b="0" i="0" u="none" strike="noStrike" cap="none" normalizeH="0" baseline="0" dirty="0" smtClean="0">
+                <a:ln>
+                  <a:noFill/>
+                </a:ln>
+                <a:solidFill>
+                  <a:schemeClr val="tx1"/>
+                </a:solidFill>
+                <a:effectLst/>
+                <a:latin typeface="+mj-lt"/>
+              </a:rPr>
+              <a:t> </a:t>
+            </a:r>
+            <a:r>
+              <a:rPr kumimoji="0" lang="en-US" altLang="en-US" sz="1800" b="0" i="0" u="none" strike="noStrike" cap="none" normalizeH="0" baseline="0" dirty="0" err="1" smtClean="0">
+                <a:ln>
+                  <a:noFill/>
+                </a:ln>
+                <a:solidFill>
+                  <a:schemeClr val="tx1"/>
+                </a:solidFill>
+                <a:effectLst/>
+                <a:latin typeface="+mj-lt"/>
+              </a:rPr>
+              <a:t>настільки</a:t>
+            </a:r>
+            <a:r>
+              <a:rPr kumimoji="0" lang="en-US" altLang="en-US" sz="1800" b="0" i="0" u="none" strike="noStrike" cap="none" normalizeH="0" baseline="0" dirty="0" smtClean="0">
+                <a:ln>
+                  <a:noFill/>
+                </a:ln>
+                <a:solidFill>
+                  <a:schemeClr val="tx1"/>
+                </a:solidFill>
+                <a:effectLst/>
+                <a:latin typeface="+mj-lt"/>
+              </a:rPr>
+              <a:t> ж </a:t>
+            </a:r>
+            <a:r>
+              <a:rPr kumimoji="0" lang="en-US" altLang="en-US" sz="1800" b="0" i="0" u="none" strike="noStrike" cap="none" normalizeH="0" baseline="0" dirty="0" err="1" smtClean="0">
+                <a:ln>
+                  <a:noFill/>
+                </a:ln>
+                <a:solidFill>
+                  <a:schemeClr val="tx1"/>
+                </a:solidFill>
+                <a:effectLst/>
+                <a:latin typeface="+mj-lt"/>
+              </a:rPr>
+              <a:t>складні</a:t>
+            </a:r>
+            <a:r>
+              <a:rPr kumimoji="0" lang="en-US" altLang="en-US" sz="1800" b="0" i="0" u="none" strike="noStrike" cap="none" normalizeH="0" baseline="0" dirty="0" smtClean="0">
+                <a:ln>
+                  <a:noFill/>
+                </a:ln>
+                <a:solidFill>
+                  <a:schemeClr val="tx1"/>
+                </a:solidFill>
+                <a:effectLst/>
+                <a:latin typeface="+mj-lt"/>
+              </a:rPr>
               <a:t>, </a:t>
             </a:r>
-            <a:r>
-              <a:rPr lang="ru-RU" dirty="0" err="1" smtClean="0"/>
-              <a:t>що</a:t>
-            </a:r>
-            <a:r>
-              <a:rPr lang="ru-RU" dirty="0" smtClean="0"/>
-              <a:t> для </a:t>
-            </a:r>
-            <a:r>
-              <a:rPr lang="ru-RU" dirty="0" err="1" smtClean="0"/>
-              <a:t>кожної</a:t>
-            </a:r>
-            <a:r>
-              <a:rPr lang="ru-RU" dirty="0" smtClean="0"/>
-              <a:t> </a:t>
-            </a:r>
-            <a:r>
-              <a:rPr lang="ru-RU" dirty="0" err="1" smtClean="0"/>
-              <a:t>задачі</a:t>
-            </a:r>
-            <a:r>
-              <a:rPr lang="ru-RU" dirty="0" smtClean="0"/>
-              <a:t> з </a:t>
-            </a:r>
-            <a:r>
-              <a:rPr lang="ru-RU" dirty="0" err="1" smtClean="0"/>
-              <a:t>класу</a:t>
-            </a:r>
-            <a:r>
-              <a:rPr lang="ru-RU" dirty="0" smtClean="0"/>
-              <a:t> </a:t>
-            </a:r>
-            <a:r>
-              <a:rPr lang="en-US" dirty="0" smtClean="0"/>
-              <a:t>NP </a:t>
-            </a:r>
-            <a:r>
-              <a:rPr lang="ru-RU" dirty="0" err="1" smtClean="0"/>
-              <a:t>існує</a:t>
-            </a:r>
-            <a:r>
-              <a:rPr lang="ru-RU" dirty="0" smtClean="0"/>
-              <a:t> </a:t>
-            </a:r>
-            <a:r>
-              <a:rPr lang="ru-RU" dirty="0" err="1" smtClean="0"/>
+            <a:endParaRPr kumimoji="0" lang="uk-UA" altLang="en-US" sz="1800" b="0" i="0" u="none" strike="noStrike" cap="none" normalizeH="0" baseline="0" dirty="0" smtClean="0">
+              <a:ln>
+                <a:noFill/>
+              </a:ln>
+              <a:solidFill>
+                <a:schemeClr val="tx1"/>
+              </a:solidFill>
+              <a:effectLst/>
+              <a:latin typeface="+mj-lt"/>
+            </a:endParaRPr>
+          </a:p>
+          <a:p>
+            <a:pPr marL="0" marR="0" lvl="0" indent="0" algn="l" defTabSz="914400" rtl="0" eaLnBrk="0" fontAlgn="base" latinLnBrk="0" hangingPunct="0">
+              <a:lnSpc>
+                <a:spcPct val="100000"/>
+              </a:lnSpc>
+              <a:spcBef>
+                <a:spcPct val="0"/>
+              </a:spcBef>
+              <a:spcAft>
+                <a:spcPct val="0"/>
+              </a:spcAft>
+              <a:buClrTx/>
+              <a:buSzTx/>
+              <a:buNone/>
+              <a:tabLst/>
+            </a:pPr>
+            <a:r>
+              <a:rPr kumimoji="0" lang="uk-UA" altLang="en-US" sz="1800" b="0" i="0" u="none" strike="noStrike" cap="none" normalizeH="0" baseline="0" dirty="0" smtClean="0">
+                <a:ln>
+                  <a:noFill/>
+                </a:ln>
+                <a:solidFill>
+                  <a:schemeClr val="tx1"/>
+                </a:solidFill>
+                <a:effectLst/>
+                <a:latin typeface="+mj-lt"/>
+              </a:rPr>
+              <a:t>я</a:t>
+            </a:r>
+            <a:r>
+              <a:rPr kumimoji="0" lang="en-US" altLang="en-US" sz="1800" b="0" i="0" u="none" strike="noStrike" cap="none" normalizeH="0" baseline="0" dirty="0" smtClean="0">
+                <a:ln>
+                  <a:noFill/>
+                </a:ln>
+                <a:solidFill>
+                  <a:schemeClr val="tx1"/>
+                </a:solidFill>
+                <a:effectLst/>
+                <a:latin typeface="+mj-lt"/>
+              </a:rPr>
+              <a:t>к NP-</a:t>
+            </a:r>
+            <a:r>
+              <a:rPr kumimoji="0" lang="en-US" altLang="en-US" sz="1800" b="0" i="0" u="none" strike="noStrike" cap="none" normalizeH="0" baseline="0" dirty="0" err="1" smtClean="0">
+                <a:ln>
+                  <a:noFill/>
+                </a:ln>
+                <a:solidFill>
+                  <a:schemeClr val="tx1"/>
+                </a:solidFill>
+                <a:effectLst/>
+                <a:latin typeface="+mj-lt"/>
+              </a:rPr>
+              <a:t>повні</a:t>
+            </a:r>
+            <a:r>
+              <a:rPr kumimoji="0" lang="en-US" altLang="en-US" sz="1800" b="0" i="0" u="none" strike="noStrike" cap="none" normalizeH="0" baseline="0" dirty="0" smtClean="0">
+                <a:ln>
+                  <a:noFill/>
+                </a:ln>
+                <a:solidFill>
+                  <a:schemeClr val="tx1"/>
+                </a:solidFill>
+                <a:effectLst/>
+                <a:latin typeface="+mj-lt"/>
+              </a:rPr>
+              <a:t>, </a:t>
+            </a:r>
+            <a:r>
+              <a:rPr kumimoji="0" lang="en-US" altLang="en-US" sz="1800" b="0" i="0" u="none" strike="noStrike" cap="none" normalizeH="0" baseline="0" dirty="0" err="1" smtClean="0">
+                <a:ln>
+                  <a:noFill/>
+                </a:ln>
+                <a:solidFill>
+                  <a:schemeClr val="tx1"/>
+                </a:solidFill>
+                <a:effectLst/>
+                <a:latin typeface="+mj-lt"/>
+              </a:rPr>
+              <a:t>але</a:t>
+            </a:r>
+            <a:r>
+              <a:rPr kumimoji="0" lang="en-US" altLang="en-US" sz="1800" b="0" i="0" u="none" strike="noStrike" cap="none" normalizeH="0" baseline="0" dirty="0" smtClean="0">
+                <a:ln>
+                  <a:noFill/>
+                </a:ln>
+                <a:solidFill>
+                  <a:schemeClr val="tx1"/>
+                </a:solidFill>
+                <a:effectLst/>
+                <a:latin typeface="+mj-lt"/>
+              </a:rPr>
+              <a:t> </a:t>
+            </a:r>
+            <a:r>
+              <a:rPr kumimoji="0" lang="en-US" altLang="en-US" sz="1800" b="0" i="0" u="none" strike="noStrike" cap="none" normalizeH="0" baseline="0" dirty="0" err="1" smtClean="0">
+                <a:ln>
+                  <a:noFill/>
+                </a:ln>
+                <a:solidFill>
+                  <a:schemeClr val="tx1"/>
+                </a:solidFill>
+                <a:effectLst/>
+                <a:latin typeface="+mj-lt"/>
+              </a:rPr>
+              <a:t>самі</a:t>
+            </a:r>
+            <a:r>
+              <a:rPr kumimoji="0" lang="en-US" altLang="en-US" sz="1800" b="0" i="0" u="none" strike="noStrike" cap="none" normalizeH="0" baseline="0" dirty="0" smtClean="0">
+                <a:ln>
+                  <a:noFill/>
+                </a:ln>
+                <a:solidFill>
+                  <a:schemeClr val="tx1"/>
+                </a:solidFill>
+                <a:effectLst/>
+                <a:latin typeface="+mj-lt"/>
+              </a:rPr>
+              <a:t> </a:t>
+            </a:r>
+            <a:r>
+              <a:rPr kumimoji="0" lang="en-US" altLang="en-US" sz="1800" b="0" i="0" u="none" strike="noStrike" cap="none" normalizeH="0" baseline="0" dirty="0" err="1" smtClean="0">
+                <a:ln>
+                  <a:noFill/>
+                </a:ln>
+                <a:solidFill>
+                  <a:schemeClr val="tx1"/>
+                </a:solidFill>
+                <a:effectLst/>
+                <a:latin typeface="+mj-lt"/>
+              </a:rPr>
+              <a:t>не</a:t>
+            </a:r>
+            <a:r>
+              <a:rPr kumimoji="0" lang="en-US" altLang="en-US" sz="1800" b="0" i="0" u="none" strike="noStrike" cap="none" normalizeH="0" baseline="0" dirty="0" smtClean="0">
+                <a:ln>
+                  <a:noFill/>
+                </a:ln>
+                <a:solidFill>
+                  <a:schemeClr val="tx1"/>
+                </a:solidFill>
+                <a:effectLst/>
+                <a:latin typeface="+mj-lt"/>
+              </a:rPr>
+              <a:t> </a:t>
+            </a:r>
+            <a:r>
+              <a:rPr kumimoji="0" lang="en-US" altLang="en-US" sz="1800" b="0" i="0" u="none" strike="noStrike" cap="none" normalizeH="0" baseline="0" dirty="0" err="1" smtClean="0">
+                <a:ln>
+                  <a:noFill/>
+                </a:ln>
+                <a:solidFill>
+                  <a:schemeClr val="tx1"/>
+                </a:solidFill>
+                <a:effectLst/>
+                <a:latin typeface="+mj-lt"/>
+              </a:rPr>
+              <a:t>обов'язково</a:t>
+            </a:r>
+            <a:r>
+              <a:rPr kumimoji="0" lang="en-US" altLang="en-US" sz="1800" b="0" i="0" u="none" strike="noStrike" cap="none" normalizeH="0" baseline="0" dirty="0" smtClean="0">
+                <a:ln>
+                  <a:noFill/>
+                </a:ln>
+                <a:solidFill>
+                  <a:schemeClr val="tx1"/>
+                </a:solidFill>
+                <a:effectLst/>
+                <a:latin typeface="+mj-lt"/>
+              </a:rPr>
+              <a:t> </a:t>
+            </a:r>
+            <a:r>
+              <a:rPr kumimoji="0" lang="en-US" altLang="en-US" sz="1800" b="0" i="0" u="none" strike="noStrike" cap="none" normalizeH="0" baseline="0" dirty="0" err="1" smtClean="0">
+                <a:ln>
+                  <a:noFill/>
+                </a:ln>
+                <a:solidFill>
+                  <a:schemeClr val="tx1"/>
+                </a:solidFill>
+                <a:effectLst/>
+                <a:latin typeface="+mj-lt"/>
+              </a:rPr>
+              <a:t>належать</a:t>
+            </a:r>
+            <a:r>
+              <a:rPr kumimoji="0" lang="en-US" altLang="en-US" sz="1800" b="0" i="0" u="none" strike="noStrike" cap="none" normalizeH="0" baseline="0" dirty="0" smtClean="0">
+                <a:ln>
+                  <a:noFill/>
+                </a:ln>
+                <a:solidFill>
+                  <a:schemeClr val="tx1"/>
+                </a:solidFill>
+                <a:effectLst/>
+                <a:latin typeface="+mj-lt"/>
+              </a:rPr>
+              <a:t> </a:t>
+            </a:r>
+            <a:r>
+              <a:rPr kumimoji="0" lang="en-US" altLang="en-US" sz="1800" b="0" i="0" u="none" strike="noStrike" cap="none" normalizeH="0" baseline="0" dirty="0" err="1" smtClean="0">
+                <a:ln>
+                  <a:noFill/>
+                </a:ln>
+                <a:solidFill>
+                  <a:schemeClr val="tx1"/>
+                </a:solidFill>
+                <a:effectLst/>
+                <a:latin typeface="+mj-lt"/>
+              </a:rPr>
+              <a:t>до</a:t>
+            </a:r>
+            <a:r>
+              <a:rPr kumimoji="0" lang="en-US" altLang="en-US" sz="1800" b="0" i="0" u="none" strike="noStrike" cap="none" normalizeH="0" baseline="0" dirty="0" smtClean="0">
+                <a:ln>
+                  <a:noFill/>
+                </a:ln>
+                <a:solidFill>
+                  <a:schemeClr val="tx1"/>
+                </a:solidFill>
+                <a:effectLst/>
+                <a:latin typeface="+mj-lt"/>
+              </a:rPr>
+              <a:t> NP </a:t>
+            </a:r>
+            <a:endParaRPr kumimoji="0" lang="uk-UA" altLang="en-US" sz="1800" b="0" i="0" u="none" strike="noStrike" cap="none" normalizeH="0" baseline="0" dirty="0" smtClean="0">
+              <a:ln>
+                <a:noFill/>
+              </a:ln>
+              <a:solidFill>
+                <a:schemeClr val="tx1"/>
+              </a:solidFill>
+              <a:effectLst/>
+              <a:latin typeface="+mj-lt"/>
+            </a:endParaRPr>
+          </a:p>
+          <a:p>
+            <a:pPr marL="0" marR="0" lvl="0" indent="0" algn="l" defTabSz="914400" rtl="0" eaLnBrk="0" fontAlgn="base" latinLnBrk="0" hangingPunct="0">
+              <a:lnSpc>
+                <a:spcPct val="100000"/>
+              </a:lnSpc>
+              <a:spcBef>
+                <a:spcPct val="0"/>
+              </a:spcBef>
+              <a:spcAft>
+                <a:spcPct val="0"/>
+              </a:spcAft>
+              <a:buClrTx/>
+              <a:buSzTx/>
+              <a:buNone/>
+              <a:tabLst/>
+            </a:pPr>
+            <a:r>
+              <a:rPr kumimoji="0" lang="en-US" altLang="en-US" sz="1800" b="0" i="0" u="none" strike="noStrike" cap="none" normalizeH="0" baseline="0" dirty="0" smtClean="0">
+                <a:ln>
+                  <a:noFill/>
+                </a:ln>
+                <a:solidFill>
+                  <a:schemeClr val="tx1"/>
+                </a:solidFill>
+                <a:effectLst/>
+                <a:latin typeface="+mj-lt"/>
+              </a:rPr>
+              <a:t>(</a:t>
+            </a:r>
+            <a:r>
+              <a:rPr kumimoji="0" lang="en-US" altLang="en-US" sz="1800" b="0" i="0" u="none" strike="noStrike" cap="none" normalizeH="0" baseline="0" dirty="0" err="1" smtClean="0">
+                <a:ln>
+                  <a:noFill/>
+                </a:ln>
+                <a:solidFill>
+                  <a:schemeClr val="tx1"/>
+                </a:solidFill>
+                <a:effectLst/>
+                <a:latin typeface="+mj-lt"/>
+              </a:rPr>
+              <a:t>вони</a:t>
+            </a:r>
+            <a:r>
+              <a:rPr kumimoji="0" lang="en-US" altLang="en-US" sz="1800" b="0" i="0" u="none" strike="noStrike" cap="none" normalizeH="0" baseline="0" dirty="0" smtClean="0">
+                <a:ln>
+                  <a:noFill/>
+                </a:ln>
+                <a:solidFill>
+                  <a:schemeClr val="tx1"/>
+                </a:solidFill>
+                <a:effectLst/>
+                <a:latin typeface="+mj-lt"/>
+              </a:rPr>
+              <a:t> </a:t>
+            </a:r>
+            <a:r>
+              <a:rPr kumimoji="0" lang="en-US" altLang="en-US" sz="1800" b="0" i="0" u="none" strike="noStrike" cap="none" normalizeH="0" baseline="0" dirty="0" err="1" smtClean="0">
+                <a:ln>
+                  <a:noFill/>
+                </a:ln>
+                <a:solidFill>
+                  <a:schemeClr val="tx1"/>
+                </a:solidFill>
+                <a:effectLst/>
+                <a:latin typeface="+mj-lt"/>
+              </a:rPr>
+              <a:t>можуть</a:t>
+            </a:r>
+            <a:r>
+              <a:rPr kumimoji="0" lang="en-US" altLang="en-US" sz="1800" b="0" i="0" u="none" strike="noStrike" cap="none" normalizeH="0" baseline="0" dirty="0" smtClean="0">
+                <a:ln>
+                  <a:noFill/>
+                </a:ln>
+                <a:solidFill>
+                  <a:schemeClr val="tx1"/>
+                </a:solidFill>
+                <a:effectLst/>
+                <a:latin typeface="+mj-lt"/>
+              </a:rPr>
+              <a:t> </a:t>
+            </a:r>
+            <a:r>
+              <a:rPr kumimoji="0" lang="en-US" altLang="en-US" sz="1800" b="0" i="0" u="none" strike="noStrike" cap="none" normalizeH="0" baseline="0" dirty="0" err="1" smtClean="0">
+                <a:ln>
+                  <a:noFill/>
+                </a:ln>
+                <a:solidFill>
+                  <a:schemeClr val="tx1"/>
+                </a:solidFill>
+                <a:effectLst/>
+                <a:latin typeface="+mj-lt"/>
+              </a:rPr>
+              <a:t>не</a:t>
+            </a:r>
+            <a:r>
+              <a:rPr kumimoji="0" lang="en-US" altLang="en-US" sz="1800" b="0" i="0" u="none" strike="noStrike" cap="none" normalizeH="0" baseline="0" dirty="0" smtClean="0">
+                <a:ln>
+                  <a:noFill/>
+                </a:ln>
+                <a:solidFill>
+                  <a:schemeClr val="tx1"/>
+                </a:solidFill>
+                <a:effectLst/>
+                <a:latin typeface="+mj-lt"/>
+              </a:rPr>
+              <a:t> </a:t>
+            </a:r>
+            <a:r>
+              <a:rPr kumimoji="0" lang="en-US" altLang="en-US" sz="1800" b="0" i="0" u="none" strike="noStrike" cap="none" normalizeH="0" baseline="0" dirty="0" err="1" smtClean="0">
+                <a:ln>
+                  <a:noFill/>
+                </a:ln>
+                <a:solidFill>
+                  <a:schemeClr val="tx1"/>
+                </a:solidFill>
+                <a:effectLst/>
+                <a:latin typeface="+mj-lt"/>
+              </a:rPr>
+              <a:t>мати</a:t>
+            </a:r>
+            <a:r>
+              <a:rPr kumimoji="0" lang="en-US" altLang="en-US" sz="1800" b="0" i="0" u="none" strike="noStrike" cap="none" normalizeH="0" baseline="0" dirty="0" smtClean="0">
+                <a:ln>
+                  <a:noFill/>
+                </a:ln>
+                <a:solidFill>
+                  <a:schemeClr val="tx1"/>
+                </a:solidFill>
+                <a:effectLst/>
+                <a:latin typeface="+mj-lt"/>
+              </a:rPr>
+              <a:t> </a:t>
+            </a:r>
+            <a:r>
+              <a:rPr kumimoji="0" lang="en-US" altLang="en-US" sz="1800" b="0" i="0" u="none" strike="noStrike" cap="none" normalizeH="0" baseline="0" dirty="0" err="1" smtClean="0">
+                <a:ln>
+                  <a:noFill/>
+                </a:ln>
+                <a:solidFill>
+                  <a:schemeClr val="tx1"/>
+                </a:solidFill>
+                <a:effectLst/>
+                <a:latin typeface="+mj-lt"/>
+              </a:rPr>
+              <a:t>розв'язку</a:t>
+            </a:r>
+            <a:r>
+              <a:rPr kumimoji="0" lang="en-US" altLang="en-US" sz="1800" b="0" i="0" u="none" strike="noStrike" cap="none" normalizeH="0" baseline="0" dirty="0" smtClean="0">
+                <a:ln>
+                  <a:noFill/>
+                </a:ln>
+                <a:solidFill>
+                  <a:schemeClr val="tx1"/>
+                </a:solidFill>
+                <a:effectLst/>
+                <a:latin typeface="+mj-lt"/>
+              </a:rPr>
+              <a:t>, </a:t>
+            </a:r>
+            <a:r>
+              <a:rPr kumimoji="0" lang="en-US" altLang="en-US" sz="1800" b="0" i="0" u="none" strike="noStrike" cap="none" normalizeH="0" baseline="0" dirty="0" err="1" smtClean="0">
+                <a:ln>
+                  <a:noFill/>
+                </a:ln>
+                <a:solidFill>
+                  <a:schemeClr val="tx1"/>
+                </a:solidFill>
+                <a:effectLst/>
+                <a:latin typeface="+mj-lt"/>
+              </a:rPr>
+              <a:t>який</a:t>
+            </a:r>
+            <a:r>
+              <a:rPr kumimoji="0" lang="en-US" altLang="en-US" sz="1800" b="0" i="0" u="none" strike="noStrike" cap="none" normalizeH="0" baseline="0" dirty="0" smtClean="0">
+                <a:ln>
+                  <a:noFill/>
+                </a:ln>
+                <a:solidFill>
+                  <a:schemeClr val="tx1"/>
+                </a:solidFill>
+                <a:effectLst/>
+                <a:latin typeface="+mj-lt"/>
+              </a:rPr>
+              <a:t> </a:t>
+            </a:r>
+            <a:r>
+              <a:rPr kumimoji="0" lang="en-US" altLang="en-US" sz="1800" b="0" i="0" u="none" strike="noStrike" cap="none" normalizeH="0" baseline="0" dirty="0" err="1" smtClean="0">
+                <a:ln>
+                  <a:noFill/>
+                </a:ln>
+                <a:solidFill>
+                  <a:schemeClr val="tx1"/>
+                </a:solidFill>
+                <a:effectLst/>
+                <a:latin typeface="+mj-lt"/>
+              </a:rPr>
+              <a:t>можна</a:t>
+            </a:r>
+            <a:r>
+              <a:rPr kumimoji="0" lang="en-US" altLang="en-US" sz="1800" b="0" i="0" u="none" strike="noStrike" cap="none" normalizeH="0" baseline="0" dirty="0" smtClean="0">
+                <a:ln>
+                  <a:noFill/>
+                </a:ln>
+                <a:solidFill>
+                  <a:schemeClr val="tx1"/>
+                </a:solidFill>
+                <a:effectLst/>
+                <a:latin typeface="+mj-lt"/>
+              </a:rPr>
+              <a:t> </a:t>
+            </a:r>
+            <a:r>
+              <a:rPr kumimoji="0" lang="en-US" altLang="en-US" sz="1800" b="0" i="0" u="none" strike="noStrike" cap="none" normalizeH="0" baseline="0" dirty="0" err="1" smtClean="0">
+                <a:ln>
+                  <a:noFill/>
+                </a:ln>
+                <a:solidFill>
+                  <a:schemeClr val="tx1"/>
+                </a:solidFill>
+                <a:effectLst/>
+                <a:latin typeface="+mj-lt"/>
+              </a:rPr>
+              <a:t>перевірити</a:t>
+            </a:r>
+            <a:r>
+              <a:rPr kumimoji="0" lang="en-US" altLang="en-US" sz="1800" b="0" i="0" u="none" strike="noStrike" cap="none" normalizeH="0" baseline="0" dirty="0" smtClean="0">
+                <a:ln>
+                  <a:noFill/>
+                </a:ln>
+                <a:solidFill>
+                  <a:schemeClr val="tx1"/>
+                </a:solidFill>
+                <a:effectLst/>
+                <a:latin typeface="+mj-lt"/>
+              </a:rPr>
+              <a:t> </a:t>
+            </a:r>
+            <a:r>
+              <a:rPr kumimoji="0" lang="en-US" altLang="en-US" sz="1800" b="0" i="0" u="none" strike="noStrike" cap="none" normalizeH="0" baseline="0" dirty="0" err="1" smtClean="0">
+                <a:ln>
+                  <a:noFill/>
+                </a:ln>
+                <a:solidFill>
+                  <a:schemeClr val="tx1"/>
+                </a:solidFill>
+                <a:effectLst/>
+                <a:latin typeface="+mj-lt"/>
+              </a:rPr>
+              <a:t>за</a:t>
+            </a:r>
+            <a:r>
+              <a:rPr kumimoji="0" lang="en-US" altLang="en-US" sz="1800" b="0" i="0" u="none" strike="noStrike" cap="none" normalizeH="0" baseline="0" dirty="0" smtClean="0">
+                <a:ln>
+                  <a:noFill/>
+                </a:ln>
+                <a:solidFill>
+                  <a:schemeClr val="tx1"/>
+                </a:solidFill>
+                <a:effectLst/>
+                <a:latin typeface="+mj-lt"/>
+              </a:rPr>
+              <a:t> </a:t>
+            </a:r>
+            <a:r>
+              <a:rPr kumimoji="0" lang="en-US" altLang="en-US" sz="1800" b="0" i="0" u="none" strike="noStrike" cap="none" normalizeH="0" baseline="0" dirty="0" err="1" smtClean="0">
+                <a:ln>
+                  <a:noFill/>
+                </a:ln>
+                <a:solidFill>
+                  <a:schemeClr val="tx1"/>
+                </a:solidFill>
+                <a:effectLst/>
+                <a:latin typeface="+mj-lt"/>
+              </a:rPr>
               <a:t>поліноміальний</a:t>
             </a:r>
             <a:r>
-              <a:rPr lang="ru-RU" dirty="0" smtClean="0"/>
-              <a:t> алгоритм, </a:t>
-            </a:r>
-            <a:r>
-              <a:rPr lang="ru-RU" dirty="0" err="1" smtClean="0"/>
-              <a:t>який</a:t>
-            </a:r>
-            <a:r>
-              <a:rPr lang="ru-RU" dirty="0" smtClean="0"/>
-              <a:t> </a:t>
-            </a:r>
-            <a:r>
-              <a:rPr lang="ru-RU" dirty="0" err="1" smtClean="0"/>
-              <a:t>може</a:t>
-            </a:r>
-            <a:r>
-              <a:rPr lang="ru-RU" dirty="0" smtClean="0"/>
-              <a:t> </a:t>
-            </a:r>
-            <a:r>
-              <a:rPr lang="ru-RU" dirty="0" err="1" smtClean="0"/>
-              <a:t>знайти</a:t>
-            </a:r>
-            <a:r>
-              <a:rPr lang="ru-RU" dirty="0" smtClean="0"/>
-              <a:t> </a:t>
-            </a:r>
-            <a:r>
-              <a:rPr lang="ru-RU" dirty="0" err="1" smtClean="0"/>
-              <a:t>розв'язок</a:t>
-            </a:r>
-            <a:r>
-              <a:rPr lang="ru-RU" dirty="0" smtClean="0"/>
-              <a:t> так само </a:t>
-            </a:r>
-            <a:r>
-              <a:rPr lang="ru-RU" dirty="0" err="1" smtClean="0"/>
-              <a:t>швидко</a:t>
-            </a:r>
-            <a:r>
-              <a:rPr lang="ru-RU" dirty="0" smtClean="0"/>
-              <a:t>, як і </a:t>
-            </a:r>
-            <a:r>
-              <a:rPr lang="ru-RU" dirty="0" err="1" smtClean="0"/>
-              <a:t>перевірити</a:t>
-            </a:r>
-            <a:r>
-              <a:rPr lang="ru-RU" dirty="0" smtClean="0"/>
-              <a:t> </a:t>
-            </a:r>
-            <a:r>
-              <a:rPr lang="ru-RU" dirty="0" err="1" smtClean="0"/>
-              <a:t>його</a:t>
-            </a:r>
-            <a:r>
-              <a:rPr lang="ru-RU" dirty="0" smtClean="0"/>
-              <a:t>. На </a:t>
-            </a:r>
-            <a:r>
-              <a:rPr lang="ru-RU" dirty="0" err="1" smtClean="0"/>
-              <a:t>сьогодні</a:t>
-            </a:r>
-            <a:r>
-              <a:rPr lang="ru-RU" dirty="0" smtClean="0"/>
-              <a:t> </a:t>
-            </a:r>
-            <a:r>
-              <a:rPr lang="ru-RU" dirty="0" err="1" smtClean="0"/>
-              <a:t>це</a:t>
-            </a:r>
-            <a:r>
-              <a:rPr lang="ru-RU" dirty="0" smtClean="0"/>
-              <a:t> </a:t>
-            </a:r>
-            <a:r>
-              <a:rPr lang="ru-RU" dirty="0" err="1" smtClean="0"/>
-              <a:t>питання</a:t>
-            </a:r>
-            <a:r>
-              <a:rPr lang="ru-RU" dirty="0" smtClean="0"/>
-              <a:t> </a:t>
-            </a:r>
-            <a:r>
-              <a:rPr lang="ru-RU" dirty="0" err="1" smtClean="0"/>
-              <a:t>залишається</a:t>
-            </a:r>
-            <a:r>
-              <a:rPr lang="ru-RU" dirty="0" smtClean="0"/>
-              <a:t> </a:t>
-            </a:r>
-            <a:r>
-              <a:rPr lang="ru-RU" dirty="0" err="1" smtClean="0"/>
-              <a:t>відкритим</a:t>
-            </a:r>
-            <a:r>
-              <a:rPr lang="ru-RU" dirty="0" smtClean="0"/>
-              <a:t>, і </a:t>
-            </a:r>
-            <a:r>
-              <a:rPr lang="ru-RU" dirty="0" err="1" smtClean="0"/>
-              <a:t>більшість</a:t>
-            </a:r>
-            <a:r>
-              <a:rPr lang="ru-RU" dirty="0" smtClean="0"/>
-              <a:t> </a:t>
-            </a:r>
-            <a:r>
-              <a:rPr lang="ru-RU" dirty="0" err="1" smtClean="0"/>
-              <a:t>дослідників</a:t>
-            </a:r>
-            <a:r>
-              <a:rPr lang="ru-RU" dirty="0" smtClean="0"/>
-              <a:t> </a:t>
-            </a:r>
-            <a:r>
-              <a:rPr lang="ru-RU" dirty="0" err="1" smtClean="0"/>
-              <a:t>вважають</a:t>
-            </a:r>
-            <a:r>
-              <a:rPr lang="ru-RU" dirty="0" smtClean="0"/>
-              <a:t>, </a:t>
-            </a:r>
-            <a:r>
-              <a:rPr lang="ru-RU" dirty="0" err="1" smtClean="0"/>
-              <a:t>що</a:t>
-            </a:r>
-            <a:r>
-              <a:rPr lang="ru-RU" dirty="0" smtClean="0"/>
-              <a:t> </a:t>
-            </a:r>
-            <a:r>
-              <a:rPr lang="en-US" dirty="0" smtClean="0"/>
-              <a:t>P ≠ NP, </a:t>
-            </a:r>
-            <a:r>
-              <a:rPr lang="ru-RU" dirty="0" err="1" smtClean="0"/>
-              <a:t>тобто</a:t>
-            </a:r>
-            <a:r>
-              <a:rPr lang="ru-RU" dirty="0" smtClean="0"/>
-              <a:t> </a:t>
-            </a:r>
-            <a:r>
-              <a:rPr lang="ru-RU" dirty="0" err="1" smtClean="0"/>
-              <a:t>існують</a:t>
-            </a:r>
-            <a:r>
-              <a:rPr lang="ru-RU" dirty="0" smtClean="0"/>
-              <a:t> </a:t>
-            </a:r>
-            <a:r>
-              <a:rPr lang="ru-RU" dirty="0" err="1" smtClean="0"/>
-              <a:t>задачі</a:t>
-            </a:r>
-            <a:r>
-              <a:rPr lang="ru-RU" dirty="0" smtClean="0"/>
-              <a:t>, </a:t>
-            </a:r>
-            <a:r>
-              <a:rPr lang="ru-RU" dirty="0" err="1" smtClean="0"/>
-              <a:t>які</a:t>
-            </a:r>
-            <a:r>
-              <a:rPr lang="ru-RU" dirty="0" smtClean="0"/>
-              <a:t> </a:t>
-            </a:r>
-            <a:r>
-              <a:rPr lang="ru-RU" dirty="0" err="1" smtClean="0"/>
-              <a:t>можна</a:t>
-            </a:r>
-            <a:r>
-              <a:rPr lang="ru-RU" dirty="0" smtClean="0"/>
-              <a:t> </a:t>
-            </a:r>
-            <a:r>
-              <a:rPr lang="ru-RU" dirty="0"/>
-              <a:t>легко</a:t>
-            </a:r>
-            <a:r>
-              <a:rPr lang="ru-RU" dirty="0" smtClean="0"/>
-              <a:t> </a:t>
-            </a:r>
-            <a:r>
-              <a:rPr lang="ru-RU" dirty="0" err="1" smtClean="0"/>
-              <a:t>перевірити</a:t>
-            </a:r>
-            <a:r>
-              <a:rPr lang="ru-RU" dirty="0" smtClean="0"/>
-              <a:t>, але </a:t>
-            </a:r>
-            <a:r>
-              <a:rPr lang="ru-RU" dirty="0" err="1" smtClean="0"/>
-              <a:t>дуже</a:t>
-            </a:r>
-            <a:r>
-              <a:rPr lang="ru-RU" dirty="0" smtClean="0"/>
-              <a:t> </a:t>
-            </a:r>
-            <a:r>
-              <a:rPr lang="ru-RU" dirty="0" err="1" smtClean="0"/>
-              <a:t>важко</a:t>
-            </a:r>
-            <a:r>
-              <a:rPr lang="ru-RU" dirty="0" smtClean="0"/>
-              <a:t> </a:t>
-            </a:r>
-            <a:r>
-              <a:rPr lang="ru-RU" dirty="0" err="1" smtClean="0"/>
-              <a:t>знайти</a:t>
-            </a:r>
-            <a:r>
-              <a:rPr lang="ru-RU" dirty="0" smtClean="0"/>
-              <a:t> </a:t>
-            </a:r>
-            <a:r>
-              <a:rPr lang="ru-RU" dirty="0" err="1" smtClean="0"/>
-              <a:t>розв'язок</a:t>
-            </a:r>
-            <a:r>
-              <a:rPr lang="ru-RU" dirty="0" smtClean="0"/>
-              <a:t>.</a:t>
-            </a:r>
-            <a:endParaRPr lang="en-US" dirty="0"/>
+              <a:rPr kumimoji="0" lang="en-US" altLang="en-US" sz="1800" b="0" i="0" u="none" strike="noStrike" cap="none" normalizeH="0" baseline="0" dirty="0" smtClean="0">
+                <a:ln>
+                  <a:noFill/>
+                </a:ln>
+                <a:solidFill>
+                  <a:schemeClr val="tx1"/>
+                </a:solidFill>
+                <a:effectLst/>
+                <a:latin typeface="+mj-lt"/>
+              </a:rPr>
+              <a:t> </a:t>
+            </a:r>
+            <a:r>
+              <a:rPr kumimoji="0" lang="en-US" altLang="en-US" sz="1800" b="0" i="0" u="none" strike="noStrike" cap="none" normalizeH="0" baseline="0" dirty="0" err="1" smtClean="0">
+                <a:ln>
+                  <a:noFill/>
+                </a:ln>
+                <a:solidFill>
+                  <a:schemeClr val="tx1"/>
+                </a:solidFill>
+                <a:effectLst/>
+                <a:latin typeface="+mj-lt"/>
+              </a:rPr>
+              <a:t>час</a:t>
+            </a:r>
+            <a:r>
+              <a:rPr kumimoji="0" lang="en-US" altLang="en-US" sz="1800" b="0" i="0" u="none" strike="noStrike" cap="none" normalizeH="0" baseline="0" dirty="0" smtClean="0">
+                <a:ln>
+                  <a:noFill/>
+                </a:ln>
+                <a:solidFill>
+                  <a:schemeClr val="tx1"/>
+                </a:solidFill>
+                <a:effectLst/>
+                <a:latin typeface="+mj-lt"/>
+              </a:rPr>
+              <a:t>). </a:t>
+            </a:r>
           </a:p>
         </p:txBody>
       </p:sp>
     </p:spTree>
     <p:extLst>
       <p:ext uri="{BB962C8B-B14F-4D97-AF65-F5344CB8AC3E}">
-        <p14:creationId xmlns:p14="http://schemas.microsoft.com/office/powerpoint/2010/main" val="2822285889"/>
+        <p14:creationId xmlns:p14="http://schemas.microsoft.com/office/powerpoint/2010/main" val="2550334033"/>
       </p:ext>
     </p:extLst>
   </p:cSld>
@@ -11755,1940 +13470,492 @@
         </p:nvSpPr>
         <p:spPr/>
         <p:txBody>
-          <a:bodyPr>
-            <a:normAutofit fontScale="90000"/>
-          </a:bodyPr>
+          <a:bodyPr/>
           <a:lstStyle/>
           <a:p>
             <a:r>
+              <a:rPr lang="ru-RU" b="1" dirty="0" err="1" smtClean="0"/>
+              <a:t>Співвідношення</a:t>
+            </a:r>
+            <a:r>
+              <a:rPr lang="ru-RU" b="1" dirty="0" smtClean="0"/>
+              <a:t> </a:t>
+            </a:r>
+            <a:r>
+              <a:rPr lang="ru-RU" b="1" dirty="0" err="1" smtClean="0"/>
+              <a:t>між</a:t>
+            </a:r>
+            <a:r>
+              <a:rPr lang="ru-RU" b="1" dirty="0" smtClean="0"/>
+              <a:t> </a:t>
+            </a:r>
+            <a:r>
               <a:rPr lang="en-US" b="1" dirty="0" smtClean="0"/>
-              <a:t>NP-</a:t>
-            </a:r>
-            <a:r>
-              <a:rPr lang="ru-RU" b="1" dirty="0" err="1" smtClean="0"/>
-              <a:t>повні</a:t>
+              <a:t>P </a:t>
             </a:r>
             <a:r>
               <a:rPr lang="ru-RU" b="1" dirty="0" smtClean="0"/>
-              <a:t> та </a:t>
+              <a:t>та </a:t>
             </a:r>
             <a:r>
               <a:rPr lang="en-US" b="1" dirty="0" smtClean="0"/>
-              <a:t>NP-</a:t>
-            </a:r>
-            <a:r>
-              <a:rPr lang="ru-RU" b="1" dirty="0" err="1" smtClean="0"/>
-              <a:t>складні</a:t>
-            </a:r>
-            <a:r>
-              <a:rPr lang="ru-RU" b="1" dirty="0" smtClean="0"/>
-              <a:t> </a:t>
-            </a:r>
-            <a:r>
-              <a:rPr lang="ru-RU" b="1" dirty="0" err="1" smtClean="0"/>
-              <a:t>задачі</a:t>
-            </a:r>
-            <a:r>
-              <a:rPr lang="ru-RU" b="1" dirty="0" smtClean="0"/>
-              <a:t/>
-            </a:r>
-            <a:br>
-              <a:rPr lang="ru-RU" b="1" dirty="0" smtClean="0"/>
-            </a:br>
+              <a:t>NP</a:t>
+            </a:r>
             <a:endParaRPr lang="en-US" dirty="0"/>
           </a:p>
         </p:txBody>
       </p:sp>
       <p:sp>
         <p:nvSpPr>
-          <p:cNvPr id="6" name="Rectangle 3"/>
+          <p:cNvPr id="3" name="Объект 2"/>
           <p:cNvSpPr>
-            <a:spLocks noGrp="1" noChangeArrowheads="1"/>
+            <a:spLocks noGrp="1"/>
           </p:cNvSpPr>
           <p:nvPr>
             <p:ph idx="1"/>
           </p:nvPr>
         </p:nvSpPr>
-        <p:spPr bwMode="auto">
-          <a:xfrm>
-            <a:off x="1295402" y="2655941"/>
-            <a:ext cx="9601196" cy="2308324"/>
-          </a:xfrm>
-          <a:prstGeom prst="rect">
-            <a:avLst/>
-          </a:prstGeom>
-          <a:noFill/>
-          <a:ln>
-            <a:noFill/>
-          </a:ln>
-          <a:effectLst/>
-          <a:extLst>
-            <a:ext uri="{909E8E84-426E-40DD-AFC4-6F175D3DCCD1}">
-              <a14:hiddenFill xmlns:a14="http://schemas.microsoft.com/office/drawing/2010/main">
-                <a:solidFill>
-                  <a:schemeClr val="accent1"/>
-                </a:solidFill>
-              </a14:hiddenFill>
-            </a:ext>
-            <a:ext uri="{91240B29-F687-4F45-9708-019B960494DF}">
-              <a14:hiddenLine xmlns:a14="http://schemas.microsoft.com/office/drawing/2010/main" w="9525">
-                <a:solidFill>
-                  <a:schemeClr val="tx1"/>
-                </a:solidFill>
-                <a:miter lim="800000"/>
-                <a:headEnd/>
-                <a:tailEnd/>
-              </a14:hiddenLine>
-            </a:ext>
-            <a:ext uri="{AF507438-7753-43E0-B8FC-AC1667EBCBE1}">
-              <a14:hiddenEffects xmlns:a14="http://schemas.microsoft.com/office/drawing/2010/main">
-                <a:effectLst>
-                  <a:outerShdw dist="35921" dir="2700000" algn="ctr" rotWithShape="0">
-                    <a:schemeClr val="bg2"/>
-                  </a:outerShdw>
-                </a:effectLst>
-              </a14:hiddenEffects>
-            </a:ext>
-          </a:extLst>
-        </p:spPr>
+        <p:spPr/>
         <p:txBody>
-          <a:bodyPr vert="horz" wrap="square" lIns="91440" tIns="45720" rIns="91440" bIns="45720" numCol="1" anchor="ctr" anchorCtr="0" compatLnSpc="1">
-            <a:prstTxWarp prst="textNoShape">
-              <a:avLst/>
-            </a:prstTxWarp>
-            <a:spAutoFit/>
-          </a:bodyPr>
+          <a:bodyPr/>
           <a:lstStyle/>
           <a:p>
-            <a:pPr marL="0" marR="0" lvl="0" indent="0" algn="l" defTabSz="914400" rtl="0" eaLnBrk="0" fontAlgn="base" latinLnBrk="0" hangingPunct="0">
-              <a:lnSpc>
-                <a:spcPct val="100000"/>
-              </a:lnSpc>
-              <a:spcBef>
-                <a:spcPct val="0"/>
-              </a:spcBef>
-              <a:spcAft>
-                <a:spcPct val="0"/>
-              </a:spcAft>
-              <a:buClrTx/>
-              <a:buSzTx/>
-              <a:buFontTx/>
-              <a:buChar char="•"/>
-              <a:tabLst/>
-            </a:pPr>
-            <a:r>
-              <a:rPr kumimoji="0" lang="en-US" altLang="en-US" sz="1800" b="1" i="0" u="none" strike="noStrike" cap="none" normalizeH="0" baseline="0" dirty="0" smtClean="0">
-                <a:ln>
-                  <a:noFill/>
-                </a:ln>
-                <a:solidFill>
-                  <a:schemeClr val="tx1"/>
-                </a:solidFill>
-                <a:effectLst/>
-                <a:latin typeface="+mj-lt"/>
-              </a:rPr>
-              <a:t>NP-</a:t>
-            </a:r>
-            <a:r>
-              <a:rPr kumimoji="0" lang="en-US" altLang="en-US" sz="1800" b="1" i="0" u="none" strike="noStrike" cap="none" normalizeH="0" baseline="0" dirty="0" err="1" smtClean="0">
-                <a:ln>
-                  <a:noFill/>
-                </a:ln>
-                <a:solidFill>
-                  <a:schemeClr val="tx1"/>
-                </a:solidFill>
-                <a:effectLst/>
-                <a:latin typeface="+mj-lt"/>
-              </a:rPr>
-              <a:t>повні</a:t>
-            </a:r>
-            <a:r>
-              <a:rPr kumimoji="0" lang="en-US" altLang="en-US" sz="1800" b="1" i="0" u="none" strike="noStrike" cap="none" normalizeH="0" baseline="0" dirty="0" smtClean="0">
-                <a:ln>
-                  <a:noFill/>
-                </a:ln>
-                <a:solidFill>
-                  <a:schemeClr val="tx1"/>
-                </a:solidFill>
-                <a:effectLst/>
-                <a:latin typeface="+mj-lt"/>
-              </a:rPr>
-              <a:t> </a:t>
-            </a:r>
-            <a:r>
-              <a:rPr kumimoji="0" lang="en-US" altLang="en-US" sz="1800" b="1" i="0" u="none" strike="noStrike" cap="none" normalizeH="0" baseline="0" dirty="0" err="1" smtClean="0">
-                <a:ln>
-                  <a:noFill/>
-                </a:ln>
-                <a:solidFill>
-                  <a:schemeClr val="tx1"/>
-                </a:solidFill>
-                <a:effectLst/>
-                <a:latin typeface="+mj-lt"/>
-              </a:rPr>
+            <a:r>
+              <a:rPr lang="ru-RU" dirty="0" smtClean="0"/>
+              <a:t>Одним з </a:t>
+            </a:r>
+            <a:r>
+              <a:rPr lang="ru-RU" dirty="0" err="1" smtClean="0"/>
+              <a:t>найважливіших</a:t>
+            </a:r>
+            <a:r>
+              <a:rPr lang="ru-RU" dirty="0" smtClean="0"/>
+              <a:t> </a:t>
+            </a:r>
+            <a:r>
+              <a:rPr lang="ru-RU" dirty="0" err="1" smtClean="0"/>
+              <a:t>відкритих</a:t>
+            </a:r>
+            <a:r>
+              <a:rPr lang="ru-RU" dirty="0" smtClean="0"/>
+              <a:t> </a:t>
+            </a:r>
+            <a:r>
+              <a:rPr lang="ru-RU" dirty="0" err="1" smtClean="0"/>
+              <a:t>питань</a:t>
+            </a:r>
+            <a:r>
+              <a:rPr lang="ru-RU" dirty="0" smtClean="0"/>
+              <a:t> у </a:t>
+            </a:r>
+            <a:r>
+              <a:rPr lang="ru-RU" dirty="0" err="1" smtClean="0"/>
+              <a:t>теорії</a:t>
+            </a:r>
+            <a:r>
+              <a:rPr lang="ru-RU" dirty="0" smtClean="0"/>
+              <a:t> </a:t>
+            </a:r>
+            <a:r>
+              <a:rPr lang="ru-RU" dirty="0" err="1" smtClean="0"/>
+              <a:t>обчислювальної</a:t>
+            </a:r>
+            <a:r>
+              <a:rPr lang="ru-RU" dirty="0" smtClean="0"/>
+              <a:t> </a:t>
+            </a:r>
+            <a:r>
+              <a:rPr lang="ru-RU" dirty="0" err="1" smtClean="0"/>
+              <a:t>складності</a:t>
+            </a:r>
+            <a:r>
+              <a:rPr lang="ru-RU" dirty="0" smtClean="0"/>
+              <a:t> є </a:t>
+            </a:r>
+            <a:r>
+              <a:rPr lang="ru-RU" dirty="0" err="1" smtClean="0"/>
+              <a:t>питання</a:t>
+            </a:r>
+            <a:r>
+              <a:rPr lang="ru-RU" dirty="0" smtClean="0"/>
+              <a:t>, </a:t>
+            </a:r>
+            <a:r>
+              <a:rPr lang="ru-RU" dirty="0" err="1" smtClean="0"/>
+              <a:t>чи</a:t>
+            </a:r>
+            <a:r>
+              <a:rPr lang="ru-RU" dirty="0" smtClean="0"/>
+              <a:t> </a:t>
+            </a:r>
+            <a:r>
+              <a:rPr lang="ru-RU" dirty="0" err="1" smtClean="0"/>
+              <a:t>рівні</a:t>
+            </a:r>
+            <a:r>
+              <a:rPr lang="ru-RU" dirty="0" smtClean="0"/>
+              <a:t> </a:t>
+            </a:r>
+            <a:r>
+              <a:rPr lang="ru-RU" dirty="0" err="1" smtClean="0"/>
+              <a:t>класи</a:t>
+            </a:r>
+            <a:r>
+              <a:rPr lang="ru-RU" dirty="0" smtClean="0"/>
+              <a:t> </a:t>
+            </a:r>
+            <a:r>
+              <a:rPr lang="en-US" dirty="0" smtClean="0"/>
+              <a:t>P </a:t>
+            </a:r>
+            <a:r>
+              <a:rPr lang="ru-RU" dirty="0" smtClean="0"/>
+              <a:t>і </a:t>
+            </a:r>
+            <a:r>
+              <a:rPr lang="en-US" dirty="0" smtClean="0"/>
+              <a:t>NP, </a:t>
+            </a:r>
+            <a:r>
+              <a:rPr lang="ru-RU" dirty="0" err="1" smtClean="0"/>
+              <a:t>тобто</a:t>
+            </a:r>
+            <a:r>
+              <a:rPr lang="ru-RU" dirty="0" smtClean="0"/>
+              <a:t> </a:t>
+            </a:r>
+            <a:r>
+              <a:rPr lang="en-US" b="1" dirty="0" smtClean="0"/>
+              <a:t>P = NP</a:t>
+            </a:r>
+            <a:r>
+              <a:rPr lang="en-US" dirty="0" smtClean="0"/>
+              <a:t>. </a:t>
+            </a:r>
+            <a:r>
+              <a:rPr lang="ru-RU" dirty="0" err="1" smtClean="0"/>
+              <a:t>Якщо</a:t>
+            </a:r>
+            <a:r>
+              <a:rPr lang="ru-RU" dirty="0" smtClean="0"/>
+              <a:t> </a:t>
+            </a:r>
+            <a:r>
+              <a:rPr lang="ru-RU" dirty="0" err="1" smtClean="0"/>
+              <a:t>виявиться</a:t>
+            </a:r>
+            <a:r>
+              <a:rPr lang="ru-RU" dirty="0" smtClean="0"/>
+              <a:t>, </a:t>
+            </a:r>
+            <a:r>
+              <a:rPr lang="ru-RU" dirty="0" err="1" smtClean="0"/>
+              <a:t>що</a:t>
+            </a:r>
+            <a:r>
+              <a:rPr lang="ru-RU" dirty="0" smtClean="0"/>
+              <a:t> </a:t>
+            </a:r>
+            <a:r>
+              <a:rPr lang="en-US" dirty="0" smtClean="0"/>
+              <a:t>P = NP, </a:t>
+            </a:r>
+            <a:r>
+              <a:rPr lang="ru-RU" dirty="0" err="1" smtClean="0"/>
+              <a:t>це</a:t>
+            </a:r>
+            <a:r>
+              <a:rPr lang="ru-RU" dirty="0" smtClean="0"/>
+              <a:t> </a:t>
+            </a:r>
+            <a:r>
+              <a:rPr lang="ru-RU" dirty="0" err="1" smtClean="0"/>
+              <a:t>означатиме</a:t>
+            </a:r>
+            <a:r>
+              <a:rPr lang="ru-RU" dirty="0" smtClean="0"/>
+              <a:t>, </a:t>
+            </a:r>
+            <a:r>
+              <a:rPr lang="ru-RU" dirty="0" err="1" smtClean="0"/>
+              <a:t>що</a:t>
+            </a:r>
+            <a:r>
+              <a:rPr lang="ru-RU" dirty="0" smtClean="0"/>
+              <a:t> для </a:t>
+            </a:r>
+            <a:r>
+              <a:rPr lang="ru-RU" dirty="0" err="1" smtClean="0"/>
+              <a:t>кожної</a:t>
+            </a:r>
+            <a:r>
+              <a:rPr lang="ru-RU" dirty="0" smtClean="0"/>
+              <a:t> </a:t>
+            </a:r>
+            <a:r>
+              <a:rPr lang="ru-RU" dirty="0" err="1" smtClean="0"/>
               <a:t>задачі</a:t>
             </a:r>
             <a:r>
-              <a:rPr kumimoji="0" lang="en-US" altLang="en-US" sz="1800" b="1" i="0" u="none" strike="noStrike" cap="none" normalizeH="0" baseline="0" dirty="0" smtClean="0">
-                <a:ln>
-                  <a:noFill/>
-                </a:ln>
-                <a:solidFill>
-                  <a:schemeClr val="tx1"/>
-                </a:solidFill>
-                <a:effectLst/>
-                <a:latin typeface="+mj-lt"/>
-              </a:rPr>
-              <a:t> (NP-complete)</a:t>
-            </a:r>
-            <a:r>
-              <a:rPr kumimoji="0" lang="en-US" altLang="en-US" sz="1800" b="0" i="0" u="none" strike="noStrike" cap="none" normalizeH="0" baseline="0" dirty="0" smtClean="0">
-                <a:ln>
-                  <a:noFill/>
-                </a:ln>
-                <a:solidFill>
-                  <a:schemeClr val="tx1"/>
-                </a:solidFill>
-                <a:effectLst/>
-                <a:latin typeface="+mj-lt"/>
-              </a:rPr>
-              <a:t> </a:t>
-            </a:r>
-            <a:r>
-              <a:rPr kumimoji="0" lang="en-US" altLang="en-US" sz="1800" b="0" i="0" u="none" strike="noStrike" cap="none" normalizeH="0" baseline="0" dirty="0" smtClean="0">
-                <a:ln>
-                  <a:noFill/>
-                </a:ln>
-                <a:solidFill>
-                  <a:schemeClr val="tx1"/>
-                </a:solidFill>
-                <a:effectLst/>
-                <a:latin typeface="+mj-lt"/>
-              </a:rPr>
-              <a:t>— </a:t>
-            </a:r>
-            <a:r>
-              <a:rPr kumimoji="0" lang="en-US" altLang="en-US" sz="1800" b="0" i="0" u="none" strike="noStrike" cap="none" normalizeH="0" baseline="0" dirty="0" err="1" smtClean="0">
-                <a:ln>
-                  <a:noFill/>
-                </a:ln>
-                <a:solidFill>
-                  <a:schemeClr val="tx1"/>
-                </a:solidFill>
-                <a:effectLst/>
-                <a:latin typeface="+mj-lt"/>
-              </a:rPr>
+              <a:rPr lang="ru-RU" dirty="0" smtClean="0"/>
+              <a:t> з </a:t>
+            </a:r>
+            <a:r>
+              <a:rPr lang="ru-RU" dirty="0" err="1" smtClean="0"/>
+              <a:t>класу</a:t>
+            </a:r>
+            <a:r>
+              <a:rPr lang="ru-RU" dirty="0" smtClean="0"/>
+              <a:t> </a:t>
+            </a:r>
+            <a:r>
+              <a:rPr lang="en-US" dirty="0" smtClean="0"/>
+              <a:t>NP </a:t>
+            </a:r>
+            <a:r>
+              <a:rPr lang="ru-RU" dirty="0" err="1" smtClean="0"/>
+              <a:t>існує</a:t>
+            </a:r>
+            <a:r>
+              <a:rPr lang="ru-RU" dirty="0" smtClean="0"/>
+              <a:t> </a:t>
+            </a:r>
+            <a:r>
+              <a:rPr lang="ru-RU" dirty="0" err="1" smtClean="0"/>
+              <a:t>поліноміальний</a:t>
+            </a:r>
+            <a:r>
+              <a:rPr lang="ru-RU" dirty="0" smtClean="0"/>
+              <a:t> алгоритм, </a:t>
+            </a:r>
+            <a:r>
+              <a:rPr lang="ru-RU" dirty="0" err="1" smtClean="0"/>
+              <a:t>який</a:t>
+            </a:r>
+            <a:r>
+              <a:rPr lang="ru-RU" dirty="0" smtClean="0"/>
+              <a:t> </a:t>
+            </a:r>
+            <a:r>
+              <a:rPr lang="ru-RU" dirty="0" err="1" smtClean="0"/>
+              <a:t>може</a:t>
+            </a:r>
+            <a:r>
+              <a:rPr lang="ru-RU" dirty="0" smtClean="0"/>
+              <a:t> </a:t>
+            </a:r>
+            <a:r>
+              <a:rPr lang="ru-RU" dirty="0" err="1" smtClean="0"/>
+              <a:t>знайти</a:t>
+            </a:r>
+            <a:r>
+              <a:rPr lang="ru-RU" dirty="0" smtClean="0"/>
+              <a:t> </a:t>
+            </a:r>
+            <a:r>
+              <a:rPr lang="ru-RU" dirty="0" err="1" smtClean="0"/>
+              <a:t>розв'язок</a:t>
+            </a:r>
+            <a:r>
+              <a:rPr lang="ru-RU" dirty="0" smtClean="0"/>
+              <a:t> так само </a:t>
+            </a:r>
+            <a:r>
+              <a:rPr lang="ru-RU" dirty="0" err="1" smtClean="0"/>
+              <a:t>швидко</a:t>
+            </a:r>
+            <a:r>
+              <a:rPr lang="ru-RU" dirty="0" smtClean="0"/>
+              <a:t>, як і </a:t>
+            </a:r>
+            <a:r>
+              <a:rPr lang="ru-RU" dirty="0" err="1" smtClean="0"/>
+              <a:t>перевірити</a:t>
+            </a:r>
+            <a:r>
+              <a:rPr lang="ru-RU" dirty="0" smtClean="0"/>
+              <a:t> </a:t>
+            </a:r>
+            <a:r>
+              <a:rPr lang="ru-RU" dirty="0" err="1" smtClean="0"/>
+              <a:t>його</a:t>
+            </a:r>
+            <a:r>
+              <a:rPr lang="ru-RU" dirty="0" smtClean="0"/>
+              <a:t>. На </a:t>
+            </a:r>
+            <a:r>
+              <a:rPr lang="ru-RU" dirty="0" err="1" smtClean="0"/>
+              <a:t>сьогодні</a:t>
+            </a:r>
+            <a:r>
+              <a:rPr lang="ru-RU" dirty="0" smtClean="0"/>
+              <a:t> </a:t>
+            </a:r>
+            <a:r>
+              <a:rPr lang="ru-RU" dirty="0" err="1" smtClean="0"/>
               <a:t>це</a:t>
             </a:r>
             <a:r>
-              <a:rPr kumimoji="0" lang="en-US" altLang="en-US" sz="1800" b="0" i="0" u="none" strike="noStrike" cap="none" normalizeH="0" baseline="0" dirty="0" smtClean="0">
-                <a:ln>
-                  <a:noFill/>
-                </a:ln>
-                <a:solidFill>
-                  <a:schemeClr val="tx1"/>
-                </a:solidFill>
-                <a:effectLst/>
-                <a:latin typeface="+mj-lt"/>
-              </a:rPr>
-              <a:t> </a:t>
-            </a:r>
-            <a:r>
-              <a:rPr kumimoji="0" lang="en-US" altLang="en-US" sz="1800" b="0" i="0" u="none" strike="noStrike" cap="none" normalizeH="0" baseline="0" dirty="0" err="1" smtClean="0">
-                <a:ln>
-                  <a:noFill/>
-                </a:ln>
-                <a:solidFill>
-                  <a:schemeClr val="tx1"/>
-                </a:solidFill>
-                <a:effectLst/>
-                <a:latin typeface="+mj-lt"/>
-              </a:rPr>
+              <a:rPr lang="ru-RU" dirty="0" smtClean="0"/>
+              <a:t> </a:t>
+            </a:r>
+            <a:r>
+              <a:rPr lang="ru-RU" dirty="0" err="1" smtClean="0"/>
+              <a:t>питання</a:t>
+            </a:r>
+            <a:r>
+              <a:rPr lang="ru-RU" dirty="0" smtClean="0"/>
+              <a:t> </a:t>
+            </a:r>
+            <a:r>
+              <a:rPr lang="ru-RU" dirty="0" err="1" smtClean="0"/>
+              <a:t>залишається</a:t>
+            </a:r>
+            <a:r>
+              <a:rPr lang="ru-RU" dirty="0" smtClean="0"/>
+              <a:t> </a:t>
+            </a:r>
+            <a:r>
+              <a:rPr lang="ru-RU" dirty="0" err="1" smtClean="0"/>
+              <a:t>відкритим</a:t>
+            </a:r>
+            <a:r>
+              <a:rPr lang="ru-RU" dirty="0" smtClean="0"/>
+              <a:t>, і </a:t>
+            </a:r>
+            <a:r>
+              <a:rPr lang="ru-RU" dirty="0" err="1" smtClean="0"/>
+              <a:t>більшість</a:t>
+            </a:r>
+            <a:r>
+              <a:rPr lang="ru-RU" dirty="0" smtClean="0"/>
+              <a:t> </a:t>
+            </a:r>
+            <a:r>
+              <a:rPr lang="ru-RU" dirty="0" err="1" smtClean="0"/>
+              <a:t>дослідників</a:t>
+            </a:r>
+            <a:r>
+              <a:rPr lang="ru-RU" dirty="0" smtClean="0"/>
+              <a:t> </a:t>
+            </a:r>
+            <a:r>
+              <a:rPr lang="ru-RU" dirty="0" err="1" smtClean="0"/>
+              <a:t>вважають</a:t>
+            </a:r>
+            <a:r>
+              <a:rPr lang="ru-RU" dirty="0" smtClean="0"/>
+              <a:t>, </a:t>
+            </a:r>
+            <a:r>
+              <a:rPr lang="ru-RU" dirty="0" err="1" smtClean="0"/>
+              <a:t>що</a:t>
+            </a:r>
+            <a:r>
+              <a:rPr lang="ru-RU" dirty="0" smtClean="0"/>
+              <a:t> </a:t>
+            </a:r>
+            <a:r>
+              <a:rPr lang="en-US" dirty="0" smtClean="0"/>
+              <a:t>P ≠ NP, </a:t>
+            </a:r>
+            <a:r>
+              <a:rPr lang="ru-RU" dirty="0" err="1" smtClean="0"/>
+              <a:t>тобто</a:t>
+            </a:r>
+            <a:r>
+              <a:rPr lang="ru-RU" dirty="0" smtClean="0"/>
+              <a:t> </a:t>
+            </a:r>
+            <a:r>
+              <a:rPr lang="ru-RU" dirty="0" err="1" smtClean="0"/>
+              <a:t>існують</a:t>
+            </a:r>
+            <a:r>
+              <a:rPr lang="ru-RU" dirty="0" smtClean="0"/>
+              <a:t> </a:t>
+            </a:r>
+            <a:r>
+              <a:rPr lang="ru-RU" dirty="0" err="1" smtClean="0"/>
               <a:t>задачі</a:t>
             </a:r>
             <a:r>
-              <a:rPr kumimoji="0" lang="en-US" altLang="en-US" sz="1800" b="0" i="0" u="none" strike="noStrike" cap="none" normalizeH="0" baseline="0" dirty="0" smtClean="0">
-                <a:ln>
-                  <a:noFill/>
-                </a:ln>
-                <a:solidFill>
-                  <a:schemeClr val="tx1"/>
-                </a:solidFill>
-                <a:effectLst/>
-                <a:latin typeface="+mj-lt"/>
-              </a:rPr>
+              <a:rPr lang="ru-RU" dirty="0" smtClean="0"/>
               <a:t>, </a:t>
             </a:r>
             <a:r>
-              <a:rPr kumimoji="0" lang="en-US" altLang="en-US" sz="1800" b="0" i="0" u="none" strike="noStrike" cap="none" normalizeH="0" baseline="0" dirty="0" err="1" smtClean="0">
-                <a:ln>
-                  <a:noFill/>
-                </a:ln>
-                <a:solidFill>
-                  <a:schemeClr val="tx1"/>
-                </a:solidFill>
-                <a:effectLst/>
-                <a:latin typeface="+mj-lt"/>
-              </a:rPr>
+              <a:rPr lang="ru-RU" dirty="0" err="1" smtClean="0"/>
               <a:t>які</a:t>
             </a:r>
             <a:r>
-              <a:rPr kumimoji="0" lang="en-US" altLang="en-US" sz="1800" b="0" i="0" u="none" strike="noStrike" cap="none" normalizeH="0" baseline="0" dirty="0" smtClean="0">
-                <a:ln>
-                  <a:noFill/>
-                </a:ln>
-                <a:solidFill>
-                  <a:schemeClr val="tx1"/>
-                </a:solidFill>
-                <a:effectLst/>
-                <a:latin typeface="+mj-lt"/>
-              </a:rPr>
-              <a:t> є </a:t>
-            </a:r>
-            <a:r>
-              <a:rPr kumimoji="0" lang="en-US" altLang="en-US" sz="1800" b="0" i="0" u="none" strike="noStrike" cap="none" normalizeH="0" baseline="0" dirty="0" err="1" smtClean="0">
-                <a:ln>
-                  <a:noFill/>
-                </a:ln>
-                <a:solidFill>
-                  <a:schemeClr val="tx1"/>
-                </a:solidFill>
-                <a:effectLst/>
-                <a:latin typeface="+mj-lt"/>
-              </a:rPr>
-              <a:t>найбільш</a:t>
-            </a:r>
-            <a:r>
-              <a:rPr kumimoji="0" lang="en-US" altLang="en-US" sz="1800" b="0" i="0" u="none" strike="noStrike" cap="none" normalizeH="0" baseline="0" dirty="0" smtClean="0">
-                <a:ln>
-                  <a:noFill/>
-                </a:ln>
-                <a:solidFill>
-                  <a:schemeClr val="tx1"/>
-                </a:solidFill>
-                <a:effectLst/>
-                <a:latin typeface="+mj-lt"/>
-              </a:rPr>
-              <a:t> </a:t>
-            </a:r>
-            <a:r>
-              <a:rPr kumimoji="0" lang="en-US" altLang="en-US" sz="1800" b="0" i="0" u="none" strike="noStrike" cap="none" normalizeH="0" baseline="0" dirty="0" err="1" smtClean="0">
-                <a:ln>
-                  <a:noFill/>
-                </a:ln>
-                <a:solidFill>
-                  <a:schemeClr val="tx1"/>
-                </a:solidFill>
-                <a:effectLst/>
-                <a:latin typeface="+mj-lt"/>
-              </a:rPr>
-              <a:t>складними</a:t>
-            </a:r>
-            <a:r>
-              <a:rPr kumimoji="0" lang="en-US" altLang="en-US" sz="1800" b="0" i="0" u="none" strike="noStrike" cap="none" normalizeH="0" baseline="0" dirty="0" smtClean="0">
-                <a:ln>
-                  <a:noFill/>
-                </a:ln>
-                <a:solidFill>
-                  <a:schemeClr val="tx1"/>
-                </a:solidFill>
-                <a:effectLst/>
-                <a:latin typeface="+mj-lt"/>
-              </a:rPr>
-              <a:t> у </a:t>
-            </a:r>
-            <a:r>
-              <a:rPr kumimoji="0" lang="en-US" altLang="en-US" sz="1800" b="0" i="0" u="none" strike="noStrike" cap="none" normalizeH="0" baseline="0" dirty="0" err="1" smtClean="0">
-                <a:ln>
-                  <a:noFill/>
-                </a:ln>
-                <a:solidFill>
-                  <a:schemeClr val="tx1"/>
-                </a:solidFill>
-                <a:effectLst/>
-                <a:latin typeface="+mj-lt"/>
-              </a:rPr>
-              <a:t>класі</a:t>
-            </a:r>
-            <a:r>
-              <a:rPr kumimoji="0" lang="en-US" altLang="en-US" sz="1800" b="0" i="0" u="none" strike="noStrike" cap="none" normalizeH="0" baseline="0" dirty="0" smtClean="0">
-                <a:ln>
-                  <a:noFill/>
-                </a:ln>
-                <a:solidFill>
-                  <a:schemeClr val="tx1"/>
-                </a:solidFill>
-                <a:effectLst/>
-                <a:latin typeface="+mj-lt"/>
-              </a:rPr>
-              <a:t> NP. </a:t>
-            </a:r>
-            <a:endParaRPr kumimoji="0" lang="uk-UA" altLang="en-US" sz="1800" b="0" i="0" u="none" strike="noStrike" cap="none" normalizeH="0" baseline="0" dirty="0" smtClean="0">
-              <a:ln>
-                <a:noFill/>
-              </a:ln>
-              <a:solidFill>
-                <a:schemeClr val="tx1"/>
-              </a:solidFill>
-              <a:effectLst/>
-              <a:latin typeface="+mj-lt"/>
-            </a:endParaRPr>
-          </a:p>
-          <a:p>
-            <a:pPr marL="0" marR="0" lvl="0" indent="0" algn="l" defTabSz="914400" rtl="0" eaLnBrk="0" fontAlgn="base" latinLnBrk="0" hangingPunct="0">
-              <a:lnSpc>
-                <a:spcPct val="100000"/>
-              </a:lnSpc>
-              <a:spcBef>
-                <a:spcPct val="0"/>
-              </a:spcBef>
-              <a:spcAft>
-                <a:spcPct val="0"/>
-              </a:spcAft>
-              <a:buClrTx/>
-              <a:buSzTx/>
-              <a:buNone/>
-              <a:tabLst/>
-            </a:pPr>
-            <a:r>
-              <a:rPr kumimoji="0" lang="en-US" altLang="en-US" sz="1800" b="0" i="0" u="none" strike="noStrike" cap="none" normalizeH="0" baseline="0" dirty="0" err="1" smtClean="0">
-                <a:ln>
-                  <a:noFill/>
-                </a:ln>
-                <a:solidFill>
-                  <a:schemeClr val="tx1"/>
-                </a:solidFill>
-                <a:effectLst/>
-                <a:latin typeface="+mj-lt"/>
-              </a:rPr>
-              <a:t>Якщо</a:t>
-            </a:r>
-            <a:r>
-              <a:rPr kumimoji="0" lang="en-US" altLang="en-US" sz="1800" b="0" i="0" u="none" strike="noStrike" cap="none" normalizeH="0" baseline="0" dirty="0" smtClean="0">
-                <a:ln>
-                  <a:noFill/>
-                </a:ln>
-                <a:solidFill>
-                  <a:schemeClr val="tx1"/>
-                </a:solidFill>
-                <a:effectLst/>
-                <a:latin typeface="+mj-lt"/>
-              </a:rPr>
-              <a:t> </a:t>
-            </a:r>
-            <a:r>
-              <a:rPr kumimoji="0" lang="en-US" altLang="en-US" sz="1800" b="0" i="0" u="none" strike="noStrike" cap="none" normalizeH="0" baseline="0" dirty="0" err="1" smtClean="0">
-                <a:ln>
-                  <a:noFill/>
-                </a:ln>
-                <a:solidFill>
-                  <a:schemeClr val="tx1"/>
-                </a:solidFill>
-                <a:effectLst/>
-                <a:latin typeface="+mj-lt"/>
-              </a:rPr>
-              <a:t>розв’язок</a:t>
-            </a:r>
-            <a:r>
-              <a:rPr kumimoji="0" lang="en-US" altLang="en-US" sz="1800" b="0" i="0" u="none" strike="noStrike" cap="none" normalizeH="0" baseline="0" dirty="0" smtClean="0">
-                <a:ln>
-                  <a:noFill/>
-                </a:ln>
-                <a:solidFill>
-                  <a:schemeClr val="tx1"/>
-                </a:solidFill>
-                <a:effectLst/>
-                <a:latin typeface="+mj-lt"/>
-              </a:rPr>
-              <a:t> </a:t>
-            </a:r>
-            <a:r>
-              <a:rPr kumimoji="0" lang="en-US" altLang="en-US" sz="1800" b="0" i="0" u="none" strike="noStrike" cap="none" normalizeH="0" baseline="0" dirty="0" err="1" smtClean="0">
-                <a:ln>
-                  <a:noFill/>
-                </a:ln>
-                <a:solidFill>
-                  <a:schemeClr val="tx1"/>
-                </a:solidFill>
-                <a:effectLst/>
-                <a:latin typeface="+mj-lt"/>
-              </a:rPr>
-              <a:t>хоча</a:t>
-            </a:r>
-            <a:r>
-              <a:rPr kumimoji="0" lang="en-US" altLang="en-US" sz="1800" b="0" i="0" u="none" strike="noStrike" cap="none" normalizeH="0" baseline="0" dirty="0" smtClean="0">
-                <a:ln>
-                  <a:noFill/>
-                </a:ln>
-                <a:solidFill>
-                  <a:schemeClr val="tx1"/>
-                </a:solidFill>
-                <a:effectLst/>
-                <a:latin typeface="+mj-lt"/>
-              </a:rPr>
-              <a:t> б </a:t>
-            </a:r>
-            <a:r>
-              <a:rPr kumimoji="0" lang="en-US" altLang="en-US" sz="1800" b="0" i="0" u="none" strike="noStrike" cap="none" normalizeH="0" baseline="0" dirty="0" err="1" smtClean="0">
-                <a:ln>
-                  <a:noFill/>
-                </a:ln>
-                <a:solidFill>
-                  <a:schemeClr val="tx1"/>
-                </a:solidFill>
-                <a:effectLst/>
-                <a:latin typeface="+mj-lt"/>
-              </a:rPr>
-              <a:t>однієї</a:t>
-            </a:r>
-            <a:r>
-              <a:rPr kumimoji="0" lang="en-US" altLang="en-US" sz="1800" b="0" i="0" u="none" strike="noStrike" cap="none" normalizeH="0" baseline="0" dirty="0" smtClean="0">
-                <a:ln>
-                  <a:noFill/>
-                </a:ln>
-                <a:solidFill>
-                  <a:schemeClr val="tx1"/>
-                </a:solidFill>
-                <a:effectLst/>
-                <a:latin typeface="+mj-lt"/>
-              </a:rPr>
-              <a:t> NP-</a:t>
-            </a:r>
-            <a:r>
-              <a:rPr kumimoji="0" lang="en-US" altLang="en-US" sz="1800" b="0" i="0" u="none" strike="noStrike" cap="none" normalizeH="0" baseline="0" dirty="0" err="1" smtClean="0">
-                <a:ln>
-                  <a:noFill/>
-                </a:ln>
-                <a:solidFill>
-                  <a:schemeClr val="tx1"/>
-                </a:solidFill>
-                <a:effectLst/>
-                <a:latin typeface="+mj-lt"/>
-              </a:rPr>
-              <a:t>повної</a:t>
-            </a:r>
-            <a:r>
-              <a:rPr kumimoji="0" lang="en-US" altLang="en-US" sz="1800" b="0" i="0" u="none" strike="noStrike" cap="none" normalizeH="0" baseline="0" dirty="0" smtClean="0">
-                <a:ln>
-                  <a:noFill/>
-                </a:ln>
-                <a:solidFill>
-                  <a:schemeClr val="tx1"/>
-                </a:solidFill>
-                <a:effectLst/>
-                <a:latin typeface="+mj-lt"/>
-              </a:rPr>
-              <a:t> </a:t>
-            </a:r>
-            <a:r>
-              <a:rPr kumimoji="0" lang="en-US" altLang="en-US" sz="1800" b="0" i="0" u="none" strike="noStrike" cap="none" normalizeH="0" baseline="0" dirty="0" err="1" smtClean="0">
-                <a:ln>
-                  <a:noFill/>
-                </a:ln>
-                <a:solidFill>
-                  <a:schemeClr val="tx1"/>
-                </a:solidFill>
-                <a:effectLst/>
-                <a:latin typeface="+mj-lt"/>
-              </a:rPr>
-              <a:t>задачі</a:t>
-            </a:r>
-            <a:r>
-              <a:rPr kumimoji="0" lang="en-US" altLang="en-US" sz="1800" b="0" i="0" u="none" strike="noStrike" cap="none" normalizeH="0" baseline="0" dirty="0" smtClean="0">
-                <a:ln>
-                  <a:noFill/>
-                </a:ln>
-                <a:solidFill>
-                  <a:schemeClr val="tx1"/>
-                </a:solidFill>
-                <a:effectLst/>
-                <a:latin typeface="+mj-lt"/>
-              </a:rPr>
-              <a:t> </a:t>
-            </a:r>
-            <a:r>
-              <a:rPr kumimoji="0" lang="en-US" altLang="en-US" sz="1800" b="0" i="0" u="none" strike="noStrike" cap="none" normalizeH="0" baseline="0" dirty="0" err="1" smtClean="0">
-                <a:ln>
-                  <a:noFill/>
-                </a:ln>
-                <a:solidFill>
-                  <a:schemeClr val="tx1"/>
-                </a:solidFill>
-                <a:effectLst/>
-                <a:latin typeface="+mj-lt"/>
-              </a:rPr>
-              <a:t>знайдений</a:t>
-            </a:r>
-            <a:r>
-              <a:rPr kumimoji="0" lang="en-US" altLang="en-US" sz="1800" b="0" i="0" u="none" strike="noStrike" cap="none" normalizeH="0" baseline="0" dirty="0" smtClean="0">
-                <a:ln>
-                  <a:noFill/>
-                </a:ln>
-                <a:solidFill>
-                  <a:schemeClr val="tx1"/>
-                </a:solidFill>
-                <a:effectLst/>
-                <a:latin typeface="+mj-lt"/>
-              </a:rPr>
-              <a:t> </a:t>
-            </a:r>
-            <a:r>
-              <a:rPr kumimoji="0" lang="en-US" altLang="en-US" sz="1800" b="0" i="0" u="none" strike="noStrike" cap="none" normalizeH="0" baseline="0" dirty="0" err="1" smtClean="0">
-                <a:ln>
-                  <a:noFill/>
-                </a:ln>
-                <a:solidFill>
-                  <a:schemeClr val="tx1"/>
-                </a:solidFill>
-                <a:effectLst/>
-                <a:latin typeface="+mj-lt"/>
-              </a:rPr>
-              <a:t>за</a:t>
-            </a:r>
-            <a:r>
-              <a:rPr kumimoji="0" lang="en-US" altLang="en-US" sz="1800" b="0" i="0" u="none" strike="noStrike" cap="none" normalizeH="0" baseline="0" dirty="0" smtClean="0">
-                <a:ln>
-                  <a:noFill/>
-                </a:ln>
-                <a:solidFill>
-                  <a:schemeClr val="tx1"/>
-                </a:solidFill>
-                <a:effectLst/>
-                <a:latin typeface="+mj-lt"/>
-              </a:rPr>
-              <a:t> </a:t>
-            </a:r>
-            <a:r>
-              <a:rPr kumimoji="0" lang="en-US" altLang="en-US" sz="1800" b="0" i="0" u="none" strike="noStrike" cap="none" normalizeH="0" baseline="0" dirty="0" err="1" smtClean="0">
-                <a:ln>
-                  <a:noFill/>
-                </a:ln>
-                <a:solidFill>
-                  <a:schemeClr val="tx1"/>
-                </a:solidFill>
-                <a:effectLst/>
-                <a:latin typeface="+mj-lt"/>
-              </a:rPr>
-              <a:t>поліноміальний</a:t>
-            </a:r>
-            <a:r>
-              <a:rPr kumimoji="0" lang="en-US" altLang="en-US" sz="1800" b="0" i="0" u="none" strike="noStrike" cap="none" normalizeH="0" baseline="0" dirty="0" smtClean="0">
-                <a:ln>
-                  <a:noFill/>
-                </a:ln>
-                <a:solidFill>
-                  <a:schemeClr val="tx1"/>
-                </a:solidFill>
-                <a:effectLst/>
-                <a:latin typeface="+mj-lt"/>
-              </a:rPr>
-              <a:t> </a:t>
-            </a:r>
-            <a:r>
-              <a:rPr kumimoji="0" lang="en-US" altLang="en-US" sz="1800" b="0" i="0" u="none" strike="noStrike" cap="none" normalizeH="0" baseline="0" dirty="0" err="1" smtClean="0">
-                <a:ln>
-                  <a:noFill/>
-                </a:ln>
-                <a:solidFill>
-                  <a:schemeClr val="tx1"/>
-                </a:solidFill>
-                <a:effectLst/>
-                <a:latin typeface="+mj-lt"/>
-              </a:rPr>
-              <a:t>час</a:t>
-            </a:r>
-            <a:r>
-              <a:rPr kumimoji="0" lang="en-US" altLang="en-US" sz="1800" b="0" i="0" u="none" strike="noStrike" cap="none" normalizeH="0" baseline="0" dirty="0" smtClean="0">
-                <a:ln>
-                  <a:noFill/>
-                </a:ln>
-                <a:solidFill>
-                  <a:schemeClr val="tx1"/>
-                </a:solidFill>
-                <a:effectLst/>
-                <a:latin typeface="+mj-lt"/>
-              </a:rPr>
-              <a:t>, </a:t>
-            </a:r>
-            <a:endParaRPr kumimoji="0" lang="uk-UA" altLang="en-US" sz="1800" b="0" i="0" u="none" strike="noStrike" cap="none" normalizeH="0" baseline="0" dirty="0" smtClean="0">
-              <a:ln>
-                <a:noFill/>
-              </a:ln>
-              <a:solidFill>
-                <a:schemeClr val="tx1"/>
-              </a:solidFill>
-              <a:effectLst/>
-              <a:latin typeface="+mj-lt"/>
-            </a:endParaRPr>
-          </a:p>
-          <a:p>
-            <a:pPr marL="0" marR="0" lvl="0" indent="0" algn="l" defTabSz="914400" rtl="0" eaLnBrk="0" fontAlgn="base" latinLnBrk="0" hangingPunct="0">
-              <a:lnSpc>
-                <a:spcPct val="100000"/>
-              </a:lnSpc>
-              <a:spcBef>
-                <a:spcPct val="0"/>
-              </a:spcBef>
-              <a:spcAft>
-                <a:spcPct val="0"/>
-              </a:spcAft>
-              <a:buClrTx/>
-              <a:buSzTx/>
-              <a:buNone/>
-              <a:tabLst/>
-            </a:pPr>
-            <a:r>
-              <a:rPr kumimoji="0" lang="en-US" altLang="en-US" sz="1800" b="0" i="0" u="none" strike="noStrike" cap="none" normalizeH="0" baseline="0" dirty="0" err="1" smtClean="0">
-                <a:ln>
-                  <a:noFill/>
-                </a:ln>
-                <a:solidFill>
-                  <a:schemeClr val="tx1"/>
-                </a:solidFill>
-                <a:effectLst/>
-                <a:latin typeface="+mj-lt"/>
-              </a:rPr>
-              <a:t>то</a:t>
-            </a:r>
-            <a:r>
-              <a:rPr kumimoji="0" lang="en-US" altLang="en-US" sz="1800" b="0" i="0" u="none" strike="noStrike" cap="none" normalizeH="0" baseline="0" dirty="0" smtClean="0">
-                <a:ln>
-                  <a:noFill/>
-                </a:ln>
-                <a:solidFill>
-                  <a:schemeClr val="tx1"/>
-                </a:solidFill>
-                <a:effectLst/>
-                <a:latin typeface="+mj-lt"/>
-              </a:rPr>
-              <a:t> </a:t>
-            </a:r>
-            <a:r>
-              <a:rPr kumimoji="0" lang="en-US" altLang="en-US" sz="1800" b="0" i="0" u="none" strike="noStrike" cap="none" normalizeH="0" baseline="0" dirty="0" err="1" smtClean="0">
-                <a:ln>
-                  <a:noFill/>
-                </a:ln>
-                <a:solidFill>
-                  <a:schemeClr val="tx1"/>
-                </a:solidFill>
-                <a:effectLst/>
-                <a:latin typeface="+mj-lt"/>
-              </a:rPr>
-              <a:t>всі</a:t>
-            </a:r>
-            <a:r>
-              <a:rPr kumimoji="0" lang="en-US" altLang="en-US" sz="1800" b="0" i="0" u="none" strike="noStrike" cap="none" normalizeH="0" baseline="0" dirty="0" smtClean="0">
-                <a:ln>
-                  <a:noFill/>
-                </a:ln>
-                <a:solidFill>
-                  <a:schemeClr val="tx1"/>
-                </a:solidFill>
-                <a:effectLst/>
-                <a:latin typeface="+mj-lt"/>
-              </a:rPr>
-              <a:t> </a:t>
-            </a:r>
-            <a:r>
-              <a:rPr kumimoji="0" lang="en-US" altLang="en-US" sz="1800" b="0" i="0" u="none" strike="noStrike" cap="none" normalizeH="0" baseline="0" dirty="0" err="1" smtClean="0">
-                <a:ln>
-                  <a:noFill/>
-                </a:ln>
-                <a:solidFill>
-                  <a:schemeClr val="tx1"/>
-                </a:solidFill>
-                <a:effectLst/>
-                <a:latin typeface="+mj-lt"/>
-              </a:rPr>
-              <a:t>задачі</a:t>
-            </a:r>
-            <a:r>
-              <a:rPr kumimoji="0" lang="en-US" altLang="en-US" sz="1800" b="0" i="0" u="none" strike="noStrike" cap="none" normalizeH="0" baseline="0" dirty="0" smtClean="0">
-                <a:ln>
-                  <a:noFill/>
-                </a:ln>
-                <a:solidFill>
-                  <a:schemeClr val="tx1"/>
-                </a:solidFill>
-                <a:effectLst/>
-                <a:latin typeface="+mj-lt"/>
-              </a:rPr>
-              <a:t> </a:t>
-            </a:r>
-            <a:r>
-              <a:rPr kumimoji="0" lang="en-US" altLang="en-US" sz="1800" b="0" i="0" u="none" strike="noStrike" cap="none" normalizeH="0" baseline="0" dirty="0" err="1" smtClean="0">
-                <a:ln>
-                  <a:noFill/>
-                </a:ln>
-                <a:solidFill>
-                  <a:schemeClr val="tx1"/>
-                </a:solidFill>
-                <a:effectLst/>
-                <a:latin typeface="+mj-lt"/>
-              </a:rPr>
-              <a:t>класу</a:t>
-            </a:r>
-            <a:r>
-              <a:rPr kumimoji="0" lang="en-US" altLang="en-US" sz="1800" b="0" i="0" u="none" strike="noStrike" cap="none" normalizeH="0" baseline="0" dirty="0" smtClean="0">
-                <a:ln>
-                  <a:noFill/>
-                </a:ln>
-                <a:solidFill>
-                  <a:schemeClr val="tx1"/>
-                </a:solidFill>
-                <a:effectLst/>
-                <a:latin typeface="+mj-lt"/>
-              </a:rPr>
-              <a:t> NP </a:t>
-            </a:r>
-            <a:r>
-              <a:rPr kumimoji="0" lang="en-US" altLang="en-US" sz="1800" b="0" i="0" u="none" strike="noStrike" cap="none" normalizeH="0" baseline="0" dirty="0" err="1" smtClean="0">
-                <a:ln>
-                  <a:noFill/>
-                </a:ln>
-                <a:solidFill>
-                  <a:schemeClr val="tx1"/>
-                </a:solidFill>
-                <a:effectLst/>
-                <a:latin typeface="+mj-lt"/>
-              </a:rPr>
-              <a:t>також</a:t>
-            </a:r>
-            <a:r>
-              <a:rPr kumimoji="0" lang="en-US" altLang="en-US" sz="1800" b="0" i="0" u="none" strike="noStrike" cap="none" normalizeH="0" baseline="0" dirty="0" smtClean="0">
-                <a:ln>
-                  <a:noFill/>
-                </a:ln>
-                <a:solidFill>
-                  <a:schemeClr val="tx1"/>
-                </a:solidFill>
-                <a:effectLst/>
-                <a:latin typeface="+mj-lt"/>
-              </a:rPr>
-              <a:t> </a:t>
-            </a:r>
-            <a:r>
-              <a:rPr kumimoji="0" lang="en-US" altLang="en-US" sz="1800" b="0" i="0" u="none" strike="noStrike" cap="none" normalizeH="0" baseline="0" dirty="0" err="1" smtClean="0">
-                <a:ln>
-                  <a:noFill/>
-                </a:ln>
-                <a:solidFill>
-                  <a:schemeClr val="tx1"/>
-                </a:solidFill>
-                <a:effectLst/>
-                <a:latin typeface="+mj-lt"/>
-              </a:rPr>
-              <a:t>можуть</a:t>
-            </a:r>
-            <a:r>
-              <a:rPr kumimoji="0" lang="en-US" altLang="en-US" sz="1800" b="0" i="0" u="none" strike="noStrike" cap="none" normalizeH="0" baseline="0" dirty="0" smtClean="0">
-                <a:ln>
-                  <a:noFill/>
-                </a:ln>
-                <a:solidFill>
-                  <a:schemeClr val="tx1"/>
-                </a:solidFill>
-                <a:effectLst/>
-                <a:latin typeface="+mj-lt"/>
-              </a:rPr>
-              <a:t> </a:t>
-            </a:r>
-            <a:r>
-              <a:rPr kumimoji="0" lang="en-US" altLang="en-US" sz="1800" b="0" i="0" u="none" strike="noStrike" cap="none" normalizeH="0" baseline="0" dirty="0" err="1" smtClean="0">
-                <a:ln>
-                  <a:noFill/>
-                </a:ln>
-                <a:solidFill>
-                  <a:schemeClr val="tx1"/>
-                </a:solidFill>
-                <a:effectLst/>
-                <a:latin typeface="+mj-lt"/>
-              </a:rPr>
-              <a:t>бути</a:t>
-            </a:r>
-            <a:r>
-              <a:rPr kumimoji="0" lang="en-US" altLang="en-US" sz="1800" b="0" i="0" u="none" strike="noStrike" cap="none" normalizeH="0" baseline="0" dirty="0" smtClean="0">
-                <a:ln>
-                  <a:noFill/>
-                </a:ln>
-                <a:solidFill>
-                  <a:schemeClr val="tx1"/>
-                </a:solidFill>
-                <a:effectLst/>
-                <a:latin typeface="+mj-lt"/>
-              </a:rPr>
-              <a:t> </a:t>
-            </a:r>
-            <a:r>
-              <a:rPr kumimoji="0" lang="en-US" altLang="en-US" sz="1800" b="0" i="0" u="none" strike="noStrike" cap="none" normalizeH="0" baseline="0" dirty="0" err="1" smtClean="0">
-                <a:ln>
-                  <a:noFill/>
-                </a:ln>
-                <a:solidFill>
-                  <a:schemeClr val="tx1"/>
-                </a:solidFill>
-                <a:effectLst/>
-                <a:latin typeface="+mj-lt"/>
-              </a:rPr>
-              <a:t>розв'язані</a:t>
-            </a:r>
-            <a:r>
-              <a:rPr kumimoji="0" lang="en-US" altLang="en-US" sz="1800" b="0" i="0" u="none" strike="noStrike" cap="none" normalizeH="0" baseline="0" dirty="0" smtClean="0">
-                <a:ln>
-                  <a:noFill/>
-                </a:ln>
-                <a:solidFill>
-                  <a:schemeClr val="tx1"/>
-                </a:solidFill>
-                <a:effectLst/>
-                <a:latin typeface="+mj-lt"/>
-              </a:rPr>
-              <a:t> </a:t>
-            </a:r>
-            <a:r>
-              <a:rPr kumimoji="0" lang="en-US" altLang="en-US" sz="1800" b="0" i="0" u="none" strike="noStrike" cap="none" normalizeH="0" baseline="0" dirty="0" err="1" smtClean="0">
-                <a:ln>
-                  <a:noFill/>
-                </a:ln>
-                <a:solidFill>
-                  <a:schemeClr val="tx1"/>
-                </a:solidFill>
-                <a:effectLst/>
-                <a:latin typeface="+mj-lt"/>
-              </a:rPr>
-              <a:t>за</a:t>
-            </a:r>
-            <a:r>
-              <a:rPr kumimoji="0" lang="en-US" altLang="en-US" sz="1800" b="0" i="0" u="none" strike="noStrike" cap="none" normalizeH="0" baseline="0" dirty="0" smtClean="0">
-                <a:ln>
-                  <a:noFill/>
-                </a:ln>
-                <a:solidFill>
-                  <a:schemeClr val="tx1"/>
-                </a:solidFill>
-                <a:effectLst/>
-                <a:latin typeface="+mj-lt"/>
-              </a:rPr>
-              <a:t> </a:t>
-            </a:r>
-            <a:r>
-              <a:rPr kumimoji="0" lang="en-US" altLang="en-US" sz="1800" b="0" i="0" u="none" strike="noStrike" cap="none" normalizeH="0" baseline="0" dirty="0" err="1" smtClean="0">
-                <a:ln>
-                  <a:noFill/>
-                </a:ln>
-                <a:solidFill>
-                  <a:schemeClr val="tx1"/>
-                </a:solidFill>
-                <a:effectLst/>
-                <a:latin typeface="+mj-lt"/>
-              </a:rPr>
-              <a:t>поліноміальний</a:t>
-            </a:r>
-            <a:r>
-              <a:rPr kumimoji="0" lang="en-US" altLang="en-US" sz="1800" b="0" i="0" u="none" strike="noStrike" cap="none" normalizeH="0" baseline="0" dirty="0" smtClean="0">
-                <a:ln>
-                  <a:noFill/>
-                </a:ln>
-                <a:solidFill>
-                  <a:schemeClr val="tx1"/>
-                </a:solidFill>
-                <a:effectLst/>
-                <a:latin typeface="+mj-lt"/>
-              </a:rPr>
-              <a:t> </a:t>
-            </a:r>
-            <a:r>
-              <a:rPr kumimoji="0" lang="en-US" altLang="en-US" sz="1800" b="0" i="0" u="none" strike="noStrike" cap="none" normalizeH="0" baseline="0" dirty="0" err="1" smtClean="0">
-                <a:ln>
-                  <a:noFill/>
-                </a:ln>
-                <a:solidFill>
-                  <a:schemeClr val="tx1"/>
-                </a:solidFill>
-                <a:effectLst/>
-                <a:latin typeface="+mj-lt"/>
-              </a:rPr>
-              <a:t>час</a:t>
-            </a:r>
-            <a:r>
-              <a:rPr kumimoji="0" lang="en-US" altLang="en-US" sz="1800" b="0" i="0" u="none" strike="noStrike" cap="none" normalizeH="0" baseline="0" dirty="0" smtClean="0">
-                <a:ln>
-                  <a:noFill/>
-                </a:ln>
-                <a:solidFill>
-                  <a:schemeClr val="tx1"/>
-                </a:solidFill>
-                <a:effectLst/>
-                <a:latin typeface="+mj-lt"/>
-              </a:rPr>
+              <a:rPr lang="ru-RU" dirty="0" smtClean="0"/>
+              <a:t> </a:t>
+            </a:r>
+            <a:r>
+              <a:rPr lang="ru-RU" dirty="0" err="1" smtClean="0"/>
+              <a:t>можна</a:t>
+            </a:r>
+            <a:r>
+              <a:rPr lang="ru-RU" dirty="0" smtClean="0"/>
+              <a:t> </a:t>
+            </a:r>
+            <a:r>
+              <a:rPr lang="ru-RU" dirty="0"/>
+              <a:t>легко</a:t>
+            </a:r>
+            <a:r>
+              <a:rPr lang="ru-RU" dirty="0" smtClean="0"/>
+              <a:t> </a:t>
+            </a:r>
+            <a:r>
+              <a:rPr lang="ru-RU" dirty="0" err="1" smtClean="0"/>
+              <a:t>перевірити</a:t>
+            </a:r>
+            <a:r>
+              <a:rPr lang="ru-RU" dirty="0" smtClean="0"/>
+              <a:t>, але </a:t>
+            </a:r>
+            <a:r>
+              <a:rPr lang="ru-RU" dirty="0" err="1" smtClean="0"/>
+              <a:t>дуже</a:t>
+            </a:r>
+            <a:r>
+              <a:rPr lang="ru-RU" dirty="0" smtClean="0"/>
+              <a:t> </a:t>
+            </a:r>
+            <a:r>
+              <a:rPr lang="ru-RU" dirty="0" err="1" smtClean="0"/>
+              <a:t>важко</a:t>
+            </a:r>
+            <a:r>
+              <a:rPr lang="ru-RU" dirty="0" smtClean="0"/>
+              <a:t> </a:t>
+            </a:r>
+            <a:r>
+              <a:rPr lang="ru-RU" dirty="0" err="1" smtClean="0"/>
+              <a:t>знайти</a:t>
+            </a:r>
+            <a:r>
+              <a:rPr lang="ru-RU" dirty="0" smtClean="0"/>
+              <a:t> </a:t>
+            </a:r>
+            <a:r>
+              <a:rPr lang="ru-RU" dirty="0" err="1" smtClean="0"/>
+              <a:t>розв'язок</a:t>
+            </a:r>
+            <a:r>
+              <a:rPr lang="ru-RU" dirty="0" smtClean="0"/>
               <a:t>.</a:t>
             </a:r>
-            <a:endParaRPr kumimoji="0" lang="uk-UA" altLang="en-US" sz="1800" b="0" i="0" u="none" strike="noStrike" cap="none" normalizeH="0" baseline="0" dirty="0" smtClean="0">
-              <a:ln>
-                <a:noFill/>
-              </a:ln>
-              <a:solidFill>
-                <a:schemeClr val="tx1"/>
-              </a:solidFill>
-              <a:effectLst/>
-              <a:latin typeface="+mj-lt"/>
-            </a:endParaRPr>
-          </a:p>
-          <a:p>
-            <a:pPr marL="0" lvl="0" indent="0" eaLnBrk="0" fontAlgn="base" hangingPunct="0">
-              <a:lnSpc>
-                <a:spcPct val="100000"/>
-              </a:lnSpc>
-              <a:spcBef>
-                <a:spcPct val="0"/>
-              </a:spcBef>
-              <a:spcAft>
-                <a:spcPct val="0"/>
-              </a:spcAft>
-              <a:buNone/>
-            </a:pPr>
-            <a:r>
-              <a:rPr lang="ru-RU" sz="1800" dirty="0" err="1" smtClean="0">
-                <a:latin typeface="+mj-lt"/>
-              </a:rPr>
-              <a:t>Тобто</a:t>
-            </a:r>
-            <a:r>
-              <a:rPr lang="ru-RU" sz="1800" dirty="0" smtClean="0">
-                <a:latin typeface="+mj-lt"/>
-              </a:rPr>
-              <a:t> </a:t>
-            </a:r>
-            <a:r>
-              <a:rPr lang="ru-RU" sz="1800" dirty="0" err="1" smtClean="0">
-                <a:latin typeface="+mj-lt"/>
-              </a:rPr>
-              <a:t>кожна</a:t>
-            </a:r>
-            <a:r>
-              <a:rPr lang="ru-RU" sz="1800" dirty="0" smtClean="0">
-                <a:latin typeface="+mj-lt"/>
-              </a:rPr>
-              <a:t> з них </a:t>
-            </a:r>
-            <a:r>
-              <a:rPr lang="ru-RU" sz="1800" dirty="0" err="1" smtClean="0">
-                <a:latin typeface="+mj-lt"/>
-              </a:rPr>
-              <a:t>може</a:t>
-            </a:r>
-            <a:r>
-              <a:rPr lang="ru-RU" sz="1800" dirty="0" smtClean="0">
-                <a:latin typeface="+mj-lt"/>
-              </a:rPr>
-              <a:t> бути </a:t>
-            </a:r>
-            <a:r>
-              <a:rPr lang="ru-RU" sz="1800" dirty="0" err="1" smtClean="0">
-                <a:latin typeface="+mj-lt"/>
-              </a:rPr>
-              <a:t>зведена</a:t>
-            </a:r>
-            <a:r>
-              <a:rPr lang="ru-RU" sz="1800" dirty="0" smtClean="0">
-                <a:latin typeface="+mj-lt"/>
-              </a:rPr>
-              <a:t> одна до </a:t>
-            </a:r>
-            <a:r>
-              <a:rPr lang="ru-RU" sz="1800" dirty="0" err="1" smtClean="0">
-                <a:latin typeface="+mj-lt"/>
-              </a:rPr>
-              <a:t>одної</a:t>
-            </a:r>
-            <a:r>
-              <a:rPr lang="ru-RU" sz="1800" dirty="0" smtClean="0">
-                <a:latin typeface="+mj-lt"/>
-              </a:rPr>
-              <a:t> в </a:t>
-            </a:r>
-            <a:r>
-              <a:rPr lang="ru-RU" sz="1800" dirty="0" err="1" smtClean="0">
-                <a:latin typeface="+mj-lt"/>
-              </a:rPr>
-              <a:t>поліноміальний</a:t>
-            </a:r>
-            <a:r>
-              <a:rPr lang="ru-RU" sz="1800" dirty="0" smtClean="0">
-                <a:latin typeface="+mj-lt"/>
-              </a:rPr>
-              <a:t> час.</a:t>
-            </a:r>
-          </a:p>
-          <a:p>
-            <a:pPr marL="0" lvl="0" indent="0" eaLnBrk="0" fontAlgn="base" hangingPunct="0">
-              <a:lnSpc>
-                <a:spcPct val="100000"/>
-              </a:lnSpc>
-              <a:spcBef>
-                <a:spcPct val="0"/>
-              </a:spcBef>
-              <a:spcAft>
-                <a:spcPct val="0"/>
-              </a:spcAft>
-              <a:buNone/>
-            </a:pPr>
-            <a:endParaRPr kumimoji="0" lang="en-US" altLang="en-US" sz="1800" b="0" i="0" u="none" strike="noStrike" cap="none" normalizeH="0" baseline="0" dirty="0" smtClean="0">
-              <a:ln>
-                <a:noFill/>
-              </a:ln>
-              <a:solidFill>
-                <a:schemeClr val="tx1"/>
-              </a:solidFill>
-              <a:effectLst/>
-              <a:latin typeface="+mj-lt"/>
-            </a:endParaRPr>
-          </a:p>
-          <a:p>
-            <a:pPr marL="0" marR="0" lvl="0" indent="0" algn="l" defTabSz="914400" rtl="0" eaLnBrk="0" fontAlgn="base" latinLnBrk="0" hangingPunct="0">
-              <a:lnSpc>
-                <a:spcPct val="100000"/>
-              </a:lnSpc>
-              <a:spcBef>
-                <a:spcPct val="0"/>
-              </a:spcBef>
-              <a:spcAft>
-                <a:spcPct val="0"/>
-              </a:spcAft>
-              <a:buClrTx/>
-              <a:buSzTx/>
-              <a:buFontTx/>
-              <a:buChar char="•"/>
-              <a:tabLst/>
-            </a:pPr>
-            <a:r>
-              <a:rPr kumimoji="0" lang="en-US" altLang="en-US" sz="1800" b="1" i="0" u="none" strike="noStrike" cap="none" normalizeH="0" baseline="0" dirty="0" smtClean="0">
-                <a:ln>
-                  <a:noFill/>
-                </a:ln>
-                <a:solidFill>
-                  <a:schemeClr val="tx1"/>
-                </a:solidFill>
-                <a:effectLst/>
-                <a:latin typeface="+mj-lt"/>
-              </a:rPr>
-              <a:t>NP-</a:t>
-            </a:r>
-            <a:r>
-              <a:rPr kumimoji="0" lang="en-US" altLang="en-US" sz="1800" b="1" i="0" u="none" strike="noStrike" cap="none" normalizeH="0" baseline="0" dirty="0" err="1" smtClean="0">
-                <a:ln>
-                  <a:noFill/>
-                </a:ln>
-                <a:solidFill>
-                  <a:schemeClr val="tx1"/>
-                </a:solidFill>
-                <a:effectLst/>
-                <a:latin typeface="+mj-lt"/>
-              </a:rPr>
-              <a:t>складні</a:t>
-            </a:r>
-            <a:r>
-              <a:rPr kumimoji="0" lang="uk-UA" altLang="en-US" sz="1800" b="1" i="0" u="none" strike="noStrike" cap="none" normalizeH="0" baseline="0" dirty="0" smtClean="0">
-                <a:ln>
-                  <a:noFill/>
-                </a:ln>
-                <a:solidFill>
-                  <a:schemeClr val="tx1"/>
-                </a:solidFill>
-                <a:effectLst/>
-                <a:latin typeface="+mj-lt"/>
-              </a:rPr>
-              <a:t> (</a:t>
-            </a:r>
-            <a:r>
-              <a:rPr kumimoji="0" lang="fr-CA" altLang="en-US" sz="1800" b="1" i="0" u="none" strike="noStrike" cap="none" normalizeH="0" baseline="0" dirty="0" smtClean="0">
-                <a:ln>
-                  <a:noFill/>
-                </a:ln>
-                <a:solidFill>
-                  <a:schemeClr val="tx1"/>
-                </a:solidFill>
-                <a:effectLst/>
-                <a:latin typeface="+mj-lt"/>
-              </a:rPr>
-              <a:t>NP-hard</a:t>
-            </a:r>
-            <a:r>
-              <a:rPr kumimoji="0" lang="uk-UA" altLang="en-US" sz="1800" b="1" i="0" u="none" strike="noStrike" cap="none" normalizeH="0" baseline="0" dirty="0" smtClean="0">
-                <a:ln>
-                  <a:noFill/>
-                </a:ln>
-                <a:solidFill>
-                  <a:schemeClr val="tx1"/>
-                </a:solidFill>
-                <a:effectLst/>
-                <a:latin typeface="+mj-lt"/>
-              </a:rPr>
-              <a:t>)</a:t>
-            </a:r>
-            <a:r>
-              <a:rPr kumimoji="0" lang="en-US" altLang="en-US" sz="1800" b="1" i="0" u="none" strike="noStrike" cap="none" normalizeH="0" baseline="0" dirty="0" smtClean="0">
-                <a:ln>
-                  <a:noFill/>
-                </a:ln>
-                <a:solidFill>
-                  <a:schemeClr val="tx1"/>
-                </a:solidFill>
-                <a:effectLst/>
-                <a:latin typeface="+mj-lt"/>
-              </a:rPr>
-              <a:t> </a:t>
-            </a:r>
-            <a:r>
-              <a:rPr kumimoji="0" lang="en-US" altLang="en-US" sz="1800" b="1" i="0" u="none" strike="noStrike" cap="none" normalizeH="0" baseline="0" dirty="0" err="1" smtClean="0">
-                <a:ln>
-                  <a:noFill/>
-                </a:ln>
-                <a:solidFill>
-                  <a:schemeClr val="tx1"/>
-                </a:solidFill>
-                <a:effectLst/>
-                <a:latin typeface="+mj-lt"/>
-              </a:rPr>
-              <a:t>задачі</a:t>
-            </a:r>
-            <a:r>
-              <a:rPr kumimoji="0" lang="en-US" altLang="en-US" sz="1800" b="0" i="0" u="none" strike="noStrike" cap="none" normalizeH="0" baseline="0" dirty="0" smtClean="0">
-                <a:ln>
-                  <a:noFill/>
-                </a:ln>
-                <a:solidFill>
-                  <a:schemeClr val="tx1"/>
-                </a:solidFill>
-                <a:effectLst/>
-                <a:latin typeface="+mj-lt"/>
-              </a:rPr>
-              <a:t> — </a:t>
-            </a:r>
-            <a:r>
-              <a:rPr kumimoji="0" lang="en-US" altLang="en-US" sz="1800" b="0" i="0" u="none" strike="noStrike" cap="none" normalizeH="0" baseline="0" dirty="0" err="1" smtClean="0">
-                <a:ln>
-                  <a:noFill/>
-                </a:ln>
-                <a:solidFill>
-                  <a:schemeClr val="tx1"/>
-                </a:solidFill>
-                <a:effectLst/>
-                <a:latin typeface="+mj-lt"/>
-              </a:rPr>
-              <a:t>це</a:t>
-            </a:r>
-            <a:r>
-              <a:rPr kumimoji="0" lang="en-US" altLang="en-US" sz="1800" b="0" i="0" u="none" strike="noStrike" cap="none" normalizeH="0" baseline="0" dirty="0" smtClean="0">
-                <a:ln>
-                  <a:noFill/>
-                </a:ln>
-                <a:solidFill>
-                  <a:schemeClr val="tx1"/>
-                </a:solidFill>
-                <a:effectLst/>
-                <a:latin typeface="+mj-lt"/>
-              </a:rPr>
-              <a:t> </a:t>
-            </a:r>
-            <a:r>
-              <a:rPr kumimoji="0" lang="en-US" altLang="en-US" sz="1800" b="0" i="0" u="none" strike="noStrike" cap="none" normalizeH="0" baseline="0" dirty="0" err="1" smtClean="0">
-                <a:ln>
-                  <a:noFill/>
-                </a:ln>
-                <a:solidFill>
-                  <a:schemeClr val="tx1"/>
-                </a:solidFill>
-                <a:effectLst/>
-                <a:latin typeface="+mj-lt"/>
-              </a:rPr>
-              <a:t>задачі</a:t>
-            </a:r>
-            <a:r>
-              <a:rPr kumimoji="0" lang="en-US" altLang="en-US" sz="1800" b="0" i="0" u="none" strike="noStrike" cap="none" normalizeH="0" baseline="0" dirty="0" smtClean="0">
-                <a:ln>
-                  <a:noFill/>
-                </a:ln>
-                <a:solidFill>
-                  <a:schemeClr val="tx1"/>
-                </a:solidFill>
-                <a:effectLst/>
-                <a:latin typeface="+mj-lt"/>
-              </a:rPr>
-              <a:t>, </a:t>
-            </a:r>
-            <a:r>
-              <a:rPr kumimoji="0" lang="en-US" altLang="en-US" sz="1800" b="0" i="0" u="none" strike="noStrike" cap="none" normalizeH="0" baseline="0" dirty="0" err="1" smtClean="0">
-                <a:ln>
-                  <a:noFill/>
-                </a:ln>
-                <a:solidFill>
-                  <a:schemeClr val="tx1"/>
-                </a:solidFill>
-                <a:effectLst/>
-                <a:latin typeface="+mj-lt"/>
-              </a:rPr>
-              <a:t>які</a:t>
-            </a:r>
-            <a:r>
-              <a:rPr kumimoji="0" lang="en-US" altLang="en-US" sz="1800" b="0" i="0" u="none" strike="noStrike" cap="none" normalizeH="0" baseline="0" dirty="0" smtClean="0">
-                <a:ln>
-                  <a:noFill/>
-                </a:ln>
-                <a:solidFill>
-                  <a:schemeClr val="tx1"/>
-                </a:solidFill>
-                <a:effectLst/>
-                <a:latin typeface="+mj-lt"/>
-              </a:rPr>
-              <a:t> </a:t>
-            </a:r>
-            <a:r>
-              <a:rPr kumimoji="0" lang="en-US" altLang="en-US" sz="1800" b="0" i="0" u="none" strike="noStrike" cap="none" normalizeH="0" baseline="0" dirty="0" err="1" smtClean="0">
-                <a:ln>
-                  <a:noFill/>
-                </a:ln>
-                <a:solidFill>
-                  <a:schemeClr val="tx1"/>
-                </a:solidFill>
-                <a:effectLst/>
-                <a:latin typeface="+mj-lt"/>
-              </a:rPr>
-              <a:t>щонайменше</a:t>
-            </a:r>
-            <a:r>
-              <a:rPr kumimoji="0" lang="en-US" altLang="en-US" sz="1800" b="0" i="0" u="none" strike="noStrike" cap="none" normalizeH="0" baseline="0" dirty="0" smtClean="0">
-                <a:ln>
-                  <a:noFill/>
-                </a:ln>
-                <a:solidFill>
-                  <a:schemeClr val="tx1"/>
-                </a:solidFill>
-                <a:effectLst/>
-                <a:latin typeface="+mj-lt"/>
-              </a:rPr>
-              <a:t> </a:t>
-            </a:r>
-            <a:r>
-              <a:rPr kumimoji="0" lang="en-US" altLang="en-US" sz="1800" b="0" i="0" u="none" strike="noStrike" cap="none" normalizeH="0" baseline="0" dirty="0" err="1" smtClean="0">
-                <a:ln>
-                  <a:noFill/>
-                </a:ln>
-                <a:solidFill>
-                  <a:schemeClr val="tx1"/>
-                </a:solidFill>
-                <a:effectLst/>
-                <a:latin typeface="+mj-lt"/>
-              </a:rPr>
-              <a:t>настільки</a:t>
-            </a:r>
-            <a:r>
-              <a:rPr kumimoji="0" lang="en-US" altLang="en-US" sz="1800" b="0" i="0" u="none" strike="noStrike" cap="none" normalizeH="0" baseline="0" dirty="0" smtClean="0">
-                <a:ln>
-                  <a:noFill/>
-                </a:ln>
-                <a:solidFill>
-                  <a:schemeClr val="tx1"/>
-                </a:solidFill>
-                <a:effectLst/>
-                <a:latin typeface="+mj-lt"/>
-              </a:rPr>
-              <a:t> ж </a:t>
-            </a:r>
-            <a:r>
-              <a:rPr kumimoji="0" lang="en-US" altLang="en-US" sz="1800" b="0" i="0" u="none" strike="noStrike" cap="none" normalizeH="0" baseline="0" dirty="0" err="1" smtClean="0">
-                <a:ln>
-                  <a:noFill/>
-                </a:ln>
-                <a:solidFill>
-                  <a:schemeClr val="tx1"/>
-                </a:solidFill>
-                <a:effectLst/>
-                <a:latin typeface="+mj-lt"/>
-              </a:rPr>
-              <a:t>складні</a:t>
-            </a:r>
-            <a:r>
-              <a:rPr kumimoji="0" lang="en-US" altLang="en-US" sz="1800" b="0" i="0" u="none" strike="noStrike" cap="none" normalizeH="0" baseline="0" dirty="0" smtClean="0">
-                <a:ln>
-                  <a:noFill/>
-                </a:ln>
-                <a:solidFill>
-                  <a:schemeClr val="tx1"/>
-                </a:solidFill>
-                <a:effectLst/>
-                <a:latin typeface="+mj-lt"/>
-              </a:rPr>
-              <a:t>, </a:t>
-            </a:r>
-            <a:endParaRPr kumimoji="0" lang="uk-UA" altLang="en-US" sz="1800" b="0" i="0" u="none" strike="noStrike" cap="none" normalizeH="0" baseline="0" dirty="0" smtClean="0">
-              <a:ln>
-                <a:noFill/>
-              </a:ln>
-              <a:solidFill>
-                <a:schemeClr val="tx1"/>
-              </a:solidFill>
-              <a:effectLst/>
-              <a:latin typeface="+mj-lt"/>
-            </a:endParaRPr>
-          </a:p>
-          <a:p>
-            <a:pPr marL="0" marR="0" lvl="0" indent="0" algn="l" defTabSz="914400" rtl="0" eaLnBrk="0" fontAlgn="base" latinLnBrk="0" hangingPunct="0">
-              <a:lnSpc>
-                <a:spcPct val="100000"/>
-              </a:lnSpc>
-              <a:spcBef>
-                <a:spcPct val="0"/>
-              </a:spcBef>
-              <a:spcAft>
-                <a:spcPct val="0"/>
-              </a:spcAft>
-              <a:buClrTx/>
-              <a:buSzTx/>
-              <a:buNone/>
-              <a:tabLst/>
-            </a:pPr>
-            <a:r>
-              <a:rPr kumimoji="0" lang="uk-UA" altLang="en-US" sz="1800" b="0" i="0" u="none" strike="noStrike" cap="none" normalizeH="0" baseline="0" dirty="0" smtClean="0">
-                <a:ln>
-                  <a:noFill/>
-                </a:ln>
-                <a:solidFill>
-                  <a:schemeClr val="tx1"/>
-                </a:solidFill>
-                <a:effectLst/>
-                <a:latin typeface="+mj-lt"/>
-              </a:rPr>
-              <a:t>я</a:t>
-            </a:r>
-            <a:r>
-              <a:rPr kumimoji="0" lang="en-US" altLang="en-US" sz="1800" b="0" i="0" u="none" strike="noStrike" cap="none" normalizeH="0" baseline="0" dirty="0" smtClean="0">
-                <a:ln>
-                  <a:noFill/>
-                </a:ln>
-                <a:solidFill>
-                  <a:schemeClr val="tx1"/>
-                </a:solidFill>
-                <a:effectLst/>
-                <a:latin typeface="+mj-lt"/>
-              </a:rPr>
-              <a:t>к NP-</a:t>
-            </a:r>
-            <a:r>
-              <a:rPr kumimoji="0" lang="en-US" altLang="en-US" sz="1800" b="0" i="0" u="none" strike="noStrike" cap="none" normalizeH="0" baseline="0" dirty="0" err="1" smtClean="0">
-                <a:ln>
-                  <a:noFill/>
-                </a:ln>
-                <a:solidFill>
-                  <a:schemeClr val="tx1"/>
-                </a:solidFill>
-                <a:effectLst/>
-                <a:latin typeface="+mj-lt"/>
-              </a:rPr>
-              <a:t>повні</a:t>
-            </a:r>
-            <a:r>
-              <a:rPr kumimoji="0" lang="en-US" altLang="en-US" sz="1800" b="0" i="0" u="none" strike="noStrike" cap="none" normalizeH="0" baseline="0" dirty="0" smtClean="0">
-                <a:ln>
-                  <a:noFill/>
-                </a:ln>
-                <a:solidFill>
-                  <a:schemeClr val="tx1"/>
-                </a:solidFill>
-                <a:effectLst/>
-                <a:latin typeface="+mj-lt"/>
-              </a:rPr>
-              <a:t>, </a:t>
-            </a:r>
-            <a:r>
-              <a:rPr kumimoji="0" lang="en-US" altLang="en-US" sz="1800" b="0" i="0" u="none" strike="noStrike" cap="none" normalizeH="0" baseline="0" dirty="0" err="1" smtClean="0">
-                <a:ln>
-                  <a:noFill/>
-                </a:ln>
-                <a:solidFill>
-                  <a:schemeClr val="tx1"/>
-                </a:solidFill>
-                <a:effectLst/>
-                <a:latin typeface="+mj-lt"/>
-              </a:rPr>
-              <a:t>але</a:t>
-            </a:r>
-            <a:r>
-              <a:rPr kumimoji="0" lang="en-US" altLang="en-US" sz="1800" b="0" i="0" u="none" strike="noStrike" cap="none" normalizeH="0" baseline="0" dirty="0" smtClean="0">
-                <a:ln>
-                  <a:noFill/>
-                </a:ln>
-                <a:solidFill>
-                  <a:schemeClr val="tx1"/>
-                </a:solidFill>
-                <a:effectLst/>
-                <a:latin typeface="+mj-lt"/>
-              </a:rPr>
-              <a:t> </a:t>
-            </a:r>
-            <a:r>
-              <a:rPr kumimoji="0" lang="en-US" altLang="en-US" sz="1800" b="0" i="0" u="none" strike="noStrike" cap="none" normalizeH="0" baseline="0" dirty="0" err="1" smtClean="0">
-                <a:ln>
-                  <a:noFill/>
-                </a:ln>
-                <a:solidFill>
-                  <a:schemeClr val="tx1"/>
-                </a:solidFill>
-                <a:effectLst/>
-                <a:latin typeface="+mj-lt"/>
-              </a:rPr>
-              <a:t>самі</a:t>
-            </a:r>
-            <a:r>
-              <a:rPr kumimoji="0" lang="en-US" altLang="en-US" sz="1800" b="0" i="0" u="none" strike="noStrike" cap="none" normalizeH="0" baseline="0" dirty="0" smtClean="0">
-                <a:ln>
-                  <a:noFill/>
-                </a:ln>
-                <a:solidFill>
-                  <a:schemeClr val="tx1"/>
-                </a:solidFill>
-                <a:effectLst/>
-                <a:latin typeface="+mj-lt"/>
-              </a:rPr>
-              <a:t> </a:t>
-            </a:r>
-            <a:r>
-              <a:rPr kumimoji="0" lang="en-US" altLang="en-US" sz="1800" b="0" i="0" u="none" strike="noStrike" cap="none" normalizeH="0" baseline="0" dirty="0" err="1" smtClean="0">
-                <a:ln>
-                  <a:noFill/>
-                </a:ln>
-                <a:solidFill>
-                  <a:schemeClr val="tx1"/>
-                </a:solidFill>
-                <a:effectLst/>
-                <a:latin typeface="+mj-lt"/>
-              </a:rPr>
-              <a:t>не</a:t>
-            </a:r>
-            <a:r>
-              <a:rPr kumimoji="0" lang="en-US" altLang="en-US" sz="1800" b="0" i="0" u="none" strike="noStrike" cap="none" normalizeH="0" baseline="0" dirty="0" smtClean="0">
-                <a:ln>
-                  <a:noFill/>
-                </a:ln>
-                <a:solidFill>
-                  <a:schemeClr val="tx1"/>
-                </a:solidFill>
-                <a:effectLst/>
-                <a:latin typeface="+mj-lt"/>
-              </a:rPr>
-              <a:t> </a:t>
-            </a:r>
-            <a:r>
-              <a:rPr kumimoji="0" lang="en-US" altLang="en-US" sz="1800" b="0" i="0" u="none" strike="noStrike" cap="none" normalizeH="0" baseline="0" dirty="0" err="1" smtClean="0">
-                <a:ln>
-                  <a:noFill/>
-                </a:ln>
-                <a:solidFill>
-                  <a:schemeClr val="tx1"/>
-                </a:solidFill>
-                <a:effectLst/>
-                <a:latin typeface="+mj-lt"/>
-              </a:rPr>
-              <a:t>обов'язково</a:t>
-            </a:r>
-            <a:r>
-              <a:rPr kumimoji="0" lang="en-US" altLang="en-US" sz="1800" b="0" i="0" u="none" strike="noStrike" cap="none" normalizeH="0" baseline="0" dirty="0" smtClean="0">
-                <a:ln>
-                  <a:noFill/>
-                </a:ln>
-                <a:solidFill>
-                  <a:schemeClr val="tx1"/>
-                </a:solidFill>
-                <a:effectLst/>
-                <a:latin typeface="+mj-lt"/>
-              </a:rPr>
-              <a:t> </a:t>
-            </a:r>
-            <a:r>
-              <a:rPr kumimoji="0" lang="en-US" altLang="en-US" sz="1800" b="0" i="0" u="none" strike="noStrike" cap="none" normalizeH="0" baseline="0" dirty="0" err="1" smtClean="0">
-                <a:ln>
-                  <a:noFill/>
-                </a:ln>
-                <a:solidFill>
-                  <a:schemeClr val="tx1"/>
-                </a:solidFill>
-                <a:effectLst/>
-                <a:latin typeface="+mj-lt"/>
-              </a:rPr>
-              <a:t>належать</a:t>
-            </a:r>
-            <a:r>
-              <a:rPr kumimoji="0" lang="en-US" altLang="en-US" sz="1800" b="0" i="0" u="none" strike="noStrike" cap="none" normalizeH="0" baseline="0" dirty="0" smtClean="0">
-                <a:ln>
-                  <a:noFill/>
-                </a:ln>
-                <a:solidFill>
-                  <a:schemeClr val="tx1"/>
-                </a:solidFill>
-                <a:effectLst/>
-                <a:latin typeface="+mj-lt"/>
-              </a:rPr>
-              <a:t> </a:t>
-            </a:r>
-            <a:r>
-              <a:rPr kumimoji="0" lang="en-US" altLang="en-US" sz="1800" b="0" i="0" u="none" strike="noStrike" cap="none" normalizeH="0" baseline="0" dirty="0" err="1" smtClean="0">
-                <a:ln>
-                  <a:noFill/>
-                </a:ln>
-                <a:solidFill>
-                  <a:schemeClr val="tx1"/>
-                </a:solidFill>
-                <a:effectLst/>
-                <a:latin typeface="+mj-lt"/>
-              </a:rPr>
-              <a:t>до</a:t>
-            </a:r>
-            <a:r>
-              <a:rPr kumimoji="0" lang="en-US" altLang="en-US" sz="1800" b="0" i="0" u="none" strike="noStrike" cap="none" normalizeH="0" baseline="0" dirty="0" smtClean="0">
-                <a:ln>
-                  <a:noFill/>
-                </a:ln>
-                <a:solidFill>
-                  <a:schemeClr val="tx1"/>
-                </a:solidFill>
-                <a:effectLst/>
-                <a:latin typeface="+mj-lt"/>
-              </a:rPr>
-              <a:t> NP </a:t>
-            </a:r>
-            <a:endParaRPr kumimoji="0" lang="uk-UA" altLang="en-US" sz="1800" b="0" i="0" u="none" strike="noStrike" cap="none" normalizeH="0" baseline="0" dirty="0" smtClean="0">
-              <a:ln>
-                <a:noFill/>
-              </a:ln>
-              <a:solidFill>
-                <a:schemeClr val="tx1"/>
-              </a:solidFill>
-              <a:effectLst/>
-              <a:latin typeface="+mj-lt"/>
-            </a:endParaRPr>
-          </a:p>
-          <a:p>
-            <a:pPr marL="0" marR="0" lvl="0" indent="0" algn="l" defTabSz="914400" rtl="0" eaLnBrk="0" fontAlgn="base" latinLnBrk="0" hangingPunct="0">
-              <a:lnSpc>
-                <a:spcPct val="100000"/>
-              </a:lnSpc>
-              <a:spcBef>
-                <a:spcPct val="0"/>
-              </a:spcBef>
-              <a:spcAft>
-                <a:spcPct val="0"/>
-              </a:spcAft>
-              <a:buClrTx/>
-              <a:buSzTx/>
-              <a:buNone/>
-              <a:tabLst/>
-            </a:pPr>
-            <a:r>
-              <a:rPr kumimoji="0" lang="en-US" altLang="en-US" sz="1800" b="0" i="0" u="none" strike="noStrike" cap="none" normalizeH="0" baseline="0" dirty="0" smtClean="0">
-                <a:ln>
-                  <a:noFill/>
-                </a:ln>
-                <a:solidFill>
-                  <a:schemeClr val="tx1"/>
-                </a:solidFill>
-                <a:effectLst/>
-                <a:latin typeface="+mj-lt"/>
-              </a:rPr>
-              <a:t>(</a:t>
-            </a:r>
-            <a:r>
-              <a:rPr kumimoji="0" lang="en-US" altLang="en-US" sz="1800" b="0" i="0" u="none" strike="noStrike" cap="none" normalizeH="0" baseline="0" dirty="0" err="1" smtClean="0">
-                <a:ln>
-                  <a:noFill/>
-                </a:ln>
-                <a:solidFill>
-                  <a:schemeClr val="tx1"/>
-                </a:solidFill>
-                <a:effectLst/>
-                <a:latin typeface="+mj-lt"/>
-              </a:rPr>
-              <a:t>вони</a:t>
-            </a:r>
-            <a:r>
-              <a:rPr kumimoji="0" lang="en-US" altLang="en-US" sz="1800" b="0" i="0" u="none" strike="noStrike" cap="none" normalizeH="0" baseline="0" dirty="0" smtClean="0">
-                <a:ln>
-                  <a:noFill/>
-                </a:ln>
-                <a:solidFill>
-                  <a:schemeClr val="tx1"/>
-                </a:solidFill>
-                <a:effectLst/>
-                <a:latin typeface="+mj-lt"/>
-              </a:rPr>
-              <a:t> </a:t>
-            </a:r>
-            <a:r>
-              <a:rPr kumimoji="0" lang="en-US" altLang="en-US" sz="1800" b="0" i="0" u="none" strike="noStrike" cap="none" normalizeH="0" baseline="0" dirty="0" err="1" smtClean="0">
-                <a:ln>
-                  <a:noFill/>
-                </a:ln>
-                <a:solidFill>
-                  <a:schemeClr val="tx1"/>
-                </a:solidFill>
-                <a:effectLst/>
-                <a:latin typeface="+mj-lt"/>
-              </a:rPr>
-              <a:t>можуть</a:t>
-            </a:r>
-            <a:r>
-              <a:rPr kumimoji="0" lang="en-US" altLang="en-US" sz="1800" b="0" i="0" u="none" strike="noStrike" cap="none" normalizeH="0" baseline="0" dirty="0" smtClean="0">
-                <a:ln>
-                  <a:noFill/>
-                </a:ln>
-                <a:solidFill>
-                  <a:schemeClr val="tx1"/>
-                </a:solidFill>
-                <a:effectLst/>
-                <a:latin typeface="+mj-lt"/>
-              </a:rPr>
-              <a:t> </a:t>
-            </a:r>
-            <a:r>
-              <a:rPr kumimoji="0" lang="en-US" altLang="en-US" sz="1800" b="0" i="0" u="none" strike="noStrike" cap="none" normalizeH="0" baseline="0" dirty="0" err="1" smtClean="0">
-                <a:ln>
-                  <a:noFill/>
-                </a:ln>
-                <a:solidFill>
-                  <a:schemeClr val="tx1"/>
-                </a:solidFill>
-                <a:effectLst/>
-                <a:latin typeface="+mj-lt"/>
-              </a:rPr>
-              <a:t>не</a:t>
-            </a:r>
-            <a:r>
-              <a:rPr kumimoji="0" lang="en-US" altLang="en-US" sz="1800" b="0" i="0" u="none" strike="noStrike" cap="none" normalizeH="0" baseline="0" dirty="0" smtClean="0">
-                <a:ln>
-                  <a:noFill/>
-                </a:ln>
-                <a:solidFill>
-                  <a:schemeClr val="tx1"/>
-                </a:solidFill>
-                <a:effectLst/>
-                <a:latin typeface="+mj-lt"/>
-              </a:rPr>
-              <a:t> </a:t>
-            </a:r>
-            <a:r>
-              <a:rPr kumimoji="0" lang="en-US" altLang="en-US" sz="1800" b="0" i="0" u="none" strike="noStrike" cap="none" normalizeH="0" baseline="0" dirty="0" err="1" smtClean="0">
-                <a:ln>
-                  <a:noFill/>
-                </a:ln>
-                <a:solidFill>
-                  <a:schemeClr val="tx1"/>
-                </a:solidFill>
-                <a:effectLst/>
-                <a:latin typeface="+mj-lt"/>
-              </a:rPr>
-              <a:t>мати</a:t>
-            </a:r>
-            <a:r>
-              <a:rPr kumimoji="0" lang="en-US" altLang="en-US" sz="1800" b="0" i="0" u="none" strike="noStrike" cap="none" normalizeH="0" baseline="0" dirty="0" smtClean="0">
-                <a:ln>
-                  <a:noFill/>
-                </a:ln>
-                <a:solidFill>
-                  <a:schemeClr val="tx1"/>
-                </a:solidFill>
-                <a:effectLst/>
-                <a:latin typeface="+mj-lt"/>
-              </a:rPr>
-              <a:t> </a:t>
-            </a:r>
-            <a:r>
-              <a:rPr kumimoji="0" lang="en-US" altLang="en-US" sz="1800" b="0" i="0" u="none" strike="noStrike" cap="none" normalizeH="0" baseline="0" dirty="0" err="1" smtClean="0">
-                <a:ln>
-                  <a:noFill/>
-                </a:ln>
-                <a:solidFill>
-                  <a:schemeClr val="tx1"/>
-                </a:solidFill>
-                <a:effectLst/>
-                <a:latin typeface="+mj-lt"/>
-              </a:rPr>
-              <a:t>розв'язку</a:t>
-            </a:r>
-            <a:r>
-              <a:rPr kumimoji="0" lang="en-US" altLang="en-US" sz="1800" b="0" i="0" u="none" strike="noStrike" cap="none" normalizeH="0" baseline="0" dirty="0" smtClean="0">
-                <a:ln>
-                  <a:noFill/>
-                </a:ln>
-                <a:solidFill>
-                  <a:schemeClr val="tx1"/>
-                </a:solidFill>
-                <a:effectLst/>
-                <a:latin typeface="+mj-lt"/>
-              </a:rPr>
-              <a:t>, </a:t>
-            </a:r>
-            <a:r>
-              <a:rPr kumimoji="0" lang="en-US" altLang="en-US" sz="1800" b="0" i="0" u="none" strike="noStrike" cap="none" normalizeH="0" baseline="0" dirty="0" err="1" smtClean="0">
-                <a:ln>
-                  <a:noFill/>
-                </a:ln>
-                <a:solidFill>
-                  <a:schemeClr val="tx1"/>
-                </a:solidFill>
-                <a:effectLst/>
-                <a:latin typeface="+mj-lt"/>
-              </a:rPr>
-              <a:t>який</a:t>
-            </a:r>
-            <a:r>
-              <a:rPr kumimoji="0" lang="en-US" altLang="en-US" sz="1800" b="0" i="0" u="none" strike="noStrike" cap="none" normalizeH="0" baseline="0" dirty="0" smtClean="0">
-                <a:ln>
-                  <a:noFill/>
-                </a:ln>
-                <a:solidFill>
-                  <a:schemeClr val="tx1"/>
-                </a:solidFill>
-                <a:effectLst/>
-                <a:latin typeface="+mj-lt"/>
-              </a:rPr>
-              <a:t> </a:t>
-            </a:r>
-            <a:r>
-              <a:rPr kumimoji="0" lang="en-US" altLang="en-US" sz="1800" b="0" i="0" u="none" strike="noStrike" cap="none" normalizeH="0" baseline="0" dirty="0" err="1" smtClean="0">
-                <a:ln>
-                  <a:noFill/>
-                </a:ln>
-                <a:solidFill>
-                  <a:schemeClr val="tx1"/>
-                </a:solidFill>
-                <a:effectLst/>
-                <a:latin typeface="+mj-lt"/>
-              </a:rPr>
-              <a:t>можна</a:t>
-            </a:r>
-            <a:r>
-              <a:rPr kumimoji="0" lang="en-US" altLang="en-US" sz="1800" b="0" i="0" u="none" strike="noStrike" cap="none" normalizeH="0" baseline="0" dirty="0" smtClean="0">
-                <a:ln>
-                  <a:noFill/>
-                </a:ln>
-                <a:solidFill>
-                  <a:schemeClr val="tx1"/>
-                </a:solidFill>
-                <a:effectLst/>
-                <a:latin typeface="+mj-lt"/>
-              </a:rPr>
-              <a:t> </a:t>
-            </a:r>
-            <a:r>
-              <a:rPr kumimoji="0" lang="en-US" altLang="en-US" sz="1800" b="0" i="0" u="none" strike="noStrike" cap="none" normalizeH="0" baseline="0" dirty="0" err="1" smtClean="0">
-                <a:ln>
-                  <a:noFill/>
-                </a:ln>
-                <a:solidFill>
-                  <a:schemeClr val="tx1"/>
-                </a:solidFill>
-                <a:effectLst/>
-                <a:latin typeface="+mj-lt"/>
-              </a:rPr>
-              <a:t>перевірити</a:t>
-            </a:r>
-            <a:r>
-              <a:rPr kumimoji="0" lang="en-US" altLang="en-US" sz="1800" b="0" i="0" u="none" strike="noStrike" cap="none" normalizeH="0" baseline="0" dirty="0" smtClean="0">
-                <a:ln>
-                  <a:noFill/>
-                </a:ln>
-                <a:solidFill>
-                  <a:schemeClr val="tx1"/>
-                </a:solidFill>
-                <a:effectLst/>
-                <a:latin typeface="+mj-lt"/>
-              </a:rPr>
-              <a:t> </a:t>
-            </a:r>
-            <a:r>
-              <a:rPr kumimoji="0" lang="en-US" altLang="en-US" sz="1800" b="0" i="0" u="none" strike="noStrike" cap="none" normalizeH="0" baseline="0" dirty="0" err="1" smtClean="0">
-                <a:ln>
-                  <a:noFill/>
-                </a:ln>
-                <a:solidFill>
-                  <a:schemeClr val="tx1"/>
-                </a:solidFill>
-                <a:effectLst/>
-                <a:latin typeface="+mj-lt"/>
-              </a:rPr>
-              <a:t>за</a:t>
-            </a:r>
-            <a:r>
-              <a:rPr kumimoji="0" lang="en-US" altLang="en-US" sz="1800" b="0" i="0" u="none" strike="noStrike" cap="none" normalizeH="0" baseline="0" dirty="0" smtClean="0">
-                <a:ln>
-                  <a:noFill/>
-                </a:ln>
-                <a:solidFill>
-                  <a:schemeClr val="tx1"/>
-                </a:solidFill>
-                <a:effectLst/>
-                <a:latin typeface="+mj-lt"/>
-              </a:rPr>
-              <a:t> </a:t>
-            </a:r>
-            <a:r>
-              <a:rPr kumimoji="0" lang="en-US" altLang="en-US" sz="1800" b="0" i="0" u="none" strike="noStrike" cap="none" normalizeH="0" baseline="0" dirty="0" err="1" smtClean="0">
-                <a:ln>
-                  <a:noFill/>
-                </a:ln>
-                <a:solidFill>
-                  <a:schemeClr val="tx1"/>
-                </a:solidFill>
-                <a:effectLst/>
-                <a:latin typeface="+mj-lt"/>
-              </a:rPr>
-              <a:t>поліноміальний</a:t>
-            </a:r>
-            <a:r>
-              <a:rPr kumimoji="0" lang="en-US" altLang="en-US" sz="1800" b="0" i="0" u="none" strike="noStrike" cap="none" normalizeH="0" baseline="0" dirty="0" smtClean="0">
-                <a:ln>
-                  <a:noFill/>
-                </a:ln>
-                <a:solidFill>
-                  <a:schemeClr val="tx1"/>
-                </a:solidFill>
-                <a:effectLst/>
-                <a:latin typeface="+mj-lt"/>
-              </a:rPr>
-              <a:t> </a:t>
-            </a:r>
-            <a:r>
-              <a:rPr kumimoji="0" lang="en-US" altLang="en-US" sz="1800" b="0" i="0" u="none" strike="noStrike" cap="none" normalizeH="0" baseline="0" dirty="0" err="1" smtClean="0">
-                <a:ln>
-                  <a:noFill/>
-                </a:ln>
-                <a:solidFill>
-                  <a:schemeClr val="tx1"/>
-                </a:solidFill>
-                <a:effectLst/>
-                <a:latin typeface="+mj-lt"/>
-              </a:rPr>
-              <a:t>час</a:t>
-            </a:r>
-            <a:r>
-              <a:rPr kumimoji="0" lang="en-US" altLang="en-US" sz="1800" b="0" i="0" u="none" strike="noStrike" cap="none" normalizeH="0" baseline="0" dirty="0" smtClean="0">
-                <a:ln>
-                  <a:noFill/>
-                </a:ln>
-                <a:solidFill>
-                  <a:schemeClr val="tx1"/>
-                </a:solidFill>
-                <a:effectLst/>
-                <a:latin typeface="+mj-lt"/>
-              </a:rPr>
-              <a:t>). </a:t>
-            </a:r>
+            <a:endParaRPr lang="en-US" dirty="0"/>
           </a:p>
         </p:txBody>
       </p:sp>
     </p:spTree>
     <p:extLst>
       <p:ext uri="{BB962C8B-B14F-4D97-AF65-F5344CB8AC3E}">
-        <p14:creationId xmlns:p14="http://schemas.microsoft.com/office/powerpoint/2010/main" val="2550334033"/>
+        <p14:creationId xmlns:p14="http://schemas.microsoft.com/office/powerpoint/2010/main" val="2822285889"/>
       </p:ext>
     </p:extLst>
   </p:cSld>
@@ -14532,7 +14799,7 @@
         </p:nvSpPr>
         <p:spPr bwMode="auto">
           <a:xfrm>
-            <a:off x="937853" y="1943515"/>
+            <a:off x="937853" y="1652570"/>
             <a:ext cx="10330457" cy="4801314"/>
           </a:xfrm>
           <a:prstGeom prst="rect">
@@ -15391,16 +15658,6 @@
               </a:rPr>
               <a:t>, </a:t>
             </a:r>
-            <a:endParaRPr kumimoji="0" lang="en-US" altLang="en-US" sz="2400" b="0" i="0" u="none" strike="noStrike" cap="none" normalizeH="0" baseline="0" dirty="0" smtClean="0">
-              <a:ln>
-                <a:noFill/>
-              </a:ln>
-              <a:solidFill>
-                <a:schemeClr val="tx1"/>
-              </a:solidFill>
-              <a:effectLst/>
-              <a:latin typeface="+mj-lt"/>
-            </a:endParaRPr>
           </a:p>
           <a:p>
             <a:pPr marL="0" marR="0" lvl="0" indent="0" algn="l" defTabSz="914400" rtl="0" eaLnBrk="0" fontAlgn="base" latinLnBrk="0" hangingPunct="0">
@@ -17242,15 +17499,6 @@
               </a:rPr>
               <a:t> </a:t>
             </a:r>
-            <a:endParaRPr kumimoji="0" lang="en-US" altLang="en-US" b="0" i="0" u="none" strike="noStrike" cap="none" normalizeH="0" baseline="0" dirty="0" smtClean="0">
-              <a:ln>
-                <a:noFill/>
-              </a:ln>
-              <a:solidFill>
-                <a:schemeClr val="tx1"/>
-              </a:solidFill>
-              <a:effectLst/>
-            </a:endParaRPr>
           </a:p>
           <a:p>
             <a:pPr marL="0" marR="0" lvl="0" indent="0" algn="l" defTabSz="914400" rtl="0" eaLnBrk="0" fontAlgn="base" latinLnBrk="0" hangingPunct="0">
@@ -17787,19 +18035,7 @@
                 </a:solidFill>
                 <a:effectLst/>
               </a:rPr>
-              <a:t> </a:t>
-            </a:r>
-            <a:r>
-              <a:rPr kumimoji="0" lang="en-US" altLang="en-US" b="1" i="0" u="none" strike="noStrike" cap="none" normalizeH="0" baseline="0" dirty="0" smtClean="0">
-                <a:ln>
-                  <a:noFill/>
-                </a:ln>
-                <a:solidFill>
-                  <a:schemeClr val="tx1"/>
-                </a:solidFill>
-                <a:effectLst/>
-              </a:rPr>
-              <a:t>(Independent Set Problem)</a:t>
+              <a:t> (Independent Set Problem)</a:t>
             </a:r>
             <a:r>
               <a:rPr kumimoji="0" lang="en-US" altLang="en-US" b="0" i="0" u="none" strike="noStrike" cap="none" normalizeH="0" baseline="0" dirty="0" smtClean="0">
@@ -17813,15 +18049,6 @@
               </a:rPr>
               <a:t>:</a:t>
             </a:r>
-            <a:endParaRPr kumimoji="0" lang="en-US" altLang="en-US" b="0" i="0" u="none" strike="noStrike" cap="none" normalizeH="0" baseline="0" dirty="0" smtClean="0">
-              <a:ln>
-                <a:noFill/>
-              </a:ln>
-              <a:solidFill>
-                <a:schemeClr val="tx1"/>
-              </a:solidFill>
-              <a:effectLst/>
-            </a:endParaRPr>
           </a:p>
           <a:p>
             <a:pPr marL="0" marR="0" lvl="0" indent="0" algn="l" defTabSz="914400" rtl="0" eaLnBrk="0" fontAlgn="base" latinLnBrk="0" hangingPunct="0">
@@ -18007,15 +18234,6 @@
               </a:rPr>
               <a:t> </a:t>
             </a:r>
-            <a:endParaRPr kumimoji="0" lang="en-US" altLang="en-US" b="0" i="0" u="none" strike="noStrike" cap="none" normalizeH="0" baseline="0" dirty="0" smtClean="0">
-              <a:ln>
-                <a:noFill/>
-              </a:ln>
-              <a:solidFill>
-                <a:schemeClr val="tx1"/>
-              </a:solidFill>
-              <a:effectLst/>
-            </a:endParaRPr>
           </a:p>
           <a:p>
             <a:pPr marL="0" marR="0" lvl="0" indent="0" algn="l" defTabSz="914400" rtl="0" eaLnBrk="0" fontAlgn="base" latinLnBrk="0" hangingPunct="0">
@@ -18673,15 +18891,6 @@
               </a:rPr>
               <a:t>.</a:t>
             </a:r>
-            <a:endParaRPr kumimoji="0" lang="en-US" altLang="en-US" b="0" i="0" u="none" strike="noStrike" cap="none" normalizeH="0" baseline="0" dirty="0" smtClean="0">
-              <a:ln>
-                <a:noFill/>
-              </a:ln>
-              <a:solidFill>
-                <a:schemeClr val="tx1"/>
-              </a:solidFill>
-              <a:effectLst/>
-            </a:endParaRPr>
           </a:p>
         </p:txBody>
       </p:sp>
@@ -26442,13 +26651,7 @@
                           <a:rPr lang="fr-CA" b="0" i="1" smtClean="0">
                             <a:latin typeface="Cambria Math" panose="02040503050406030204" pitchFamily="18" charset="0"/>
                           </a:rPr>
-                          <m:t>−</m:t>
-                        </m:r>
-                        <m:r>
-                          <a:rPr lang="fr-CA" b="0" i="1" smtClean="0">
-                            <a:latin typeface="Cambria Math" panose="02040503050406030204" pitchFamily="18" charset="0"/>
-                          </a:rPr>
-                          <m:t>1</m:t>
+                          <m:t>−1</m:t>
                         </m:r>
                       </m:e>
                     </m:d>
@@ -26521,13 +26724,7 @@
                               <a:rPr lang="fr-CA" b="0" i="1" smtClean="0">
                                 <a:latin typeface="Cambria Math" panose="02040503050406030204" pitchFamily="18" charset="0"/>
                               </a:rPr>
-                              <m:t>−</m:t>
-                            </m:r>
-                            <m:r>
-                              <a:rPr lang="fr-CA" b="0" i="1" smtClean="0">
-                                <a:latin typeface="Cambria Math" panose="02040503050406030204" pitchFamily="18" charset="0"/>
-                              </a:rPr>
-                              <m:t>1</m:t>
+                              <m:t>−1</m:t>
                             </m:r>
                           </m:e>
                         </m:d>
@@ -26565,7 +26762,7 @@
                       </a:rPr>
                       <m:t>𝑘</m:t>
                     </m:r>
-                    <a:fld id="{54C1A822-AEFE-4A76-8405-D78D6AF64861}" type="mathplaceholder">
+                    <a:fld id="{47842EEC-8935-4FB8-8281-03126AE42A19}" type="mathplaceholder">
                       <a:rPr lang="en-US" b="0" i="1" dirty="0" smtClean="0">
                         <a:latin typeface="Cambria Math" panose="02040503050406030204" pitchFamily="18" charset="0"/>
                       </a:rPr>
@@ -33359,7 +33556,27 @@
           <a:bodyPr/>
           <a:lstStyle/>
           <a:p>
-            <a:endParaRPr lang="en-US"/>
+            <a:r>
+              <a:rPr lang="en-US" dirty="0"/>
+              <a:t>NP-</a:t>
+            </a:r>
+            <a:r>
+              <a:rPr lang="ru-RU" dirty="0" err="1"/>
+              <a:t>складні</a:t>
+            </a:r>
+            <a:r>
+              <a:rPr lang="ru-RU" dirty="0"/>
+              <a:t> </a:t>
+            </a:r>
+            <a:r>
+              <a:rPr lang="ru-RU" dirty="0" err="1" smtClean="0"/>
+              <a:t>задачі</a:t>
+            </a:r>
+            <a:r>
+              <a:rPr lang="fr-CA" dirty="0" smtClean="0"/>
+              <a:t> -2 </a:t>
+            </a:r>
+            <a:endParaRPr lang="en-US" dirty="0"/>
           </a:p>
         </p:txBody>
       </p:sp>
@@ -37440,40 +37657,17 @@
             </a:r>
             <a:r>
               <a:rPr lang="en-US" dirty="0"/>
-              <a:t>DFA) </a:t>
-            </a:r>
-            <a:r>
-              <a:rPr lang="ru-RU" dirty="0" err="1"/>
-              <a:t>із</a:t>
-            </a:r>
-            <a:r>
-              <a:rPr lang="ru-RU" dirty="0"/>
-              <a:t> </a:t>
-            </a:r>
-            <a:r>
-              <a:rPr lang="ru-RU" dirty="0" err="1"/>
-              <a:t>експоненційною</a:t>
-            </a:r>
-            <a:r>
-              <a:rPr lang="ru-RU" dirty="0"/>
-              <a:t> </a:t>
-            </a:r>
-            <a:r>
-              <a:rPr lang="ru-RU" dirty="0" err="1"/>
-              <a:t>кількістю</a:t>
-            </a:r>
-            <a:r>
-              <a:rPr lang="ru-RU" dirty="0"/>
-              <a:t> </a:t>
-            </a:r>
-            <a:r>
-              <a:rPr lang="ru-RU" dirty="0" err="1"/>
-              <a:t>станів</a:t>
-            </a:r>
-            <a:r>
-              <a:rPr lang="ru-RU" dirty="0"/>
+              <a:t>DFA</a:t>
+            </a:r>
+            <a:r>
+              <a:rPr lang="en-US" dirty="0" smtClean="0"/>
+              <a:t>)</a:t>
+            </a:r>
+            <a:r>
+              <a:rPr lang="ru-RU" dirty="0" smtClean="0"/>
               <a:t>.</a:t>
             </a:r>
+            <a:endParaRPr lang="ru-RU" dirty="0"/>
           </a:p>
         </p:txBody>
       </p:sp>
@@ -37559,9 +37753,16 @@
             <p:ph idx="1"/>
           </p:nvPr>
         </p:nvSpPr>
-        <p:spPr/>
+        <p:spPr>
+          <a:xfrm>
+            <a:off x="1212274" y="2523681"/>
+            <a:ext cx="9601196" cy="3318936"/>
+          </a:xfrm>
+        </p:spPr>
         <p:txBody>
-          <a:bodyPr/>
+          <a:bodyPr>
+            <a:normAutofit fontScale="85000" lnSpcReduction="20000"/>
+          </a:bodyPr>
           <a:lstStyle/>
           <a:p>
             <a:pPr marL="0" indent="0">
@@ -37634,12 +37835,174 @@
           </a:p>
           <a:p>
             <a:r>
+              <a:rPr lang="en-US" b="1" dirty="0"/>
+              <a:t>Generalized Geography</a:t>
+            </a:r>
+            <a:r>
+              <a:rPr lang="en-US" dirty="0"/>
+              <a:t>: </a:t>
+            </a:r>
+            <a:r>
+              <a:rPr lang="ru-RU" dirty="0" err="1"/>
+              <a:t>гра</a:t>
+            </a:r>
+            <a:r>
+              <a:rPr lang="ru-RU" dirty="0"/>
+              <a:t>, в </a:t>
+            </a:r>
+            <a:r>
+              <a:rPr lang="ru-RU" dirty="0" err="1"/>
+              <a:t>якій</a:t>
+            </a:r>
+            <a:r>
+              <a:rPr lang="ru-RU" dirty="0"/>
+              <a:t> </a:t>
+            </a:r>
+            <a:r>
+              <a:rPr lang="ru-RU" dirty="0" err="1"/>
+              <a:t>гравці</a:t>
+            </a:r>
+            <a:r>
+              <a:rPr lang="ru-RU" dirty="0"/>
+              <a:t> по </a:t>
+            </a:r>
+            <a:r>
+              <a:rPr lang="ru-RU" dirty="0" err="1"/>
+              <a:t>черзі</a:t>
+            </a:r>
+            <a:r>
+              <a:rPr lang="ru-RU" dirty="0"/>
+              <a:t> </a:t>
+            </a:r>
+            <a:r>
+              <a:rPr lang="ru-RU" dirty="0" err="1"/>
+              <a:t>вибирають</a:t>
+            </a:r>
+            <a:r>
+              <a:rPr lang="ru-RU" dirty="0"/>
+              <a:t> </a:t>
+            </a:r>
+            <a:r>
+              <a:rPr lang="ru-RU" dirty="0" err="1"/>
+              <a:t>з'єднані</a:t>
+            </a:r>
+            <a:r>
+              <a:rPr lang="ru-RU" dirty="0"/>
+              <a:t> </a:t>
+            </a:r>
+            <a:r>
+              <a:rPr lang="ru-RU" dirty="0" err="1"/>
+              <a:t>міста</a:t>
+            </a:r>
+            <a:r>
+              <a:rPr lang="ru-RU" dirty="0"/>
+              <a:t> на </a:t>
+            </a:r>
+            <a:r>
+              <a:rPr lang="ru-RU" dirty="0" err="1"/>
+              <a:t>карті</a:t>
+            </a:r>
+            <a:r>
+              <a:rPr lang="ru-RU" dirty="0"/>
+              <a:t>. </a:t>
+            </a:r>
+            <a:r>
+              <a:rPr lang="ru-RU" dirty="0" err="1"/>
+              <a:t>Виграє</a:t>
+            </a:r>
+            <a:r>
+              <a:rPr lang="ru-RU" dirty="0"/>
+              <a:t> той, </a:t>
+            </a:r>
+            <a:r>
+              <a:rPr lang="ru-RU" dirty="0" err="1"/>
+              <a:t>хто</a:t>
+            </a:r>
+            <a:r>
+              <a:rPr lang="ru-RU" dirty="0"/>
+              <a:t> </a:t>
+            </a:r>
+            <a:r>
+              <a:rPr lang="ru-RU" dirty="0" err="1"/>
+              <a:t>змусить</a:t>
+            </a:r>
+            <a:r>
+              <a:rPr lang="ru-RU" dirty="0"/>
+              <a:t> </a:t>
+            </a:r>
+            <a:r>
+              <a:rPr lang="ru-RU" dirty="0" err="1"/>
+              <a:t>опонента</a:t>
+            </a:r>
+            <a:r>
+              <a:rPr lang="ru-RU" dirty="0"/>
+              <a:t> не </a:t>
+            </a:r>
+            <a:r>
+              <a:rPr lang="ru-RU" dirty="0" err="1"/>
+              <a:t>мати</a:t>
+            </a:r>
+            <a:r>
+              <a:rPr lang="ru-RU" dirty="0"/>
+              <a:t> </a:t>
+            </a:r>
+            <a:r>
+              <a:rPr lang="ru-RU" dirty="0" err="1"/>
+              <a:t>доступних</a:t>
+            </a:r>
+            <a:r>
+              <a:rPr lang="ru-RU" dirty="0"/>
+              <a:t> </a:t>
+            </a:r>
+            <a:r>
+              <a:rPr lang="ru-RU" dirty="0" err="1"/>
+              <a:t>ходів</a:t>
+            </a:r>
+            <a:r>
+              <a:rPr lang="ru-RU" dirty="0"/>
+              <a:t>. Доведено, </a:t>
+            </a:r>
+            <a:r>
+              <a:rPr lang="ru-RU" dirty="0" err="1"/>
+              <a:t>що</a:t>
+            </a:r>
+            <a:r>
+              <a:rPr lang="ru-RU" dirty="0"/>
+              <a:t> </a:t>
+            </a:r>
+            <a:r>
+              <a:rPr lang="ru-RU" dirty="0" err="1"/>
+              <a:t>ця</a:t>
+            </a:r>
+            <a:r>
+              <a:rPr lang="ru-RU" dirty="0"/>
+              <a:t> задача є </a:t>
+            </a:r>
+            <a:r>
+              <a:rPr lang="en-US" dirty="0"/>
+              <a:t>PSPACE-</a:t>
+            </a:r>
+            <a:r>
+              <a:rPr lang="ru-RU" dirty="0" err="1"/>
+              <a:t>повною</a:t>
+            </a:r>
+            <a:r>
+              <a:rPr lang="ru-RU" dirty="0" smtClean="0"/>
+              <a:t>.</a:t>
+            </a:r>
+          </a:p>
+          <a:p>
+            <a:r>
+              <a:rPr lang="ru-RU" b="1" dirty="0" smtClean="0"/>
+              <a:t>Задача </a:t>
+            </a:r>
+            <a:r>
               <a:rPr lang="ru-RU" b="1" dirty="0"/>
-              <a:t>Задача </a:t>
+              <a:t>про </a:t>
             </a:r>
             <a:r>
               <a:rPr lang="ru-RU" b="1" dirty="0" err="1"/>
-              <a:t>дійсних</a:t>
+              <a:t>перевірку</a:t>
             </a:r>
             <a:r>
               <a:rPr lang="ru-RU" b="1" dirty="0"/>
@@ -37647,11 +38010,47 @@
             </a:r>
             <a:r>
               <a:rPr lang="ru-RU" b="1" dirty="0" err="1"/>
-              <a:t>ігор</a:t>
+              <a:t>істинності</a:t>
+            </a:r>
+            <a:r>
+              <a:rPr lang="ru-RU" b="1" dirty="0"/>
+              <a:t> </a:t>
+            </a:r>
+            <a:r>
+              <a:rPr lang="ru-RU" b="1" dirty="0" err="1"/>
+              <a:t>логічних</a:t>
+            </a:r>
+            <a:r>
+              <a:rPr lang="ru-RU" b="1" dirty="0"/>
+              <a:t> формул у </a:t>
+            </a:r>
+            <a:r>
+              <a:rPr lang="ru-RU" b="1" dirty="0" err="1"/>
+              <a:t>пропозиційній</a:t>
+            </a:r>
+            <a:r>
+              <a:rPr lang="ru-RU" b="1" dirty="0"/>
+              <a:t> </a:t>
+            </a:r>
+            <a:r>
+              <a:rPr lang="ru-RU" b="1" dirty="0" err="1"/>
+              <a:t>логіці</a:t>
             </a:r>
             <a:r>
               <a:rPr lang="ru-RU" dirty="0"/>
-              <a:t> — </a:t>
+              <a:t> (</a:t>
+            </a:r>
+            <a:r>
+              <a:rPr lang="en-US" dirty="0"/>
+              <a:t>QBF) — </a:t>
+            </a:r>
+            <a:r>
+              <a:rPr lang="ru-RU" dirty="0" err="1"/>
+              <a:t>узагальнення</a:t>
+            </a:r>
+            <a:r>
+              <a:rPr lang="ru-RU" dirty="0"/>
+              <a:t> </a:t>
             </a:r>
             <a:r>
               <a:rPr lang="ru-RU" dirty="0" err="1"/>
@@ -37659,11 +38058,19 @@
             </a:r>
             <a:r>
               <a:rPr lang="ru-RU" dirty="0"/>
-              <a:t> з </a:t>
+              <a:t> </a:t>
+            </a:r>
+            <a:r>
+              <a:rPr lang="en-US" dirty="0"/>
+              <a:t>SAT, </a:t>
+            </a:r>
+            <a:r>
+              <a:rPr lang="ru-RU" dirty="0"/>
+              <a:t>де </a:t>
             </a:r>
             <a:r>
               <a:rPr lang="ru-RU" dirty="0" err="1"/>
-              <a:t>двома</a:t>
+              <a:t>змінні</a:t>
             </a:r>
             <a:r>
               <a:rPr lang="ru-RU" dirty="0"/>
@@ -37671,23 +38078,121 @@
             </a:r>
             <a:r>
               <a:rPr lang="ru-RU" dirty="0" err="1"/>
-              <a:t>гравцями</a:t>
+              <a:t>можуть</a:t>
             </a:r>
             <a:r>
               <a:rPr lang="ru-RU" dirty="0"/>
-              <a:t>, де </a:t>
+              <a:t> бути як </a:t>
             </a:r>
             <a:r>
               <a:rPr lang="ru-RU" dirty="0" err="1"/>
-              <a:t>кожен</a:t>
+              <a:t>існуючими</a:t>
             </a:r>
             <a:r>
               <a:rPr lang="ru-RU" dirty="0"/>
-              <a:t> </a:t>
+              <a:t>, так і </a:t>
             </a:r>
             <a:r>
               <a:rPr lang="ru-RU" dirty="0" err="1"/>
-              <a:t>намагається</a:t>
+              <a:t>універсальними</a:t>
+            </a:r>
+            <a:r>
+              <a:rPr lang="ru-RU" dirty="0"/>
+              <a:t> (∀ та ∃ </a:t>
+            </a:r>
+            <a:r>
+              <a:rPr lang="ru-RU" dirty="0" err="1"/>
+              <a:t>квантори</a:t>
+            </a:r>
+            <a:r>
+              <a:rPr lang="ru-RU" dirty="0" smtClean="0"/>
+              <a:t>).</a:t>
+            </a:r>
+          </a:p>
+          <a:p>
+            <a:r>
+              <a:rPr lang="ru-RU" b="1" dirty="0" err="1"/>
+              <a:t>Складання</a:t>
+            </a:r>
+            <a:r>
+              <a:rPr lang="ru-RU" b="1" dirty="0"/>
+              <a:t> </a:t>
+            </a:r>
+            <a:r>
+              <a:rPr lang="ru-RU" b="1" dirty="0" err="1"/>
+              <a:t>блоків</a:t>
+            </a:r>
+            <a:r>
+              <a:rPr lang="ru-RU" b="1" dirty="0"/>
+              <a:t> в </a:t>
+            </a:r>
+            <a:r>
+              <a:rPr lang="ru-RU" b="1" dirty="0" err="1"/>
+              <a:t>тетрісі</a:t>
+            </a:r>
+            <a:r>
+              <a:rPr lang="ru-RU" b="1" dirty="0"/>
+              <a:t> (</a:t>
+            </a:r>
+            <a:r>
+              <a:rPr lang="en-US" b="1" dirty="0"/>
+              <a:t>Generalized Tetris)</a:t>
+            </a:r>
+            <a:r>
+              <a:rPr lang="en-US" dirty="0"/>
+              <a:t>: </a:t>
+            </a:r>
+            <a:r>
+              <a:rPr lang="ru-RU" dirty="0" err="1"/>
+              <a:t>якщо</a:t>
+            </a:r>
+            <a:r>
+              <a:rPr lang="ru-RU" dirty="0"/>
+              <a:t> </a:t>
+            </a:r>
+            <a:r>
+              <a:rPr lang="ru-RU" dirty="0" err="1"/>
+              <a:t>уявити</a:t>
+            </a:r>
+            <a:r>
+              <a:rPr lang="ru-RU" dirty="0"/>
+              <a:t> </a:t>
+            </a:r>
+            <a:r>
+              <a:rPr lang="ru-RU" dirty="0" err="1"/>
+              <a:t>нескінченне</a:t>
+            </a:r>
+            <a:r>
+              <a:rPr lang="ru-RU" dirty="0"/>
+              <a:t> поле для </a:t>
+            </a:r>
+            <a:r>
+              <a:rPr lang="ru-RU" dirty="0" err="1"/>
+              <a:t>гри</a:t>
+            </a:r>
+            <a:r>
+              <a:rPr lang="ru-RU" dirty="0"/>
+              <a:t> та </a:t>
+            </a:r>
+            <a:r>
+              <a:rPr lang="ru-RU" dirty="0" err="1"/>
+              <a:t>запитати</a:t>
+            </a:r>
+            <a:r>
+              <a:rPr lang="ru-RU" dirty="0"/>
+              <a:t>, </a:t>
+            </a:r>
+            <a:r>
+              <a:rPr lang="ru-RU" dirty="0" err="1"/>
+              <a:t>чи</a:t>
+            </a:r>
+            <a:r>
+              <a:rPr lang="ru-RU" dirty="0"/>
+              <a:t> </a:t>
+            </a:r>
+            <a:r>
+              <a:rPr lang="ru-RU" dirty="0" err="1"/>
+              <a:t>можна</a:t>
             </a:r>
             <a:r>
               <a:rPr lang="ru-RU" dirty="0"/>
@@ -37707,122 +38212,69 @@
             </a:r>
             <a:r>
               <a:rPr lang="ru-RU" dirty="0"/>
-              <a:t> мети.</a:t>
-            </a:r>
-          </a:p>
-          <a:p>
-            <a:r>
-              <a:rPr lang="ru-RU" b="1" dirty="0"/>
-              <a:t>Задача про </a:t>
-            </a:r>
-            <a:r>
-              <a:rPr lang="ru-RU" b="1" dirty="0" err="1"/>
-              <a:t>перевірку</a:t>
-            </a:r>
-            <a:r>
-              <a:rPr lang="ru-RU" b="1" dirty="0"/>
-              <a:t> </a:t>
-            </a:r>
-            <a:r>
-              <a:rPr lang="ru-RU" b="1" dirty="0" err="1"/>
-              <a:t>істинності</a:t>
-            </a:r>
-            <a:r>
-              <a:rPr lang="ru-RU" b="1" dirty="0"/>
-              <a:t> </a:t>
-            </a:r>
-            <a:r>
-              <a:rPr lang="ru-RU" b="1" dirty="0" err="1"/>
-              <a:t>логічних</a:t>
-            </a:r>
-            <a:r>
-              <a:rPr lang="ru-RU" b="1" dirty="0"/>
-              <a:t> формул у </a:t>
-            </a:r>
-            <a:r>
-              <a:rPr lang="ru-RU" b="1" dirty="0" err="1"/>
-              <a:t>пропозиційній</a:t>
-            </a:r>
-            <a:r>
-              <a:rPr lang="ru-RU" b="1" dirty="0"/>
-              <a:t> </a:t>
-            </a:r>
-            <a:r>
-              <a:rPr lang="ru-RU" b="1" dirty="0" err="1"/>
-              <a:t>логіці</a:t>
+              <a:t> </a:t>
+            </a:r>
+            <a:r>
+              <a:rPr lang="ru-RU" dirty="0" err="1"/>
+              <a:t>конфігурації</a:t>
             </a:r>
             <a:r>
               <a:rPr lang="ru-RU" dirty="0"/>
-              <a:t> (</a:t>
+              <a:t> </a:t>
+            </a:r>
+            <a:r>
+              <a:rPr lang="ru-RU" dirty="0" err="1"/>
+              <a:t>або</a:t>
+            </a:r>
+            <a:r>
+              <a:rPr lang="ru-RU" dirty="0"/>
+              <a:t> </a:t>
+            </a:r>
+            <a:r>
+              <a:rPr lang="ru-RU" dirty="0" err="1"/>
+              <a:t>уникнути</a:t>
+            </a:r>
+            <a:r>
+              <a:rPr lang="ru-RU" dirty="0"/>
+              <a:t> </a:t>
+            </a:r>
+            <a:r>
+              <a:rPr lang="ru-RU" dirty="0" err="1"/>
+              <a:t>переповнення</a:t>
+            </a:r>
+            <a:r>
+              <a:rPr lang="ru-RU" dirty="0"/>
+              <a:t>, </a:t>
+            </a:r>
+            <a:r>
+              <a:rPr lang="ru-RU" dirty="0" err="1"/>
+              <a:t>ця</a:t>
+            </a:r>
+            <a:r>
+              <a:rPr lang="ru-RU" dirty="0"/>
+              <a:t> задача </a:t>
+            </a:r>
+            <a:r>
+              <a:rPr lang="ru-RU" dirty="0" err="1"/>
+              <a:t>стає</a:t>
+            </a:r>
+            <a:r>
+              <a:rPr lang="ru-RU" dirty="0"/>
+              <a:t> </a:t>
             </a:r>
             <a:r>
               <a:rPr lang="en-US" dirty="0"/>
-              <a:t>QBF) — </a:t>
+              <a:t>PSPACE-</a:t>
             </a:r>
             <a:r>
               <a:rPr lang="ru-RU" dirty="0" err="1"/>
-              <a:t>узагальнення</a:t>
+              <a:t>повною</a:t>
             </a:r>
             <a:r>
               <a:rPr lang="ru-RU" dirty="0"/>
-              <a:t> </a:t>
-            </a:r>
-            <a:r>
-              <a:rPr lang="ru-RU" dirty="0" err="1"/>
-              <a:t>задачі</a:t>
-            </a:r>
-            <a:r>
-              <a:rPr lang="ru-RU" dirty="0"/>
-              <a:t> </a:t>
-            </a:r>
-            <a:r>
-              <a:rPr lang="en-US" dirty="0"/>
-              <a:t>SAT, </a:t>
-            </a:r>
-            <a:r>
-              <a:rPr lang="ru-RU" dirty="0"/>
-              <a:t>де </a:t>
-            </a:r>
-            <a:r>
-              <a:rPr lang="ru-RU" dirty="0" err="1"/>
-              <a:t>змінні</a:t>
-            </a:r>
-            <a:r>
-              <a:rPr lang="ru-RU" dirty="0"/>
-              <a:t> </a:t>
-            </a:r>
-            <a:r>
-              <a:rPr lang="ru-RU" dirty="0" err="1"/>
-              <a:t>можуть</a:t>
-            </a:r>
-            <a:r>
-              <a:rPr lang="ru-RU" dirty="0"/>
-              <a:t> бути як </a:t>
-            </a:r>
-            <a:r>
-              <a:rPr lang="ru-RU" dirty="0" err="1"/>
-              <a:t>існуючими</a:t>
-            </a:r>
-            <a:r>
-              <a:rPr lang="ru-RU" dirty="0"/>
-              <a:t>, так і </a:t>
-            </a:r>
-            <a:r>
-              <a:rPr lang="ru-RU" dirty="0" err="1"/>
-              <a:t>універсальними</a:t>
-            </a:r>
-            <a:r>
-              <a:rPr lang="ru-RU" dirty="0"/>
-              <a:t> (∀ та ∃ </a:t>
-            </a:r>
-            <a:r>
-              <a:rPr lang="ru-RU" dirty="0" err="1"/>
-              <a:t>квантори</a:t>
-            </a:r>
-            <a:r>
-              <a:rPr lang="ru-RU" dirty="0"/>
-              <a:t>).</a:t>
-            </a:r>
+              <a:t>.</a:t>
+            </a:r>
+            <a:endParaRPr lang="ru-RU" dirty="0"/>
           </a:p>
           <a:p>
             <a:endParaRPr lang="en-US" dirty="0"/>
